--- a/Forest-Fire Alert and Detection System.pptx
+++ b/Forest-Fire Alert and Detection System.pptx
@@ -1,44 +1,44 @@
 
 <file path=ppt/presentation.xml><?xml version="1.0" encoding="utf-8"?>
-<p:presentation xmlns:a="http://schemas.openxmlformats.org/drawingml/2006/main" xmlns:r="http://schemas.openxmlformats.org/officeDocument/2006/relationships" xmlns:p="http://schemas.openxmlformats.org/presentationml/2006/main" strictFirstAndLastChars="0" embedTrueTypeFonts="1" saveSubsetFonts="1" autoCompressPictures="0">
+<p:presentation xmlns:a="http://schemas.openxmlformats.org/drawingml/2006/main" xmlns:r="http://schemas.openxmlformats.org/officeDocument/2006/relationships" xmlns:mc="http://schemas.openxmlformats.org/markup-compatibility/2006" xmlns:mv="urn:schemas-microsoft-com:mac:vml" xmlns:p="http://schemas.openxmlformats.org/presentationml/2006/main" xmlns:c="http://schemas.openxmlformats.org/drawingml/2006/chart" xmlns:dgm="http://schemas.openxmlformats.org/drawingml/2006/diagram" xmlns:o="urn:schemas-microsoft-com:office:office" xmlns:v="urn:schemas-microsoft-com:vml" xmlns:pvml="urn:schemas-microsoft-com:office:powerpoint" xmlns:com="http://schemas.openxmlformats.org/drawingml/2006/compatibility" xmlns:p14="http://schemas.microsoft.com/office/powerpoint/2010/main" xmlns:p15="http://schemas.microsoft.com/office/powerpoint/2012/main" xmlns:ahyp="http://schemas.microsoft.com/office/drawing/2018/hyperlinkcolor" autoCompressPictures="0" embedTrueTypeFonts="1" strictFirstAndLastChars="0" saveSubsetFonts="1">
   <p:sldMasterIdLst>
-    <p:sldMasterId id="2147483659" r:id="rId1"/>
+    <p:sldMasterId id="2147483659" r:id="rId4"/>
   </p:sldMasterIdLst>
   <p:notesMasterIdLst>
-    <p:notesMasterId r:id="rId12"/>
+    <p:notesMasterId r:id="rId5"/>
   </p:notesMasterIdLst>
   <p:sldIdLst>
-    <p:sldId id="256" r:id="rId2"/>
-    <p:sldId id="257" r:id="rId3"/>
-    <p:sldId id="258" r:id="rId4"/>
-    <p:sldId id="259" r:id="rId5"/>
-    <p:sldId id="260" r:id="rId6"/>
-    <p:sldId id="261" r:id="rId7"/>
-    <p:sldId id="262" r:id="rId8"/>
-    <p:sldId id="263" r:id="rId9"/>
-    <p:sldId id="264" r:id="rId10"/>
-    <p:sldId id="265" r:id="rId11"/>
+    <p:sldId id="256" r:id="rId6"/>
+    <p:sldId id="257" r:id="rId7"/>
+    <p:sldId id="258" r:id="rId8"/>
+    <p:sldId id="259" r:id="rId9"/>
+    <p:sldId id="260" r:id="rId10"/>
+    <p:sldId id="261" r:id="rId11"/>
+    <p:sldId id="262" r:id="rId12"/>
+    <p:sldId id="263" r:id="rId13"/>
+    <p:sldId id="264" r:id="rId14"/>
+    <p:sldId id="265" r:id="rId15"/>
   </p:sldIdLst>
-  <p:sldSz cx="9144000" cy="5143500" type="screen16x9"/>
+  <p:sldSz cy="5143500" cx="9144000"/>
   <p:notesSz cx="6858000" cy="9144000"/>
   <p:embeddedFontLst>
     <p:embeddedFont>
-      <p:font typeface="Economica" panose="020B0604020202020204" charset="0"/>
-      <p:regular r:id="rId13"/>
-      <p:bold r:id="rId14"/>
-      <p:italic r:id="rId15"/>
-      <p:boldItalic r:id="rId16"/>
+      <p:font typeface="Economica"/>
+      <p:regular r:id="rId16"/>
+      <p:bold r:id="rId17"/>
+      <p:italic r:id="rId18"/>
+      <p:boldItalic r:id="rId19"/>
     </p:embeddedFont>
     <p:embeddedFont>
-      <p:font typeface="Open Sans" panose="020B0604020202020204" charset="0"/>
-      <p:regular r:id="rId17"/>
-      <p:bold r:id="rId18"/>
-      <p:italic r:id="rId19"/>
-      <p:boldItalic r:id="rId20"/>
+      <p:font typeface="Open Sans"/>
+      <p:regular r:id="rId20"/>
+      <p:bold r:id="rId21"/>
+      <p:italic r:id="rId22"/>
+      <p:boldItalic r:id="rId23"/>
     </p:embeddedFont>
   </p:embeddedFontLst>
   <p:defaultTextStyle>
-    <a:defPPr marR="0" lvl="0" algn="l" rtl="0">
+    <a:defPPr lvl="0" marR="0" rtl="0" algn="l">
       <a:lnSpc>
         <a:spcPct val="100000"/>
       </a:lnSpc>
@@ -49,7 +49,7 @@
         <a:spcPts val="0"/>
       </a:spcAft>
     </a:defPPr>
-    <a:lvl1pPr marR="0" lvl="0" algn="l" rtl="0">
+    <a:lvl1pPr lvl="0" marR="0" rtl="0" algn="l">
       <a:lnSpc>
         <a:spcPct val="100000"/>
       </a:lnSpc>
@@ -63,7 +63,7 @@
         <a:srgbClr val="000000"/>
       </a:buClr>
       <a:buFont typeface="Arial"/>
-      <a:defRPr sz="1400" b="0" i="0" u="none" strike="noStrike" cap="none">
+      <a:defRPr b="0" i="0" sz="1400" u="none" cap="none" strike="noStrike">
         <a:solidFill>
           <a:srgbClr val="000000"/>
         </a:solidFill>
@@ -73,7 +73,7 @@
         <a:sym typeface="Arial"/>
       </a:defRPr>
     </a:lvl1pPr>
-    <a:lvl2pPr marR="0" lvl="1" algn="l" rtl="0">
+    <a:lvl2pPr lvl="1" marR="0" rtl="0" algn="l">
       <a:lnSpc>
         <a:spcPct val="100000"/>
       </a:lnSpc>
@@ -87,7 +87,7 @@
         <a:srgbClr val="000000"/>
       </a:buClr>
       <a:buFont typeface="Arial"/>
-      <a:defRPr sz="1400" b="0" i="0" u="none" strike="noStrike" cap="none">
+      <a:defRPr b="0" i="0" sz="1400" u="none" cap="none" strike="noStrike">
         <a:solidFill>
           <a:srgbClr val="000000"/>
         </a:solidFill>
@@ -97,7 +97,7 @@
         <a:sym typeface="Arial"/>
       </a:defRPr>
     </a:lvl2pPr>
-    <a:lvl3pPr marR="0" lvl="2" algn="l" rtl="0">
+    <a:lvl3pPr lvl="2" marR="0" rtl="0" algn="l">
       <a:lnSpc>
         <a:spcPct val="100000"/>
       </a:lnSpc>
@@ -111,7 +111,7 @@
         <a:srgbClr val="000000"/>
       </a:buClr>
       <a:buFont typeface="Arial"/>
-      <a:defRPr sz="1400" b="0" i="0" u="none" strike="noStrike" cap="none">
+      <a:defRPr b="0" i="0" sz="1400" u="none" cap="none" strike="noStrike">
         <a:solidFill>
           <a:srgbClr val="000000"/>
         </a:solidFill>
@@ -121,7 +121,7 @@
         <a:sym typeface="Arial"/>
       </a:defRPr>
     </a:lvl3pPr>
-    <a:lvl4pPr marR="0" lvl="3" algn="l" rtl="0">
+    <a:lvl4pPr lvl="3" marR="0" rtl="0" algn="l">
       <a:lnSpc>
         <a:spcPct val="100000"/>
       </a:lnSpc>
@@ -135,7 +135,7 @@
         <a:srgbClr val="000000"/>
       </a:buClr>
       <a:buFont typeface="Arial"/>
-      <a:defRPr sz="1400" b="0" i="0" u="none" strike="noStrike" cap="none">
+      <a:defRPr b="0" i="0" sz="1400" u="none" cap="none" strike="noStrike">
         <a:solidFill>
           <a:srgbClr val="000000"/>
         </a:solidFill>
@@ -145,7 +145,7 @@
         <a:sym typeface="Arial"/>
       </a:defRPr>
     </a:lvl4pPr>
-    <a:lvl5pPr marR="0" lvl="4" algn="l" rtl="0">
+    <a:lvl5pPr lvl="4" marR="0" rtl="0" algn="l">
       <a:lnSpc>
         <a:spcPct val="100000"/>
       </a:lnSpc>
@@ -159,7 +159,7 @@
         <a:srgbClr val="000000"/>
       </a:buClr>
       <a:buFont typeface="Arial"/>
-      <a:defRPr sz="1400" b="0" i="0" u="none" strike="noStrike" cap="none">
+      <a:defRPr b="0" i="0" sz="1400" u="none" cap="none" strike="noStrike">
         <a:solidFill>
           <a:srgbClr val="000000"/>
         </a:solidFill>
@@ -169,7 +169,7 @@
         <a:sym typeface="Arial"/>
       </a:defRPr>
     </a:lvl5pPr>
-    <a:lvl6pPr marR="0" lvl="5" algn="l" rtl="0">
+    <a:lvl6pPr lvl="5" marR="0" rtl="0" algn="l">
       <a:lnSpc>
         <a:spcPct val="100000"/>
       </a:lnSpc>
@@ -183,7 +183,7 @@
         <a:srgbClr val="000000"/>
       </a:buClr>
       <a:buFont typeface="Arial"/>
-      <a:defRPr sz="1400" b="0" i="0" u="none" strike="noStrike" cap="none">
+      <a:defRPr b="0" i="0" sz="1400" u="none" cap="none" strike="noStrike">
         <a:solidFill>
           <a:srgbClr val="000000"/>
         </a:solidFill>
@@ -193,7 +193,7 @@
         <a:sym typeface="Arial"/>
       </a:defRPr>
     </a:lvl6pPr>
-    <a:lvl7pPr marR="0" lvl="6" algn="l" rtl="0">
+    <a:lvl7pPr lvl="6" marR="0" rtl="0" algn="l">
       <a:lnSpc>
         <a:spcPct val="100000"/>
       </a:lnSpc>
@@ -207,7 +207,7 @@
         <a:srgbClr val="000000"/>
       </a:buClr>
       <a:buFont typeface="Arial"/>
-      <a:defRPr sz="1400" b="0" i="0" u="none" strike="noStrike" cap="none">
+      <a:defRPr b="0" i="0" sz="1400" u="none" cap="none" strike="noStrike">
         <a:solidFill>
           <a:srgbClr val="000000"/>
         </a:solidFill>
@@ -217,7 +217,7 @@
         <a:sym typeface="Arial"/>
       </a:defRPr>
     </a:lvl7pPr>
-    <a:lvl8pPr marR="0" lvl="7" algn="l" rtl="0">
+    <a:lvl8pPr lvl="7" marR="0" rtl="0" algn="l">
       <a:lnSpc>
         <a:spcPct val="100000"/>
       </a:lnSpc>
@@ -231,7 +231,7 @@
         <a:srgbClr val="000000"/>
       </a:buClr>
       <a:buFont typeface="Arial"/>
-      <a:defRPr sz="1400" b="0" i="0" u="none" strike="noStrike" cap="none">
+      <a:defRPr b="0" i="0" sz="1400" u="none" cap="none" strike="noStrike">
         <a:solidFill>
           <a:srgbClr val="000000"/>
         </a:solidFill>
@@ -241,7 +241,7 @@
         <a:sym typeface="Arial"/>
       </a:defRPr>
     </a:lvl8pPr>
-    <a:lvl9pPr marR="0" lvl="8" algn="l" rtl="0">
+    <a:lvl9pPr lvl="8" marR="0" rtl="0" algn="l">
       <a:lnSpc>
         <a:spcPct val="100000"/>
       </a:lnSpc>
@@ -255,7 +255,7 @@
         <a:srgbClr val="000000"/>
       </a:buClr>
       <a:buFont typeface="Arial"/>
-      <a:defRPr sz="1400" b="0" i="0" u="none" strike="noStrike" cap="none">
+      <a:defRPr b="0" i="0" sz="1400" u="none" cap="none" strike="noStrike">
         <a:solidFill>
           <a:srgbClr val="000000"/>
         </a:solidFill>
@@ -268,7 +268,7 @@
   </p:defaultTextStyle>
   <p:extLst>
     <p:ext uri="{EFAFB233-063F-42B5-8137-9DF3F51BA10A}">
-      <p15:sldGuideLst xmlns:p15="http://schemas.microsoft.com/office/powerpoint/2012/main">
+      <p15:sldGuideLst>
         <p15:guide id="1" orient="horz" pos="1620">
           <p15:clr>
             <a:srgbClr val="A4A3A4"/>
@@ -286,16 +286,11 @@
 </file>
 
 <file path=ppt/notesMasters/notesMaster1.xml><?xml version="1.0" encoding="utf-8"?>
-<p:notesMaster xmlns:a="http://schemas.openxmlformats.org/drawingml/2006/main" xmlns:r="http://schemas.openxmlformats.org/officeDocument/2006/relationships" xmlns:p="http://schemas.openxmlformats.org/presentationml/2006/main">
+<p:notesMaster xmlns:a="http://schemas.openxmlformats.org/drawingml/2006/main" xmlns:r="http://schemas.openxmlformats.org/officeDocument/2006/relationships" xmlns:mc="http://schemas.openxmlformats.org/markup-compatibility/2006" xmlns:mv="urn:schemas-microsoft-com:mac:vml" xmlns:p="http://schemas.openxmlformats.org/presentationml/2006/main" xmlns:c="http://schemas.openxmlformats.org/drawingml/2006/chart" xmlns:dgm="http://schemas.openxmlformats.org/drawingml/2006/diagram" xmlns:o="urn:schemas-microsoft-com:office:office" xmlns:v="urn:schemas-microsoft-com:vml" xmlns:pvml="urn:schemas-microsoft-com:office:powerpoint" xmlns:com="http://schemas.openxmlformats.org/drawingml/2006/compatibility" xmlns:p14="http://schemas.microsoft.com/office/powerpoint/2010/main" xmlns:p15="http://schemas.microsoft.com/office/powerpoint/2012/main" xmlns:ahyp="http://schemas.microsoft.com/office/drawing/2018/hyperlinkcolor">
   <p:cSld>
-    <p:bg>
-      <p:bgRef idx="1001">
-        <a:schemeClr val="bg1"/>
-      </p:bgRef>
-    </p:bg>
     <p:spTree>
       <p:nvGrpSpPr>
-        <p:cNvPr id="1" name="Shape 2"/>
+        <p:cNvPr id="2" name="Shape 2"/>
         <p:cNvGrpSpPr/>
         <p:nvPr/>
       </p:nvGrpSpPr>
@@ -310,11 +305,9 @@
       <p:sp>
         <p:nvSpPr>
           <p:cNvPr id="3" name="Google Shape;3;n"/>
-          <p:cNvSpPr>
-            <a:spLocks noGrp="1" noRot="1" noChangeAspect="1"/>
-          </p:cNvSpPr>
+          <p:cNvSpPr/>
           <p:nvPr>
-            <p:ph type="sldImg" idx="2"/>
+            <p:ph idx="2" type="sldImg"/>
           </p:nvPr>
         </p:nvSpPr>
         <p:spPr>
@@ -323,13 +316,9 @@
             <a:ext cx="6096075" cy="3429000"/>
           </a:xfrm>
           <a:custGeom>
-            <a:avLst/>
-            <a:gdLst/>
-            <a:ahLst/>
-            <a:cxnLst/>
-            <a:rect l="l" t="t" r="r" b="b"/>
+            <a:rect b="b" l="l" r="r" t="t"/>
             <a:pathLst>
-              <a:path w="120000" h="120000" extrusionOk="0">
+              <a:path extrusionOk="0" h="120000" w="120000">
                 <a:moveTo>
                   <a:pt x="0" y="0"/>
                 </a:moveTo>
@@ -347,25 +336,23 @@
             </a:pathLst>
           </a:custGeom>
           <a:noFill/>
-          <a:ln w="9525" cap="flat" cmpd="sng">
+          <a:ln cap="flat" cmpd="sng" w="9525">
             <a:solidFill>
               <a:srgbClr val="000000"/>
             </a:solidFill>
             <a:prstDash val="solid"/>
             <a:round/>
-            <a:headEnd type="none" w="sm" len="sm"/>
-            <a:tailEnd type="none" w="sm" len="sm"/>
+            <a:headEnd len="sm" w="sm" type="none"/>
+            <a:tailEnd len="sm" w="sm" type="none"/>
           </a:ln>
         </p:spPr>
       </p:sp>
       <p:sp>
         <p:nvSpPr>
           <p:cNvPr id="4" name="Google Shape;4;n"/>
-          <p:cNvSpPr txBox="1">
-            <a:spLocks noGrp="1"/>
-          </p:cNvSpPr>
+          <p:cNvSpPr txBox="1"/>
           <p:nvPr>
-            <p:ph type="body" idx="1"/>
+            <p:ph idx="1" type="body"/>
           </p:nvPr>
         </p:nvSpPr>
         <p:spPr>
@@ -382,11 +369,11 @@
           </a:ln>
         </p:spPr>
         <p:txBody>
-          <a:bodyPr spcFirstLastPara="1" wrap="square" lIns="91425" tIns="91425" rIns="91425" bIns="91425" anchor="t" anchorCtr="0">
+          <a:bodyPr anchorCtr="0" anchor="t" bIns="91425" lIns="91425" spcFirstLastPara="1" rIns="91425" wrap="square" tIns="91425">
             <a:noAutofit/>
           </a:bodyPr>
           <a:lstStyle>
-            <a:lvl1pPr marL="457200" lvl="0" indent="-298450">
+            <a:lvl1pPr indent="-298450" lvl="0" marL="457200">
               <a:spcBef>
                 <a:spcPts val="0"/>
               </a:spcBef>
@@ -397,7 +384,7 @@
               <a:buChar char="●"/>
               <a:defRPr sz="1100"/>
             </a:lvl1pPr>
-            <a:lvl2pPr marL="914400" lvl="1" indent="-298450">
+            <a:lvl2pPr indent="-298450" lvl="1" marL="914400">
               <a:spcBef>
                 <a:spcPts val="0"/>
               </a:spcBef>
@@ -408,7 +395,7 @@
               <a:buChar char="○"/>
               <a:defRPr sz="1100"/>
             </a:lvl2pPr>
-            <a:lvl3pPr marL="1371600" lvl="2" indent="-298450">
+            <a:lvl3pPr indent="-298450" lvl="2" marL="1371600">
               <a:spcBef>
                 <a:spcPts val="0"/>
               </a:spcBef>
@@ -419,7 +406,7 @@
               <a:buChar char="■"/>
               <a:defRPr sz="1100"/>
             </a:lvl3pPr>
-            <a:lvl4pPr marL="1828800" lvl="3" indent="-298450">
+            <a:lvl4pPr indent="-298450" lvl="3" marL="1828800">
               <a:spcBef>
                 <a:spcPts val="0"/>
               </a:spcBef>
@@ -430,7 +417,7 @@
               <a:buChar char="●"/>
               <a:defRPr sz="1100"/>
             </a:lvl4pPr>
-            <a:lvl5pPr marL="2286000" lvl="4" indent="-298450">
+            <a:lvl5pPr indent="-298450" lvl="4" marL="2286000">
               <a:spcBef>
                 <a:spcPts val="0"/>
               </a:spcBef>
@@ -441,7 +428,7 @@
               <a:buChar char="○"/>
               <a:defRPr sz="1100"/>
             </a:lvl5pPr>
-            <a:lvl6pPr marL="2743200" lvl="5" indent="-298450">
+            <a:lvl6pPr indent="-298450" lvl="5" marL="2743200">
               <a:spcBef>
                 <a:spcPts val="0"/>
               </a:spcBef>
@@ -452,7 +439,7 @@
               <a:buChar char="■"/>
               <a:defRPr sz="1100"/>
             </a:lvl6pPr>
-            <a:lvl7pPr marL="3200400" lvl="6" indent="-298450">
+            <a:lvl7pPr indent="-298450" lvl="6" marL="3200400">
               <a:spcBef>
                 <a:spcPts val="0"/>
               </a:spcBef>
@@ -463,7 +450,7 @@
               <a:buChar char="●"/>
               <a:defRPr sz="1100"/>
             </a:lvl7pPr>
-            <a:lvl8pPr marL="3657600" lvl="7" indent="-298450">
+            <a:lvl8pPr indent="-298450" lvl="7" marL="3657600">
               <a:spcBef>
                 <a:spcPts val="0"/>
               </a:spcBef>
@@ -474,7 +461,7 @@
               <a:buChar char="○"/>
               <a:defRPr sz="1100"/>
             </a:lvl8pPr>
-            <a:lvl9pPr marL="4114800" lvl="8" indent="-298450">
+            <a:lvl9pPr indent="-298450" lvl="8" marL="4114800">
               <a:spcBef>
                 <a:spcPts val="0"/>
               </a:spcBef>
@@ -486,16 +473,14 @@
               <a:defRPr sz="1100"/>
             </a:lvl9pPr>
           </a:lstStyle>
-          <a:p>
-            <a:endParaRPr/>
-          </a:p>
+          <a:p/>
         </p:txBody>
       </p:sp>
     </p:spTree>
   </p:cSld>
-  <p:clrMap bg1="lt1" tx1="dk1" bg2="dk2" tx2="lt2" accent1="accent1" accent2="accent2" accent3="accent3" accent4="accent4" accent5="accent5" accent6="accent6" hlink="hlink" folHlink="folHlink"/>
+  <p:clrMap accent1="accent1" accent2="accent2" accent3="accent3" accent4="accent4" accent5="accent5" accent6="accent6" bg1="lt1" bg2="dk2" tx1="dk1" tx2="lt2" folHlink="folHlink" hlink="hlink"/>
   <p:notesStyle>
-    <a:defPPr marR="0" lvl="0" algn="l" rtl="0">
+    <a:defPPr lvl="0" marR="0" rtl="0" algn="l">
       <a:lnSpc>
         <a:spcPct val="100000"/>
       </a:lnSpc>
@@ -506,7 +491,7 @@
         <a:spcPts val="0"/>
       </a:spcAft>
     </a:defPPr>
-    <a:lvl1pPr marR="0" lvl="0" algn="l" rtl="0">
+    <a:lvl1pPr lvl="0" marR="0" rtl="0" algn="l">
       <a:lnSpc>
         <a:spcPct val="100000"/>
       </a:lnSpc>
@@ -520,7 +505,7 @@
         <a:srgbClr val="000000"/>
       </a:buClr>
       <a:buFont typeface="Arial"/>
-      <a:defRPr sz="1400" b="0" i="0" u="none" strike="noStrike" cap="none">
+      <a:defRPr b="0" i="0" sz="1400" u="none" cap="none" strike="noStrike">
         <a:solidFill>
           <a:srgbClr val="000000"/>
         </a:solidFill>
@@ -530,7 +515,7 @@
         <a:sym typeface="Arial"/>
       </a:defRPr>
     </a:lvl1pPr>
-    <a:lvl2pPr marR="0" lvl="1" algn="l" rtl="0">
+    <a:lvl2pPr lvl="1" marR="0" rtl="0" algn="l">
       <a:lnSpc>
         <a:spcPct val="100000"/>
       </a:lnSpc>
@@ -544,7 +529,7 @@
         <a:srgbClr val="000000"/>
       </a:buClr>
       <a:buFont typeface="Arial"/>
-      <a:defRPr sz="1400" b="0" i="0" u="none" strike="noStrike" cap="none">
+      <a:defRPr b="0" i="0" sz="1400" u="none" cap="none" strike="noStrike">
         <a:solidFill>
           <a:srgbClr val="000000"/>
         </a:solidFill>
@@ -554,7 +539,7 @@
         <a:sym typeface="Arial"/>
       </a:defRPr>
     </a:lvl2pPr>
-    <a:lvl3pPr marR="0" lvl="2" algn="l" rtl="0">
+    <a:lvl3pPr lvl="2" marR="0" rtl="0" algn="l">
       <a:lnSpc>
         <a:spcPct val="100000"/>
       </a:lnSpc>
@@ -568,7 +553,7 @@
         <a:srgbClr val="000000"/>
       </a:buClr>
       <a:buFont typeface="Arial"/>
-      <a:defRPr sz="1400" b="0" i="0" u="none" strike="noStrike" cap="none">
+      <a:defRPr b="0" i="0" sz="1400" u="none" cap="none" strike="noStrike">
         <a:solidFill>
           <a:srgbClr val="000000"/>
         </a:solidFill>
@@ -578,7 +563,7 @@
         <a:sym typeface="Arial"/>
       </a:defRPr>
     </a:lvl3pPr>
-    <a:lvl4pPr marR="0" lvl="3" algn="l" rtl="0">
+    <a:lvl4pPr lvl="3" marR="0" rtl="0" algn="l">
       <a:lnSpc>
         <a:spcPct val="100000"/>
       </a:lnSpc>
@@ -592,7 +577,7 @@
         <a:srgbClr val="000000"/>
       </a:buClr>
       <a:buFont typeface="Arial"/>
-      <a:defRPr sz="1400" b="0" i="0" u="none" strike="noStrike" cap="none">
+      <a:defRPr b="0" i="0" sz="1400" u="none" cap="none" strike="noStrike">
         <a:solidFill>
           <a:srgbClr val="000000"/>
         </a:solidFill>
@@ -602,7 +587,7 @@
         <a:sym typeface="Arial"/>
       </a:defRPr>
     </a:lvl4pPr>
-    <a:lvl5pPr marR="0" lvl="4" algn="l" rtl="0">
+    <a:lvl5pPr lvl="4" marR="0" rtl="0" algn="l">
       <a:lnSpc>
         <a:spcPct val="100000"/>
       </a:lnSpc>
@@ -616,7 +601,7 @@
         <a:srgbClr val="000000"/>
       </a:buClr>
       <a:buFont typeface="Arial"/>
-      <a:defRPr sz="1400" b="0" i="0" u="none" strike="noStrike" cap="none">
+      <a:defRPr b="0" i="0" sz="1400" u="none" cap="none" strike="noStrike">
         <a:solidFill>
           <a:srgbClr val="000000"/>
         </a:solidFill>
@@ -626,7 +611,7 @@
         <a:sym typeface="Arial"/>
       </a:defRPr>
     </a:lvl5pPr>
-    <a:lvl6pPr marR="0" lvl="5" algn="l" rtl="0">
+    <a:lvl6pPr lvl="5" marR="0" rtl="0" algn="l">
       <a:lnSpc>
         <a:spcPct val="100000"/>
       </a:lnSpc>
@@ -640,7 +625,7 @@
         <a:srgbClr val="000000"/>
       </a:buClr>
       <a:buFont typeface="Arial"/>
-      <a:defRPr sz="1400" b="0" i="0" u="none" strike="noStrike" cap="none">
+      <a:defRPr b="0" i="0" sz="1400" u="none" cap="none" strike="noStrike">
         <a:solidFill>
           <a:srgbClr val="000000"/>
         </a:solidFill>
@@ -650,7 +635,7 @@
         <a:sym typeface="Arial"/>
       </a:defRPr>
     </a:lvl6pPr>
-    <a:lvl7pPr marR="0" lvl="6" algn="l" rtl="0">
+    <a:lvl7pPr lvl="6" marR="0" rtl="0" algn="l">
       <a:lnSpc>
         <a:spcPct val="100000"/>
       </a:lnSpc>
@@ -664,7 +649,7 @@
         <a:srgbClr val="000000"/>
       </a:buClr>
       <a:buFont typeface="Arial"/>
-      <a:defRPr sz="1400" b="0" i="0" u="none" strike="noStrike" cap="none">
+      <a:defRPr b="0" i="0" sz="1400" u="none" cap="none" strike="noStrike">
         <a:solidFill>
           <a:srgbClr val="000000"/>
         </a:solidFill>
@@ -674,7 +659,7 @@
         <a:sym typeface="Arial"/>
       </a:defRPr>
     </a:lvl7pPr>
-    <a:lvl8pPr marR="0" lvl="7" algn="l" rtl="0">
+    <a:lvl8pPr lvl="7" marR="0" rtl="0" algn="l">
       <a:lnSpc>
         <a:spcPct val="100000"/>
       </a:lnSpc>
@@ -688,7 +673,7 @@
         <a:srgbClr val="000000"/>
       </a:buClr>
       <a:buFont typeface="Arial"/>
-      <a:defRPr sz="1400" b="0" i="0" u="none" strike="noStrike" cap="none">
+      <a:defRPr b="0" i="0" sz="1400" u="none" cap="none" strike="noStrike">
         <a:solidFill>
           <a:srgbClr val="000000"/>
         </a:solidFill>
@@ -698,7 +683,7 @@
         <a:sym typeface="Arial"/>
       </a:defRPr>
     </a:lvl8pPr>
-    <a:lvl9pPr marR="0" lvl="8" algn="l" rtl="0">
+    <a:lvl9pPr lvl="8" marR="0" rtl="0" algn="l">
       <a:lnSpc>
         <a:spcPct val="100000"/>
       </a:lnSpc>
@@ -712,7 +697,7 @@
         <a:srgbClr val="000000"/>
       </a:buClr>
       <a:buFont typeface="Arial"/>
-      <a:defRPr sz="1400" b="0" i="0" u="none" strike="noStrike" cap="none">
+      <a:defRPr b="0" i="0" sz="1400" u="none" cap="none" strike="noStrike">
         <a:solidFill>
           <a:srgbClr val="000000"/>
         </a:solidFill>
@@ -727,11 +712,11 @@
 </file>
 
 <file path=ppt/notesSlides/notesSlide1.xml><?xml version="1.0" encoding="utf-8"?>
-<p:notes xmlns:a="http://schemas.openxmlformats.org/drawingml/2006/main" xmlns:r="http://schemas.openxmlformats.org/officeDocument/2006/relationships" xmlns:p="http://schemas.openxmlformats.org/presentationml/2006/main" showMasterSp="0" showMasterPhAnim="0">
+<p:notes xmlns:a="http://schemas.openxmlformats.org/drawingml/2006/main" xmlns:r="http://schemas.openxmlformats.org/officeDocument/2006/relationships" xmlns:mc="http://schemas.openxmlformats.org/markup-compatibility/2006" xmlns:mv="urn:schemas-microsoft-com:mac:vml" xmlns:p="http://schemas.openxmlformats.org/presentationml/2006/main" xmlns:c="http://schemas.openxmlformats.org/drawingml/2006/chart" xmlns:dgm="http://schemas.openxmlformats.org/drawingml/2006/diagram" xmlns:o="urn:schemas-microsoft-com:office:office" xmlns:v="urn:schemas-microsoft-com:vml" xmlns:pvml="urn:schemas-microsoft-com:office:powerpoint" xmlns:com="http://schemas.openxmlformats.org/drawingml/2006/compatibility" xmlns:p14="http://schemas.microsoft.com/office/powerpoint/2010/main" xmlns:p15="http://schemas.microsoft.com/office/powerpoint/2012/main" xmlns:ahyp="http://schemas.microsoft.com/office/drawing/2018/hyperlinkcolor" showMasterPhAnim="0" showMasterSp="0">
   <p:cSld>
     <p:spTree>
       <p:nvGrpSpPr>
-        <p:cNvPr id="1" name="Shape 58"/>
+        <p:cNvPr id="58" name="Shape 58"/>
         <p:cNvGrpSpPr/>
         <p:nvPr/>
       </p:nvGrpSpPr>
@@ -746,26 +731,20 @@
       <p:sp>
         <p:nvSpPr>
           <p:cNvPr id="59" name="Google Shape;59;p:notes"/>
-          <p:cNvSpPr>
-            <a:spLocks noGrp="1" noRot="1" noChangeAspect="1"/>
-          </p:cNvSpPr>
+          <p:cNvSpPr/>
           <p:nvPr>
-            <p:ph type="sldImg" idx="2"/>
+            <p:ph idx="2" type="sldImg"/>
           </p:nvPr>
         </p:nvSpPr>
         <p:spPr>
           <a:xfrm>
-            <a:off x="381000" y="685800"/>
-            <a:ext cx="6096000" cy="3429000"/>
+            <a:off x="381300" y="685800"/>
+            <a:ext cx="6096075" cy="3429000"/>
           </a:xfrm>
           <a:custGeom>
-            <a:avLst/>
-            <a:gdLst/>
-            <a:ahLst/>
-            <a:cxnLst/>
-            <a:rect l="l" t="t" r="r" b="b"/>
+            <a:rect b="b" l="l" r="r" t="t"/>
             <a:pathLst>
-              <a:path w="120000" h="120000" extrusionOk="0">
+              <a:path extrusionOk="0" h="120000" w="120000">
                 <a:moveTo>
                   <a:pt x="0" y="0"/>
                 </a:moveTo>
@@ -787,11 +766,9 @@
       <p:sp>
         <p:nvSpPr>
           <p:cNvPr id="60" name="Google Shape;60;p:notes"/>
-          <p:cNvSpPr txBox="1">
-            <a:spLocks noGrp="1"/>
-          </p:cNvSpPr>
+          <p:cNvSpPr txBox="1"/>
           <p:nvPr>
-            <p:ph type="body" idx="1"/>
+            <p:ph idx="1" type="body"/>
           </p:nvPr>
         </p:nvSpPr>
         <p:spPr>
@@ -804,12 +781,12 @@
           </a:prstGeom>
         </p:spPr>
         <p:txBody>
-          <a:bodyPr spcFirstLastPara="1" wrap="square" lIns="91425" tIns="91425" rIns="91425" bIns="91425" anchor="t" anchorCtr="0">
+          <a:bodyPr anchorCtr="0" anchor="t" bIns="91425" lIns="91425" spcFirstLastPara="1" rIns="91425" wrap="square" tIns="91425">
             <a:noAutofit/>
           </a:bodyPr>
           <a:lstStyle/>
           <a:p>
-            <a:pPr marL="0" lvl="0" indent="0" algn="l" rtl="0">
+            <a:pPr indent="0" lvl="0" marL="0" rtl="0" algn="l">
               <a:spcBef>
                 <a:spcPts val="0"/>
               </a:spcBef>
@@ -818,6 +795,9 @@
               </a:spcAft>
               <a:buNone/>
             </a:pPr>
+            <a:r>
+              <a:t/>
+            </a:r>
             <a:endParaRPr/>
           </a:p>
         </p:txBody>
@@ -831,11 +811,11 @@
 </file>
 
 <file path=ppt/notesSlides/notesSlide10.xml><?xml version="1.0" encoding="utf-8"?>
-<p:notes xmlns:a="http://schemas.openxmlformats.org/drawingml/2006/main" xmlns:r="http://schemas.openxmlformats.org/officeDocument/2006/relationships" xmlns:p="http://schemas.openxmlformats.org/presentationml/2006/main" showMasterSp="0" showMasterPhAnim="0">
+<p:notes xmlns:a="http://schemas.openxmlformats.org/drawingml/2006/main" xmlns:r="http://schemas.openxmlformats.org/officeDocument/2006/relationships" xmlns:mc="http://schemas.openxmlformats.org/markup-compatibility/2006" xmlns:mv="urn:schemas-microsoft-com:mac:vml" xmlns:p="http://schemas.openxmlformats.org/presentationml/2006/main" xmlns:c="http://schemas.openxmlformats.org/drawingml/2006/chart" xmlns:dgm="http://schemas.openxmlformats.org/drawingml/2006/diagram" xmlns:o="urn:schemas-microsoft-com:office:office" xmlns:v="urn:schemas-microsoft-com:vml" xmlns:pvml="urn:schemas-microsoft-com:office:powerpoint" xmlns:com="http://schemas.openxmlformats.org/drawingml/2006/compatibility" xmlns:p14="http://schemas.microsoft.com/office/powerpoint/2010/main" xmlns:p15="http://schemas.microsoft.com/office/powerpoint/2012/main" xmlns:ahyp="http://schemas.microsoft.com/office/drawing/2018/hyperlinkcolor" showMasterPhAnim="0" showMasterSp="0">
   <p:cSld>
     <p:spTree>
       <p:nvGrpSpPr>
-        <p:cNvPr id="1" name="Shape 123"/>
+        <p:cNvPr id="114" name="Shape 114"/>
         <p:cNvGrpSpPr/>
         <p:nvPr/>
       </p:nvGrpSpPr>
@@ -849,12 +829,10 @@
       </p:grpSpPr>
       <p:sp>
         <p:nvSpPr>
-          <p:cNvPr id="124" name="Google Shape;124;g15d74cabc45_0_79:notes"/>
-          <p:cNvSpPr>
-            <a:spLocks noGrp="1" noRot="1" noChangeAspect="1"/>
-          </p:cNvSpPr>
+          <p:cNvPr id="115" name="Google Shape;115;g15d74cabc45_0_79:notes"/>
+          <p:cNvSpPr/>
           <p:nvPr>
-            <p:ph type="sldImg" idx="2"/>
+            <p:ph idx="2" type="sldImg"/>
           </p:nvPr>
         </p:nvSpPr>
         <p:spPr>
@@ -863,13 +841,9 @@
             <a:ext cx="6096000" cy="3429000"/>
           </a:xfrm>
           <a:custGeom>
-            <a:avLst/>
-            <a:gdLst/>
-            <a:ahLst/>
-            <a:cxnLst/>
-            <a:rect l="l" t="t" r="r" b="b"/>
+            <a:rect b="b" l="l" r="r" t="t"/>
             <a:pathLst>
-              <a:path w="120000" h="120000" extrusionOk="0">
+              <a:path extrusionOk="0" h="120000" w="120000">
                 <a:moveTo>
                   <a:pt x="0" y="0"/>
                 </a:moveTo>
@@ -890,12 +864,10 @@
       </p:sp>
       <p:sp>
         <p:nvSpPr>
-          <p:cNvPr id="125" name="Google Shape;125;g15d74cabc45_0_79:notes"/>
-          <p:cNvSpPr txBox="1">
-            <a:spLocks noGrp="1"/>
-          </p:cNvSpPr>
+          <p:cNvPr id="116" name="Google Shape;116;g15d74cabc45_0_79:notes"/>
+          <p:cNvSpPr txBox="1"/>
           <p:nvPr>
-            <p:ph type="body" idx="1"/>
+            <p:ph idx="1" type="body"/>
           </p:nvPr>
         </p:nvSpPr>
         <p:spPr>
@@ -908,12 +880,12 @@
           </a:prstGeom>
         </p:spPr>
         <p:txBody>
-          <a:bodyPr spcFirstLastPara="1" wrap="square" lIns="91425" tIns="91425" rIns="91425" bIns="91425" anchor="t" anchorCtr="0">
+          <a:bodyPr anchorCtr="0" anchor="t" bIns="91425" lIns="91425" spcFirstLastPara="1" rIns="91425" wrap="square" tIns="91425">
             <a:noAutofit/>
           </a:bodyPr>
           <a:lstStyle/>
           <a:p>
-            <a:pPr marL="0" lvl="0" indent="0" algn="l" rtl="0">
+            <a:pPr indent="0" lvl="0" marL="0" rtl="0" algn="l">
               <a:spcBef>
                 <a:spcPts val="0"/>
               </a:spcBef>
@@ -922,6 +894,9 @@
               </a:spcAft>
               <a:buNone/>
             </a:pPr>
+            <a:r>
+              <a:t/>
+            </a:r>
             <a:endParaRPr/>
           </a:p>
         </p:txBody>
@@ -935,11 +910,11 @@
 </file>
 
 <file path=ppt/notesSlides/notesSlide2.xml><?xml version="1.0" encoding="utf-8"?>
-<p:notes xmlns:a="http://schemas.openxmlformats.org/drawingml/2006/main" xmlns:r="http://schemas.openxmlformats.org/officeDocument/2006/relationships" xmlns:p="http://schemas.openxmlformats.org/presentationml/2006/main" showMasterSp="0" showMasterPhAnim="0">
+<p:notes xmlns:a="http://schemas.openxmlformats.org/drawingml/2006/main" xmlns:r="http://schemas.openxmlformats.org/officeDocument/2006/relationships" xmlns:mc="http://schemas.openxmlformats.org/markup-compatibility/2006" xmlns:mv="urn:schemas-microsoft-com:mac:vml" xmlns:p="http://schemas.openxmlformats.org/presentationml/2006/main" xmlns:c="http://schemas.openxmlformats.org/drawingml/2006/chart" xmlns:dgm="http://schemas.openxmlformats.org/drawingml/2006/diagram" xmlns:o="urn:schemas-microsoft-com:office:office" xmlns:v="urn:schemas-microsoft-com:vml" xmlns:pvml="urn:schemas-microsoft-com:office:powerpoint" xmlns:com="http://schemas.openxmlformats.org/drawingml/2006/compatibility" xmlns:p14="http://schemas.microsoft.com/office/powerpoint/2010/main" xmlns:p15="http://schemas.microsoft.com/office/powerpoint/2012/main" xmlns:ahyp="http://schemas.microsoft.com/office/drawing/2018/hyperlinkcolor" showMasterPhAnim="0" showMasterSp="0">
   <p:cSld>
     <p:spTree>
       <p:nvGrpSpPr>
-        <p:cNvPr id="1" name="Shape 65"/>
+        <p:cNvPr id="65" name="Shape 65"/>
         <p:cNvGrpSpPr/>
         <p:nvPr/>
       </p:nvGrpSpPr>
@@ -954,26 +929,20 @@
       <p:sp>
         <p:nvSpPr>
           <p:cNvPr id="66" name="Google Shape;66;g15d74cabc45_0_0:notes"/>
-          <p:cNvSpPr>
-            <a:spLocks noGrp="1" noRot="1" noChangeAspect="1"/>
-          </p:cNvSpPr>
+          <p:cNvSpPr/>
           <p:nvPr>
-            <p:ph type="sldImg" idx="2"/>
+            <p:ph idx="2" type="sldImg"/>
           </p:nvPr>
         </p:nvSpPr>
         <p:spPr>
           <a:xfrm>
-            <a:off x="381000" y="685800"/>
+            <a:off x="381300" y="685800"/>
             <a:ext cx="6096000" cy="3429000"/>
           </a:xfrm>
           <a:custGeom>
-            <a:avLst/>
-            <a:gdLst/>
-            <a:ahLst/>
-            <a:cxnLst/>
-            <a:rect l="l" t="t" r="r" b="b"/>
+            <a:rect b="b" l="l" r="r" t="t"/>
             <a:pathLst>
-              <a:path w="120000" h="120000" extrusionOk="0">
+              <a:path extrusionOk="0" h="120000" w="120000">
                 <a:moveTo>
                   <a:pt x="0" y="0"/>
                 </a:moveTo>
@@ -995,11 +964,9 @@
       <p:sp>
         <p:nvSpPr>
           <p:cNvPr id="67" name="Google Shape;67;g15d74cabc45_0_0:notes"/>
-          <p:cNvSpPr txBox="1">
-            <a:spLocks noGrp="1"/>
-          </p:cNvSpPr>
+          <p:cNvSpPr txBox="1"/>
           <p:nvPr>
-            <p:ph type="body" idx="1"/>
+            <p:ph idx="1" type="body"/>
           </p:nvPr>
         </p:nvSpPr>
         <p:spPr>
@@ -1012,12 +979,12 @@
           </a:prstGeom>
         </p:spPr>
         <p:txBody>
-          <a:bodyPr spcFirstLastPara="1" wrap="square" lIns="91425" tIns="91425" rIns="91425" bIns="91425" anchor="t" anchorCtr="0">
+          <a:bodyPr anchorCtr="0" anchor="t" bIns="91425" lIns="91425" spcFirstLastPara="1" rIns="91425" wrap="square" tIns="91425">
             <a:noAutofit/>
           </a:bodyPr>
           <a:lstStyle/>
           <a:p>
-            <a:pPr marL="0" lvl="0" indent="0" algn="l" rtl="0">
+            <a:pPr indent="0" lvl="0" marL="0" rtl="0" algn="l">
               <a:spcBef>
                 <a:spcPts val="0"/>
               </a:spcBef>
@@ -1026,6 +993,9 @@
               </a:spcAft>
               <a:buNone/>
             </a:pPr>
+            <a:r>
+              <a:t/>
+            </a:r>
             <a:endParaRPr/>
           </a:p>
         </p:txBody>
@@ -1039,11 +1009,11 @@
 </file>
 
 <file path=ppt/notesSlides/notesSlide3.xml><?xml version="1.0" encoding="utf-8"?>
-<p:notes xmlns:a="http://schemas.openxmlformats.org/drawingml/2006/main" xmlns:r="http://schemas.openxmlformats.org/officeDocument/2006/relationships" xmlns:p="http://schemas.openxmlformats.org/presentationml/2006/main" showMasterSp="0" showMasterPhAnim="0">
+<p:notes xmlns:a="http://schemas.openxmlformats.org/drawingml/2006/main" xmlns:r="http://schemas.openxmlformats.org/officeDocument/2006/relationships" xmlns:mc="http://schemas.openxmlformats.org/markup-compatibility/2006" xmlns:mv="urn:schemas-microsoft-com:mac:vml" xmlns:p="http://schemas.openxmlformats.org/presentationml/2006/main" xmlns:c="http://schemas.openxmlformats.org/drawingml/2006/chart" xmlns:dgm="http://schemas.openxmlformats.org/drawingml/2006/diagram" xmlns:o="urn:schemas-microsoft-com:office:office" xmlns:v="urn:schemas-microsoft-com:vml" xmlns:pvml="urn:schemas-microsoft-com:office:powerpoint" xmlns:com="http://schemas.openxmlformats.org/drawingml/2006/compatibility" xmlns:p14="http://schemas.microsoft.com/office/powerpoint/2010/main" xmlns:p15="http://schemas.microsoft.com/office/powerpoint/2012/main" xmlns:ahyp="http://schemas.microsoft.com/office/drawing/2018/hyperlinkcolor" showMasterPhAnim="0" showMasterSp="0">
   <p:cSld>
     <p:spTree>
       <p:nvGrpSpPr>
-        <p:cNvPr id="1" name="Shape 71"/>
+        <p:cNvPr id="71" name="Shape 71"/>
         <p:cNvGrpSpPr/>
         <p:nvPr/>
       </p:nvGrpSpPr>
@@ -1058,26 +1028,20 @@
       <p:sp>
         <p:nvSpPr>
           <p:cNvPr id="72" name="Google Shape;72;g15d74cabc45_0_88:notes"/>
-          <p:cNvSpPr>
-            <a:spLocks noGrp="1" noRot="1" noChangeAspect="1"/>
-          </p:cNvSpPr>
+          <p:cNvSpPr/>
           <p:nvPr>
-            <p:ph type="sldImg" idx="2"/>
+            <p:ph idx="2" type="sldImg"/>
           </p:nvPr>
         </p:nvSpPr>
         <p:spPr>
           <a:xfrm>
-            <a:off x="381000" y="685800"/>
+            <a:off x="381300" y="685800"/>
             <a:ext cx="6096000" cy="3429000"/>
           </a:xfrm>
           <a:custGeom>
-            <a:avLst/>
-            <a:gdLst/>
-            <a:ahLst/>
-            <a:cxnLst/>
-            <a:rect l="l" t="t" r="r" b="b"/>
+            <a:rect b="b" l="l" r="r" t="t"/>
             <a:pathLst>
-              <a:path w="120000" h="120000" extrusionOk="0">
+              <a:path extrusionOk="0" h="120000" w="120000">
                 <a:moveTo>
                   <a:pt x="0" y="0"/>
                 </a:moveTo>
@@ -1099,11 +1063,9 @@
       <p:sp>
         <p:nvSpPr>
           <p:cNvPr id="73" name="Google Shape;73;g15d74cabc45_0_88:notes"/>
-          <p:cNvSpPr txBox="1">
-            <a:spLocks noGrp="1"/>
-          </p:cNvSpPr>
+          <p:cNvSpPr txBox="1"/>
           <p:nvPr>
-            <p:ph type="body" idx="1"/>
+            <p:ph idx="1" type="body"/>
           </p:nvPr>
         </p:nvSpPr>
         <p:spPr>
@@ -1116,12 +1078,12 @@
           </a:prstGeom>
         </p:spPr>
         <p:txBody>
-          <a:bodyPr spcFirstLastPara="1" wrap="square" lIns="91425" tIns="91425" rIns="91425" bIns="91425" anchor="t" anchorCtr="0">
+          <a:bodyPr anchorCtr="0" anchor="t" bIns="91425" lIns="91425" spcFirstLastPara="1" rIns="91425" wrap="square" tIns="91425">
             <a:noAutofit/>
           </a:bodyPr>
           <a:lstStyle/>
           <a:p>
-            <a:pPr marL="0" lvl="0" indent="0" algn="l" rtl="0">
+            <a:pPr indent="0" lvl="0" marL="0" rtl="0" algn="l">
               <a:spcBef>
                 <a:spcPts val="0"/>
               </a:spcBef>
@@ -1130,6 +1092,9 @@
               </a:spcAft>
               <a:buNone/>
             </a:pPr>
+            <a:r>
+              <a:t/>
+            </a:r>
             <a:endParaRPr/>
           </a:p>
         </p:txBody>
@@ -1143,11 +1108,11 @@
 </file>
 
 <file path=ppt/notesSlides/notesSlide4.xml><?xml version="1.0" encoding="utf-8"?>
-<p:notes xmlns:a="http://schemas.openxmlformats.org/drawingml/2006/main" xmlns:r="http://schemas.openxmlformats.org/officeDocument/2006/relationships" xmlns:p="http://schemas.openxmlformats.org/presentationml/2006/main" showMasterSp="0" showMasterPhAnim="0">
+<p:notes xmlns:a="http://schemas.openxmlformats.org/drawingml/2006/main" xmlns:r="http://schemas.openxmlformats.org/officeDocument/2006/relationships" xmlns:mc="http://schemas.openxmlformats.org/markup-compatibility/2006" xmlns:mv="urn:schemas-microsoft-com:mac:vml" xmlns:p="http://schemas.openxmlformats.org/presentationml/2006/main" xmlns:c="http://schemas.openxmlformats.org/drawingml/2006/chart" xmlns:dgm="http://schemas.openxmlformats.org/drawingml/2006/diagram" xmlns:o="urn:schemas-microsoft-com:office:office" xmlns:v="urn:schemas-microsoft-com:vml" xmlns:pvml="urn:schemas-microsoft-com:office:powerpoint" xmlns:com="http://schemas.openxmlformats.org/drawingml/2006/compatibility" xmlns:p14="http://schemas.microsoft.com/office/powerpoint/2010/main" xmlns:p15="http://schemas.microsoft.com/office/powerpoint/2012/main" xmlns:ahyp="http://schemas.microsoft.com/office/drawing/2018/hyperlinkcolor" showMasterPhAnim="0" showMasterSp="0">
   <p:cSld>
     <p:spTree>
       <p:nvGrpSpPr>
-        <p:cNvPr id="1" name="Shape 78"/>
+        <p:cNvPr id="78" name="Shape 78"/>
         <p:cNvGrpSpPr/>
         <p:nvPr/>
       </p:nvGrpSpPr>
@@ -1162,11 +1127,9 @@
       <p:sp>
         <p:nvSpPr>
           <p:cNvPr id="79" name="Google Shape;79;g15d74cabc45_0_75:notes"/>
-          <p:cNvSpPr>
-            <a:spLocks noGrp="1" noRot="1" noChangeAspect="1"/>
-          </p:cNvSpPr>
+          <p:cNvSpPr/>
           <p:nvPr>
-            <p:ph type="sldImg" idx="2"/>
+            <p:ph idx="2" type="sldImg"/>
           </p:nvPr>
         </p:nvSpPr>
         <p:spPr>
@@ -1175,13 +1138,9 @@
             <a:ext cx="6096000" cy="3429000"/>
           </a:xfrm>
           <a:custGeom>
-            <a:avLst/>
-            <a:gdLst/>
-            <a:ahLst/>
-            <a:cxnLst/>
-            <a:rect l="l" t="t" r="r" b="b"/>
+            <a:rect b="b" l="l" r="r" t="t"/>
             <a:pathLst>
-              <a:path w="120000" h="120000" extrusionOk="0">
+              <a:path extrusionOk="0" h="120000" w="120000">
                 <a:moveTo>
                   <a:pt x="0" y="0"/>
                 </a:moveTo>
@@ -1203,11 +1162,9 @@
       <p:sp>
         <p:nvSpPr>
           <p:cNvPr id="80" name="Google Shape;80;g15d74cabc45_0_75:notes"/>
-          <p:cNvSpPr txBox="1">
-            <a:spLocks noGrp="1"/>
-          </p:cNvSpPr>
+          <p:cNvSpPr txBox="1"/>
           <p:nvPr>
-            <p:ph type="body" idx="1"/>
+            <p:ph idx="1" type="body"/>
           </p:nvPr>
         </p:nvSpPr>
         <p:spPr>
@@ -1220,12 +1177,12 @@
           </a:prstGeom>
         </p:spPr>
         <p:txBody>
-          <a:bodyPr spcFirstLastPara="1" wrap="square" lIns="91425" tIns="91425" rIns="91425" bIns="91425" anchor="t" anchorCtr="0">
+          <a:bodyPr anchorCtr="0" anchor="t" bIns="91425" lIns="91425" spcFirstLastPara="1" rIns="91425" wrap="square" tIns="91425">
             <a:noAutofit/>
           </a:bodyPr>
           <a:lstStyle/>
           <a:p>
-            <a:pPr marL="0" lvl="0" indent="0" algn="l" rtl="0">
+            <a:pPr indent="0" lvl="0" marL="0" rtl="0" algn="l">
               <a:spcBef>
                 <a:spcPts val="0"/>
               </a:spcBef>
@@ -1234,6 +1191,9 @@
               </a:spcAft>
               <a:buNone/>
             </a:pPr>
+            <a:r>
+              <a:t/>
+            </a:r>
             <a:endParaRPr/>
           </a:p>
         </p:txBody>
@@ -1247,11 +1207,11 @@
 </file>
 
 <file path=ppt/notesSlides/notesSlide5.xml><?xml version="1.0" encoding="utf-8"?>
-<p:notes xmlns:a="http://schemas.openxmlformats.org/drawingml/2006/main" xmlns:r="http://schemas.openxmlformats.org/officeDocument/2006/relationships" xmlns:p="http://schemas.openxmlformats.org/presentationml/2006/main" showMasterSp="0" showMasterPhAnim="0">
+<p:notes xmlns:a="http://schemas.openxmlformats.org/drawingml/2006/main" xmlns:r="http://schemas.openxmlformats.org/officeDocument/2006/relationships" xmlns:mc="http://schemas.openxmlformats.org/markup-compatibility/2006" xmlns:mv="urn:schemas-microsoft-com:mac:vml" xmlns:p="http://schemas.openxmlformats.org/presentationml/2006/main" xmlns:c="http://schemas.openxmlformats.org/drawingml/2006/chart" xmlns:dgm="http://schemas.openxmlformats.org/drawingml/2006/diagram" xmlns:o="urn:schemas-microsoft-com:office:office" xmlns:v="urn:schemas-microsoft-com:vml" xmlns:pvml="urn:schemas-microsoft-com:office:powerpoint" xmlns:com="http://schemas.openxmlformats.org/drawingml/2006/compatibility" xmlns:p14="http://schemas.microsoft.com/office/powerpoint/2010/main" xmlns:p15="http://schemas.microsoft.com/office/powerpoint/2012/main" xmlns:ahyp="http://schemas.microsoft.com/office/drawing/2018/hyperlinkcolor" showMasterPhAnim="0" showMasterSp="0">
   <p:cSld>
     <p:spTree>
       <p:nvGrpSpPr>
-        <p:cNvPr id="1" name="Shape 84"/>
+        <p:cNvPr id="84" name="Shape 84"/>
         <p:cNvGrpSpPr/>
         <p:nvPr/>
       </p:nvGrpSpPr>
@@ -1266,11 +1226,9 @@
       <p:sp>
         <p:nvSpPr>
           <p:cNvPr id="85" name="Google Shape;85;g15d74cabc45_0_113:notes"/>
-          <p:cNvSpPr>
-            <a:spLocks noGrp="1" noRot="1" noChangeAspect="1"/>
-          </p:cNvSpPr>
+          <p:cNvSpPr/>
           <p:nvPr>
-            <p:ph type="sldImg" idx="2"/>
+            <p:ph idx="2" type="sldImg"/>
           </p:nvPr>
         </p:nvSpPr>
         <p:spPr>
@@ -1279,13 +1237,9 @@
             <a:ext cx="6096000" cy="3429000"/>
           </a:xfrm>
           <a:custGeom>
-            <a:avLst/>
-            <a:gdLst/>
-            <a:ahLst/>
-            <a:cxnLst/>
-            <a:rect l="l" t="t" r="r" b="b"/>
+            <a:rect b="b" l="l" r="r" t="t"/>
             <a:pathLst>
-              <a:path w="120000" h="120000" extrusionOk="0">
+              <a:path extrusionOk="0" h="120000" w="120000">
                 <a:moveTo>
                   <a:pt x="0" y="0"/>
                 </a:moveTo>
@@ -1307,11 +1261,9 @@
       <p:sp>
         <p:nvSpPr>
           <p:cNvPr id="86" name="Google Shape;86;g15d74cabc45_0_113:notes"/>
-          <p:cNvSpPr txBox="1">
-            <a:spLocks noGrp="1"/>
-          </p:cNvSpPr>
+          <p:cNvSpPr txBox="1"/>
           <p:nvPr>
-            <p:ph type="body" idx="1"/>
+            <p:ph idx="1" type="body"/>
           </p:nvPr>
         </p:nvSpPr>
         <p:spPr>
@@ -1324,12 +1276,12 @@
           </a:prstGeom>
         </p:spPr>
         <p:txBody>
-          <a:bodyPr spcFirstLastPara="1" wrap="square" lIns="91425" tIns="91425" rIns="91425" bIns="91425" anchor="t" anchorCtr="0">
+          <a:bodyPr anchorCtr="0" anchor="t" bIns="91425" lIns="91425" spcFirstLastPara="1" rIns="91425" wrap="square" tIns="91425">
             <a:noAutofit/>
           </a:bodyPr>
           <a:lstStyle/>
           <a:p>
-            <a:pPr marL="0" lvl="0" indent="0" algn="l" rtl="0">
+            <a:pPr indent="0" lvl="0" marL="0" rtl="0" algn="l">
               <a:spcBef>
                 <a:spcPts val="0"/>
               </a:spcBef>
@@ -1338,6 +1290,9 @@
               </a:spcAft>
               <a:buNone/>
             </a:pPr>
+            <a:r>
+              <a:t/>
+            </a:r>
             <a:endParaRPr/>
           </a:p>
         </p:txBody>
@@ -1351,11 +1306,11 @@
 </file>
 
 <file path=ppt/notesSlides/notesSlide6.xml><?xml version="1.0" encoding="utf-8"?>
-<p:notes xmlns:a="http://schemas.openxmlformats.org/drawingml/2006/main" xmlns:r="http://schemas.openxmlformats.org/officeDocument/2006/relationships" xmlns:p="http://schemas.openxmlformats.org/presentationml/2006/main" showMasterSp="0" showMasterPhAnim="0">
+<p:notes xmlns:a="http://schemas.openxmlformats.org/drawingml/2006/main" xmlns:r="http://schemas.openxmlformats.org/officeDocument/2006/relationships" xmlns:mc="http://schemas.openxmlformats.org/markup-compatibility/2006" xmlns:mv="urn:schemas-microsoft-com:mac:vml" xmlns:p="http://schemas.openxmlformats.org/presentationml/2006/main" xmlns:c="http://schemas.openxmlformats.org/drawingml/2006/chart" xmlns:dgm="http://schemas.openxmlformats.org/drawingml/2006/diagram" xmlns:o="urn:schemas-microsoft-com:office:office" xmlns:v="urn:schemas-microsoft-com:vml" xmlns:pvml="urn:schemas-microsoft-com:office:powerpoint" xmlns:com="http://schemas.openxmlformats.org/drawingml/2006/compatibility" xmlns:p14="http://schemas.microsoft.com/office/powerpoint/2010/main" xmlns:p15="http://schemas.microsoft.com/office/powerpoint/2012/main" xmlns:ahyp="http://schemas.microsoft.com/office/drawing/2018/hyperlinkcolor" showMasterPhAnim="0" showMasterSp="0">
   <p:cSld>
     <p:spTree>
       <p:nvGrpSpPr>
-        <p:cNvPr id="1" name="Shape 89"/>
+        <p:cNvPr id="89" name="Shape 89"/>
         <p:cNvGrpSpPr/>
         <p:nvPr/>
       </p:nvGrpSpPr>
@@ -1370,11 +1325,9 @@
       <p:sp>
         <p:nvSpPr>
           <p:cNvPr id="90" name="Google Shape;90;g15d74cabc45_0_60:notes"/>
-          <p:cNvSpPr>
-            <a:spLocks noGrp="1" noRot="1" noChangeAspect="1"/>
-          </p:cNvSpPr>
+          <p:cNvSpPr/>
           <p:nvPr>
-            <p:ph type="sldImg" idx="2"/>
+            <p:ph idx="2" type="sldImg"/>
           </p:nvPr>
         </p:nvSpPr>
         <p:spPr>
@@ -1383,13 +1336,9 @@
             <a:ext cx="6096000" cy="3429000"/>
           </a:xfrm>
           <a:custGeom>
-            <a:avLst/>
-            <a:gdLst/>
-            <a:ahLst/>
-            <a:cxnLst/>
-            <a:rect l="l" t="t" r="r" b="b"/>
+            <a:rect b="b" l="l" r="r" t="t"/>
             <a:pathLst>
-              <a:path w="120000" h="120000" extrusionOk="0">
+              <a:path extrusionOk="0" h="120000" w="120000">
                 <a:moveTo>
                   <a:pt x="0" y="0"/>
                 </a:moveTo>
@@ -1411,11 +1360,9 @@
       <p:sp>
         <p:nvSpPr>
           <p:cNvPr id="91" name="Google Shape;91;g15d74cabc45_0_60:notes"/>
-          <p:cNvSpPr txBox="1">
-            <a:spLocks noGrp="1"/>
-          </p:cNvSpPr>
+          <p:cNvSpPr txBox="1"/>
           <p:nvPr>
-            <p:ph type="body" idx="1"/>
+            <p:ph idx="1" type="body"/>
           </p:nvPr>
         </p:nvSpPr>
         <p:spPr>
@@ -1428,12 +1375,12 @@
           </a:prstGeom>
         </p:spPr>
         <p:txBody>
-          <a:bodyPr spcFirstLastPara="1" wrap="square" lIns="91425" tIns="91425" rIns="91425" bIns="91425" anchor="t" anchorCtr="0">
+          <a:bodyPr anchorCtr="0" anchor="t" bIns="91425" lIns="91425" spcFirstLastPara="1" rIns="91425" wrap="square" tIns="91425">
             <a:noAutofit/>
           </a:bodyPr>
           <a:lstStyle/>
           <a:p>
-            <a:pPr marL="0" lvl="0" indent="0" algn="l" rtl="0">
+            <a:pPr indent="0" lvl="0" marL="0" rtl="0" algn="l">
               <a:spcBef>
                 <a:spcPts val="0"/>
               </a:spcBef>
@@ -1442,6 +1389,9 @@
               </a:spcAft>
               <a:buNone/>
             </a:pPr>
+            <a:r>
+              <a:t/>
+            </a:r>
             <a:endParaRPr/>
           </a:p>
         </p:txBody>
@@ -1455,11 +1405,11 @@
 </file>
 
 <file path=ppt/notesSlides/notesSlide7.xml><?xml version="1.0" encoding="utf-8"?>
-<p:notes xmlns:a="http://schemas.openxmlformats.org/drawingml/2006/main" xmlns:r="http://schemas.openxmlformats.org/officeDocument/2006/relationships" xmlns:p="http://schemas.openxmlformats.org/presentationml/2006/main" showMasterSp="0" showMasterPhAnim="0">
+<p:notes xmlns:a="http://schemas.openxmlformats.org/drawingml/2006/main" xmlns:r="http://schemas.openxmlformats.org/officeDocument/2006/relationships" xmlns:mc="http://schemas.openxmlformats.org/markup-compatibility/2006" xmlns:mv="urn:schemas-microsoft-com:mac:vml" xmlns:p="http://schemas.openxmlformats.org/presentationml/2006/main" xmlns:c="http://schemas.openxmlformats.org/drawingml/2006/chart" xmlns:dgm="http://schemas.openxmlformats.org/drawingml/2006/diagram" xmlns:o="urn:schemas-microsoft-com:office:office" xmlns:v="urn:schemas-microsoft-com:vml" xmlns:pvml="urn:schemas-microsoft-com:office:powerpoint" xmlns:com="http://schemas.openxmlformats.org/drawingml/2006/compatibility" xmlns:p14="http://schemas.microsoft.com/office/powerpoint/2010/main" xmlns:p15="http://schemas.microsoft.com/office/powerpoint/2012/main" xmlns:ahyp="http://schemas.microsoft.com/office/drawing/2018/hyperlinkcolor" showMasterPhAnim="0" showMasterSp="0">
   <p:cSld>
     <p:spTree>
       <p:nvGrpSpPr>
-        <p:cNvPr id="1" name="Shape 95"/>
+        <p:cNvPr id="95" name="Shape 95"/>
         <p:cNvGrpSpPr/>
         <p:nvPr/>
       </p:nvGrpSpPr>
@@ -1474,11 +1424,9 @@
       <p:sp>
         <p:nvSpPr>
           <p:cNvPr id="96" name="Google Shape;96;g15d74cabc45_0_108:notes"/>
-          <p:cNvSpPr>
-            <a:spLocks noGrp="1" noRot="1" noChangeAspect="1"/>
-          </p:cNvSpPr>
+          <p:cNvSpPr/>
           <p:nvPr>
-            <p:ph type="sldImg" idx="2"/>
+            <p:ph idx="2" type="sldImg"/>
           </p:nvPr>
         </p:nvSpPr>
         <p:spPr>
@@ -1487,13 +1435,9 @@
             <a:ext cx="6096000" cy="3429000"/>
           </a:xfrm>
           <a:custGeom>
-            <a:avLst/>
-            <a:gdLst/>
-            <a:ahLst/>
-            <a:cxnLst/>
-            <a:rect l="l" t="t" r="r" b="b"/>
+            <a:rect b="b" l="l" r="r" t="t"/>
             <a:pathLst>
-              <a:path w="120000" h="120000" extrusionOk="0">
+              <a:path extrusionOk="0" h="120000" w="120000">
                 <a:moveTo>
                   <a:pt x="0" y="0"/>
                 </a:moveTo>
@@ -1515,11 +1459,9 @@
       <p:sp>
         <p:nvSpPr>
           <p:cNvPr id="97" name="Google Shape;97;g15d74cabc45_0_108:notes"/>
-          <p:cNvSpPr txBox="1">
-            <a:spLocks noGrp="1"/>
-          </p:cNvSpPr>
+          <p:cNvSpPr txBox="1"/>
           <p:nvPr>
-            <p:ph type="body" idx="1"/>
+            <p:ph idx="1" type="body"/>
           </p:nvPr>
         </p:nvSpPr>
         <p:spPr>
@@ -1532,12 +1474,12 @@
           </a:prstGeom>
         </p:spPr>
         <p:txBody>
-          <a:bodyPr spcFirstLastPara="1" wrap="square" lIns="91425" tIns="91425" rIns="91425" bIns="91425" anchor="t" anchorCtr="0">
+          <a:bodyPr anchorCtr="0" anchor="t" bIns="91425" lIns="91425" spcFirstLastPara="1" rIns="91425" wrap="square" tIns="91425">
             <a:noAutofit/>
           </a:bodyPr>
           <a:lstStyle/>
           <a:p>
-            <a:pPr marL="0" lvl="0" indent="0" algn="l" rtl="0">
+            <a:pPr indent="0" lvl="0" marL="0" rtl="0" algn="l">
               <a:spcBef>
                 <a:spcPts val="0"/>
               </a:spcBef>
@@ -1546,6 +1488,9 @@
               </a:spcAft>
               <a:buNone/>
             </a:pPr>
+            <a:r>
+              <a:t/>
+            </a:r>
             <a:endParaRPr/>
           </a:p>
         </p:txBody>
@@ -1559,11 +1504,11 @@
 </file>
 
 <file path=ppt/notesSlides/notesSlide8.xml><?xml version="1.0" encoding="utf-8"?>
-<p:notes xmlns:a="http://schemas.openxmlformats.org/drawingml/2006/main" xmlns:r="http://schemas.openxmlformats.org/officeDocument/2006/relationships" xmlns:p="http://schemas.openxmlformats.org/presentationml/2006/main" showMasterSp="0" showMasterPhAnim="0">
+<p:notes xmlns:a="http://schemas.openxmlformats.org/drawingml/2006/main" xmlns:r="http://schemas.openxmlformats.org/officeDocument/2006/relationships" xmlns:mc="http://schemas.openxmlformats.org/markup-compatibility/2006" xmlns:mv="urn:schemas-microsoft-com:mac:vml" xmlns:p="http://schemas.openxmlformats.org/presentationml/2006/main" xmlns:c="http://schemas.openxmlformats.org/drawingml/2006/chart" xmlns:dgm="http://schemas.openxmlformats.org/drawingml/2006/diagram" xmlns:o="urn:schemas-microsoft-com:office:office" xmlns:v="urn:schemas-microsoft-com:vml" xmlns:pvml="urn:schemas-microsoft-com:office:powerpoint" xmlns:com="http://schemas.openxmlformats.org/drawingml/2006/compatibility" xmlns:p14="http://schemas.microsoft.com/office/powerpoint/2010/main" xmlns:p15="http://schemas.microsoft.com/office/powerpoint/2012/main" xmlns:ahyp="http://schemas.microsoft.com/office/drawing/2018/hyperlinkcolor" showMasterPhAnim="0" showMasterSp="0">
   <p:cSld>
     <p:spTree>
       <p:nvGrpSpPr>
-        <p:cNvPr id="1" name="Shape 100"/>
+        <p:cNvPr id="100" name="Shape 100"/>
         <p:cNvGrpSpPr/>
         <p:nvPr/>
       </p:nvGrpSpPr>
@@ -1578,11 +1523,9 @@
       <p:sp>
         <p:nvSpPr>
           <p:cNvPr id="101" name="Google Shape;101;g15d74cabc45_0_92:notes"/>
-          <p:cNvSpPr>
-            <a:spLocks noGrp="1" noRot="1" noChangeAspect="1"/>
-          </p:cNvSpPr>
+          <p:cNvSpPr/>
           <p:nvPr>
-            <p:ph type="sldImg" idx="2"/>
+            <p:ph idx="2" type="sldImg"/>
           </p:nvPr>
         </p:nvSpPr>
         <p:spPr>
@@ -1591,13 +1534,9 @@
             <a:ext cx="6096000" cy="3429000"/>
           </a:xfrm>
           <a:custGeom>
-            <a:avLst/>
-            <a:gdLst/>
-            <a:ahLst/>
-            <a:cxnLst/>
-            <a:rect l="l" t="t" r="r" b="b"/>
+            <a:rect b="b" l="l" r="r" t="t"/>
             <a:pathLst>
-              <a:path w="120000" h="120000" extrusionOk="0">
+              <a:path extrusionOk="0" h="120000" w="120000">
                 <a:moveTo>
                   <a:pt x="0" y="0"/>
                 </a:moveTo>
@@ -1619,11 +1558,9 @@
       <p:sp>
         <p:nvSpPr>
           <p:cNvPr id="102" name="Google Shape;102;g15d74cabc45_0_92:notes"/>
-          <p:cNvSpPr txBox="1">
-            <a:spLocks noGrp="1"/>
-          </p:cNvSpPr>
+          <p:cNvSpPr txBox="1"/>
           <p:nvPr>
-            <p:ph type="body" idx="1"/>
+            <p:ph idx="1" type="body"/>
           </p:nvPr>
         </p:nvSpPr>
         <p:spPr>
@@ -1636,12 +1573,12 @@
           </a:prstGeom>
         </p:spPr>
         <p:txBody>
-          <a:bodyPr spcFirstLastPara="1" wrap="square" lIns="91425" tIns="91425" rIns="91425" bIns="91425" anchor="t" anchorCtr="0">
+          <a:bodyPr anchorCtr="0" anchor="t" bIns="91425" lIns="91425" spcFirstLastPara="1" rIns="91425" wrap="square" tIns="91425">
             <a:noAutofit/>
           </a:bodyPr>
           <a:lstStyle/>
           <a:p>
-            <a:pPr marL="0" lvl="0" indent="0" algn="l" rtl="0">
+            <a:pPr indent="0" lvl="0" marL="0" rtl="0" algn="l">
               <a:spcBef>
                 <a:spcPts val="0"/>
               </a:spcBef>
@@ -1650,6 +1587,9 @@
               </a:spcAft>
               <a:buNone/>
             </a:pPr>
+            <a:r>
+              <a:t/>
+            </a:r>
             <a:endParaRPr/>
           </a:p>
         </p:txBody>
@@ -1663,11 +1603,11 @@
 </file>
 
 <file path=ppt/notesSlides/notesSlide9.xml><?xml version="1.0" encoding="utf-8"?>
-<p:notes xmlns:a="http://schemas.openxmlformats.org/drawingml/2006/main" xmlns:r="http://schemas.openxmlformats.org/officeDocument/2006/relationships" xmlns:p="http://schemas.openxmlformats.org/presentationml/2006/main" showMasterSp="0" showMasterPhAnim="0">
+<p:notes xmlns:a="http://schemas.openxmlformats.org/drawingml/2006/main" xmlns:r="http://schemas.openxmlformats.org/officeDocument/2006/relationships" xmlns:mc="http://schemas.openxmlformats.org/markup-compatibility/2006" xmlns:mv="urn:schemas-microsoft-com:mac:vml" xmlns:p="http://schemas.openxmlformats.org/presentationml/2006/main" xmlns:c="http://schemas.openxmlformats.org/drawingml/2006/chart" xmlns:dgm="http://schemas.openxmlformats.org/drawingml/2006/diagram" xmlns:o="urn:schemas-microsoft-com:office:office" xmlns:v="urn:schemas-microsoft-com:vml" xmlns:pvml="urn:schemas-microsoft-com:office:powerpoint" xmlns:com="http://schemas.openxmlformats.org/drawingml/2006/compatibility" xmlns:p14="http://schemas.microsoft.com/office/powerpoint/2010/main" xmlns:p15="http://schemas.microsoft.com/office/powerpoint/2012/main" xmlns:ahyp="http://schemas.microsoft.com/office/drawing/2018/hyperlinkcolor" showMasterPhAnim="0" showMasterSp="0">
   <p:cSld>
     <p:spTree>
       <p:nvGrpSpPr>
-        <p:cNvPr id="1" name="Shape 107"/>
+        <p:cNvPr id="107" name="Shape 107"/>
         <p:cNvGrpSpPr/>
         <p:nvPr/>
       </p:nvGrpSpPr>
@@ -1682,11 +1622,9 @@
       <p:sp>
         <p:nvSpPr>
           <p:cNvPr id="108" name="Google Shape;108;g15ee2b540d0_4_5:notes"/>
-          <p:cNvSpPr>
-            <a:spLocks noGrp="1" noRot="1" noChangeAspect="1"/>
-          </p:cNvSpPr>
+          <p:cNvSpPr/>
           <p:nvPr>
-            <p:ph type="sldImg" idx="2"/>
+            <p:ph idx="2" type="sldImg"/>
           </p:nvPr>
         </p:nvSpPr>
         <p:spPr>
@@ -1695,13 +1633,9 @@
             <a:ext cx="6096000" cy="3429000"/>
           </a:xfrm>
           <a:custGeom>
-            <a:avLst/>
-            <a:gdLst/>
-            <a:ahLst/>
-            <a:cxnLst/>
-            <a:rect l="l" t="t" r="r" b="b"/>
+            <a:rect b="b" l="l" r="r" t="t"/>
             <a:pathLst>
-              <a:path w="120000" h="120000" extrusionOk="0">
+              <a:path extrusionOk="0" h="120000" w="120000">
                 <a:moveTo>
                   <a:pt x="0" y="0"/>
                 </a:moveTo>
@@ -1723,11 +1657,9 @@
       <p:sp>
         <p:nvSpPr>
           <p:cNvPr id="109" name="Google Shape;109;g15ee2b540d0_4_5:notes"/>
-          <p:cNvSpPr txBox="1">
-            <a:spLocks noGrp="1"/>
-          </p:cNvSpPr>
+          <p:cNvSpPr txBox="1"/>
           <p:nvPr>
-            <p:ph type="body" idx="1"/>
+            <p:ph idx="1" type="body"/>
           </p:nvPr>
         </p:nvSpPr>
         <p:spPr>
@@ -1740,12 +1672,12 @@
           </a:prstGeom>
         </p:spPr>
         <p:txBody>
-          <a:bodyPr spcFirstLastPara="1" wrap="square" lIns="91425" tIns="91425" rIns="91425" bIns="91425" anchor="t" anchorCtr="0">
+          <a:bodyPr anchorCtr="0" anchor="t" bIns="91425" lIns="91425" spcFirstLastPara="1" rIns="91425" wrap="square" tIns="91425">
             <a:noAutofit/>
           </a:bodyPr>
           <a:lstStyle/>
           <a:p>
-            <a:pPr marL="0" lvl="0" indent="0" algn="l" rtl="0">
+            <a:pPr indent="0" lvl="0" marL="0" rtl="0" algn="l">
               <a:spcBef>
                 <a:spcPts val="0"/>
               </a:spcBef>
@@ -1754,6 +1686,9 @@
               </a:spcAft>
               <a:buNone/>
             </a:pPr>
+            <a:r>
+              <a:t/>
+            </a:r>
             <a:endParaRPr/>
           </a:p>
         </p:txBody>
@@ -1767,11 +1702,11 @@
 </file>
 
 <file path=ppt/slideLayouts/slideLayout1.xml><?xml version="1.0" encoding="utf-8"?>
-<p:sldLayout xmlns:a="http://schemas.openxmlformats.org/drawingml/2006/main" xmlns:r="http://schemas.openxmlformats.org/officeDocument/2006/relationships" xmlns:p="http://schemas.openxmlformats.org/presentationml/2006/main" matchingName="Title slide" type="title">
+<p:sldLayout xmlns:a="http://schemas.openxmlformats.org/drawingml/2006/main" xmlns:r="http://schemas.openxmlformats.org/officeDocument/2006/relationships" xmlns:mc="http://schemas.openxmlformats.org/markup-compatibility/2006" xmlns:mv="urn:schemas-microsoft-com:mac:vml" xmlns:p="http://schemas.openxmlformats.org/presentationml/2006/main" xmlns:c="http://schemas.openxmlformats.org/drawingml/2006/chart" xmlns:dgm="http://schemas.openxmlformats.org/drawingml/2006/diagram" xmlns:o="urn:schemas-microsoft-com:office:office" xmlns:v="urn:schemas-microsoft-com:vml" xmlns:pvml="urn:schemas-microsoft-com:office:powerpoint" xmlns:com="http://schemas.openxmlformats.org/drawingml/2006/compatibility" xmlns:p14="http://schemas.microsoft.com/office/powerpoint/2010/main" xmlns:p15="http://schemas.microsoft.com/office/powerpoint/2012/main" xmlns:ahyp="http://schemas.microsoft.com/office/drawing/2018/hyperlinkcolor" matchingName="Title slide" type="title">
   <p:cSld name="TITLE">
     <p:spTree>
       <p:nvGrpSpPr>
-        <p:cNvPr id="1" name="Shape 9"/>
+        <p:cNvPr id="9" name="Shape 9"/>
         <p:cNvGrpSpPr/>
         <p:nvPr/>
       </p:nvGrpSpPr>
@@ -1795,13 +1730,9 @@
             <a:ext cx="1081625" cy="1124950"/>
           </a:xfrm>
           <a:custGeom>
-            <a:avLst/>
-            <a:gdLst/>
-            <a:ahLst/>
-            <a:cxnLst/>
-            <a:rect l="l" t="t" r="r" b="b"/>
+            <a:rect b="b" l="l" r="r" t="t"/>
             <a:pathLst>
-              <a:path w="43265" h="44998" extrusionOk="0">
+              <a:path extrusionOk="0" h="44998" w="43265">
                 <a:moveTo>
                   <a:pt x="0" y="44998"/>
                 </a:moveTo>
@@ -1815,14 +1746,14 @@
             </a:pathLst>
           </a:custGeom>
           <a:noFill/>
-          <a:ln w="28575" cap="flat" cmpd="sng">
+          <a:ln cap="flat" cmpd="sng" w="28575">
             <a:solidFill>
               <a:schemeClr val="lt2"/>
             </a:solidFill>
             <a:prstDash val="solid"/>
             <a:miter lim="8000"/>
-            <a:headEnd type="none" w="sm" len="sm"/>
-            <a:tailEnd type="none" w="sm" len="sm"/>
+            <a:headEnd len="sm" w="sm" type="none"/>
+            <a:tailEnd len="sm" w="sm" type="none"/>
           </a:ln>
         </p:spPr>
       </p:sp>
@@ -1838,13 +1769,9 @@
             <a:ext cx="1081625" cy="1124950"/>
           </a:xfrm>
           <a:custGeom>
-            <a:avLst/>
-            <a:gdLst/>
-            <a:ahLst/>
-            <a:cxnLst/>
-            <a:rect l="l" t="t" r="r" b="b"/>
+            <a:rect b="b" l="l" r="r" t="t"/>
             <a:pathLst>
-              <a:path w="43265" h="44998" extrusionOk="0">
+              <a:path extrusionOk="0" h="44998" w="43265">
                 <a:moveTo>
                   <a:pt x="0" y="44998"/>
                 </a:moveTo>
@@ -1858,23 +1785,21 @@
             </a:pathLst>
           </a:custGeom>
           <a:noFill/>
-          <a:ln w="28575" cap="flat" cmpd="sng">
+          <a:ln cap="flat" cmpd="sng" w="28575">
             <a:solidFill>
               <a:schemeClr val="lt2"/>
             </a:solidFill>
             <a:prstDash val="solid"/>
             <a:miter lim="8000"/>
-            <a:headEnd type="none" w="sm" len="sm"/>
-            <a:tailEnd type="none" w="sm" len="sm"/>
+            <a:headEnd len="sm" w="sm" type="none"/>
+            <a:tailEnd len="sm" w="sm" type="none"/>
           </a:ln>
         </p:spPr>
       </p:sp>
       <p:sp>
         <p:nvSpPr>
           <p:cNvPr id="12" name="Google Shape;12;p2"/>
-          <p:cNvSpPr txBox="1">
-            <a:spLocks noGrp="1"/>
-          </p:cNvSpPr>
+          <p:cNvSpPr txBox="1"/>
           <p:nvPr>
             <p:ph type="ctrTitle"/>
           </p:nvPr>
@@ -1889,7 +1814,7 @@
           </a:prstGeom>
         </p:spPr>
         <p:txBody>
-          <a:bodyPr spcFirstLastPara="1" wrap="square" lIns="91425" tIns="91425" rIns="91425" bIns="91425" anchor="b" anchorCtr="0">
+          <a:bodyPr anchorCtr="0" anchor="b" bIns="91425" lIns="91425" spcFirstLastPara="1" rIns="91425" wrap="square" tIns="91425">
             <a:normAutofit/>
           </a:bodyPr>
           <a:lstStyle>
@@ -1993,19 +1918,15 @@
               <a:defRPr/>
             </a:lvl9pPr>
           </a:lstStyle>
-          <a:p>
-            <a:endParaRPr/>
-          </a:p>
+          <a:p/>
         </p:txBody>
       </p:sp>
       <p:sp>
         <p:nvSpPr>
           <p:cNvPr id="13" name="Google Shape;13;p2"/>
-          <p:cNvSpPr txBox="1">
-            <a:spLocks noGrp="1"/>
-          </p:cNvSpPr>
+          <p:cNvSpPr txBox="1"/>
           <p:nvPr>
-            <p:ph type="subTitle" idx="1"/>
+            <p:ph idx="1" type="subTitle"/>
           </p:nvPr>
         </p:nvSpPr>
         <p:spPr>
@@ -2018,7 +1939,7 @@
           </a:prstGeom>
         </p:spPr>
         <p:txBody>
-          <a:bodyPr spcFirstLastPara="1" wrap="square" lIns="91425" tIns="91425" rIns="91425" bIns="91425" anchor="t" anchorCtr="0">
+          <a:bodyPr anchorCtr="0" anchor="t" bIns="91425" lIns="91425" spcFirstLastPara="1" rIns="91425" wrap="square" tIns="91425">
             <a:normAutofit/>
           </a:bodyPr>
           <a:lstStyle>
@@ -2203,19 +2124,15 @@
               </a:defRPr>
             </a:lvl9pPr>
           </a:lstStyle>
-          <a:p>
-            <a:endParaRPr/>
-          </a:p>
+          <a:p/>
         </p:txBody>
       </p:sp>
       <p:sp>
         <p:nvSpPr>
           <p:cNvPr id="14" name="Google Shape;14;p2"/>
-          <p:cNvSpPr txBox="1">
-            <a:spLocks noGrp="1"/>
-          </p:cNvSpPr>
+          <p:cNvSpPr txBox="1"/>
           <p:nvPr>
-            <p:ph type="sldNum" idx="12"/>
+            <p:ph idx="12" type="sldNum"/>
           </p:nvPr>
         </p:nvSpPr>
         <p:spPr>
@@ -2228,7 +2145,7 @@
           </a:prstGeom>
         </p:spPr>
         <p:txBody>
-          <a:bodyPr spcFirstLastPara="1" wrap="square" lIns="91425" tIns="91425" rIns="91425" bIns="91425" anchor="ctr" anchorCtr="0">
+          <a:bodyPr anchorCtr="0" anchor="ctr" bIns="91425" lIns="91425" spcFirstLastPara="1" rIns="91425" wrap="square" tIns="91425">
             <a:normAutofit/>
           </a:bodyPr>
           <a:lstStyle>
@@ -2270,7 +2187,7 @@
             </a:lvl9pPr>
           </a:lstStyle>
           <a:p>
-            <a:pPr marL="0" lvl="0" indent="0" algn="r" rtl="0">
+            <a:pPr indent="0" lvl="0" marL="0" rtl="0" algn="r">
               <a:spcBef>
                 <a:spcPts val="0"/>
               </a:spcBef>
@@ -2296,11 +2213,11 @@
 </file>
 
 <file path=ppt/slideLayouts/slideLayout10.xml><?xml version="1.0" encoding="utf-8"?>
-<p:sldLayout xmlns:a="http://schemas.openxmlformats.org/drawingml/2006/main" xmlns:r="http://schemas.openxmlformats.org/officeDocument/2006/relationships" xmlns:p="http://schemas.openxmlformats.org/presentationml/2006/main" matchingName="Big number">
+<p:sldLayout xmlns:a="http://schemas.openxmlformats.org/drawingml/2006/main" xmlns:r="http://schemas.openxmlformats.org/officeDocument/2006/relationships" xmlns:mc="http://schemas.openxmlformats.org/markup-compatibility/2006" xmlns:mv="urn:schemas-microsoft-com:mac:vml" xmlns:p="http://schemas.openxmlformats.org/presentationml/2006/main" xmlns:c="http://schemas.openxmlformats.org/drawingml/2006/chart" xmlns:dgm="http://schemas.openxmlformats.org/drawingml/2006/diagram" xmlns:o="urn:schemas-microsoft-com:office:office" xmlns:v="urn:schemas-microsoft-com:vml" xmlns:pvml="urn:schemas-microsoft-com:office:powerpoint" xmlns:com="http://schemas.openxmlformats.org/drawingml/2006/compatibility" xmlns:p14="http://schemas.microsoft.com/office/powerpoint/2010/main" xmlns:p15="http://schemas.microsoft.com/office/powerpoint/2012/main" xmlns:ahyp="http://schemas.microsoft.com/office/drawing/2018/hyperlinkcolor" matchingName="Big number">
   <p:cSld name="BIG_NUMBER">
     <p:spTree>
       <p:nvGrpSpPr>
-        <p:cNvPr id="1" name="Shape 51"/>
+        <p:cNvPr id="51" name="Shape 51"/>
         <p:cNvGrpSpPr/>
         <p:nvPr/>
       </p:nvGrpSpPr>
@@ -2334,12 +2251,12 @@
           </a:ln>
         </p:spPr>
         <p:txBody>
-          <a:bodyPr spcFirstLastPara="1" wrap="square" lIns="91425" tIns="91425" rIns="91425" bIns="91425" anchor="ctr" anchorCtr="0">
+          <a:bodyPr anchorCtr="0" anchor="ctr" bIns="91425" lIns="91425" spcFirstLastPara="1" rIns="91425" wrap="square" tIns="91425">
             <a:noAutofit/>
           </a:bodyPr>
           <a:lstStyle/>
           <a:p>
-            <a:pPr marL="0" lvl="0" indent="0" algn="l" rtl="0">
+            <a:pPr indent="0" lvl="0" marL="0" rtl="0" algn="l">
               <a:spcBef>
                 <a:spcPts val="0"/>
               </a:spcBef>
@@ -2348,6 +2265,9 @@
               </a:spcAft>
               <a:buNone/>
             </a:pPr>
+            <a:r>
+              <a:t/>
+            </a:r>
             <a:endParaRPr/>
           </a:p>
         </p:txBody>
@@ -2355,11 +2275,9 @@
       <p:sp>
         <p:nvSpPr>
           <p:cNvPr id="53" name="Google Shape;53;p11"/>
-          <p:cNvSpPr txBox="1">
-            <a:spLocks noGrp="1"/>
-          </p:cNvSpPr>
+          <p:cNvSpPr txBox="1"/>
           <p:nvPr>
-            <p:ph type="title" hasCustomPrompt="1"/>
+            <p:ph hasCustomPrompt="1" type="title"/>
           </p:nvPr>
         </p:nvSpPr>
         <p:spPr>
@@ -2372,7 +2290,7 @@
           </a:prstGeom>
         </p:spPr>
         <p:txBody>
-          <a:bodyPr spcFirstLastPara="1" wrap="square" lIns="91425" tIns="91425" rIns="91425" bIns="91425" anchor="ctr" anchorCtr="0">
+          <a:bodyPr anchorCtr="0" anchor="ctr" bIns="91425" lIns="91425" spcFirstLastPara="1" rIns="91425" wrap="square" tIns="91425">
             <a:normAutofit/>
           </a:bodyPr>
           <a:lstStyle>
@@ -2549,11 +2467,9 @@
       <p:sp>
         <p:nvSpPr>
           <p:cNvPr id="54" name="Google Shape;54;p11"/>
-          <p:cNvSpPr txBox="1">
-            <a:spLocks noGrp="1"/>
-          </p:cNvSpPr>
+          <p:cNvSpPr txBox="1"/>
           <p:nvPr>
-            <p:ph type="body" idx="1"/>
+            <p:ph idx="1" type="body"/>
           </p:nvPr>
         </p:nvSpPr>
         <p:spPr>
@@ -2566,11 +2482,11 @@
           </a:prstGeom>
         </p:spPr>
         <p:txBody>
-          <a:bodyPr spcFirstLastPara="1" wrap="square" lIns="91425" tIns="91425" rIns="91425" bIns="91425" anchor="t" anchorCtr="0">
+          <a:bodyPr anchorCtr="0" anchor="t" bIns="91425" lIns="91425" spcFirstLastPara="1" rIns="91425" wrap="square" tIns="91425">
             <a:normAutofit/>
           </a:bodyPr>
           <a:lstStyle>
-            <a:lvl1pPr marL="457200" lvl="0" indent="-342900" algn="ctr">
+            <a:lvl1pPr indent="-342900" lvl="0" marL="457200" algn="ctr">
               <a:spcBef>
                 <a:spcPts val="0"/>
               </a:spcBef>
@@ -2581,7 +2497,7 @@
               <a:buChar char="●"/>
               <a:defRPr/>
             </a:lvl1pPr>
-            <a:lvl2pPr marL="914400" lvl="1" indent="-317500" algn="ctr">
+            <a:lvl2pPr indent="-317500" lvl="1" marL="914400" algn="ctr">
               <a:spcBef>
                 <a:spcPts val="0"/>
               </a:spcBef>
@@ -2592,7 +2508,7 @@
               <a:buChar char="○"/>
               <a:defRPr/>
             </a:lvl2pPr>
-            <a:lvl3pPr marL="1371600" lvl="2" indent="-317500" algn="ctr">
+            <a:lvl3pPr indent="-317500" lvl="2" marL="1371600" algn="ctr">
               <a:spcBef>
                 <a:spcPts val="0"/>
               </a:spcBef>
@@ -2603,7 +2519,7 @@
               <a:buChar char="■"/>
               <a:defRPr/>
             </a:lvl3pPr>
-            <a:lvl4pPr marL="1828800" lvl="3" indent="-317500" algn="ctr">
+            <a:lvl4pPr indent="-317500" lvl="3" marL="1828800" algn="ctr">
               <a:spcBef>
                 <a:spcPts val="0"/>
               </a:spcBef>
@@ -2614,7 +2530,7 @@
               <a:buChar char="●"/>
               <a:defRPr/>
             </a:lvl4pPr>
-            <a:lvl5pPr marL="2286000" lvl="4" indent="-317500" algn="ctr">
+            <a:lvl5pPr indent="-317500" lvl="4" marL="2286000" algn="ctr">
               <a:spcBef>
                 <a:spcPts val="0"/>
               </a:spcBef>
@@ -2625,7 +2541,7 @@
               <a:buChar char="○"/>
               <a:defRPr/>
             </a:lvl5pPr>
-            <a:lvl6pPr marL="2743200" lvl="5" indent="-317500" algn="ctr">
+            <a:lvl6pPr indent="-317500" lvl="5" marL="2743200" algn="ctr">
               <a:spcBef>
                 <a:spcPts val="0"/>
               </a:spcBef>
@@ -2636,7 +2552,7 @@
               <a:buChar char="■"/>
               <a:defRPr/>
             </a:lvl6pPr>
-            <a:lvl7pPr marL="3200400" lvl="6" indent="-317500" algn="ctr">
+            <a:lvl7pPr indent="-317500" lvl="6" marL="3200400" algn="ctr">
               <a:spcBef>
                 <a:spcPts val="0"/>
               </a:spcBef>
@@ -2647,7 +2563,7 @@
               <a:buChar char="●"/>
               <a:defRPr/>
             </a:lvl7pPr>
-            <a:lvl8pPr marL="3657600" lvl="7" indent="-317500" algn="ctr">
+            <a:lvl8pPr indent="-317500" lvl="7" marL="3657600" algn="ctr">
               <a:spcBef>
                 <a:spcPts val="0"/>
               </a:spcBef>
@@ -2658,7 +2574,7 @@
               <a:buChar char="○"/>
               <a:defRPr/>
             </a:lvl8pPr>
-            <a:lvl9pPr marL="4114800" lvl="8" indent="-317500" algn="ctr">
+            <a:lvl9pPr indent="-317500" lvl="8" marL="4114800" algn="ctr">
               <a:spcBef>
                 <a:spcPts val="0"/>
               </a:spcBef>
@@ -2670,19 +2586,15 @@
               <a:defRPr/>
             </a:lvl9pPr>
           </a:lstStyle>
-          <a:p>
-            <a:endParaRPr/>
-          </a:p>
+          <a:p/>
         </p:txBody>
       </p:sp>
       <p:sp>
         <p:nvSpPr>
           <p:cNvPr id="55" name="Google Shape;55;p11"/>
-          <p:cNvSpPr txBox="1">
-            <a:spLocks noGrp="1"/>
-          </p:cNvSpPr>
+          <p:cNvSpPr txBox="1"/>
           <p:nvPr>
-            <p:ph type="sldNum" idx="12"/>
+            <p:ph idx="12" type="sldNum"/>
           </p:nvPr>
         </p:nvSpPr>
         <p:spPr>
@@ -2695,7 +2607,7 @@
           </a:prstGeom>
         </p:spPr>
         <p:txBody>
-          <a:bodyPr spcFirstLastPara="1" wrap="square" lIns="91425" tIns="91425" rIns="91425" bIns="91425" anchor="ctr" anchorCtr="0">
+          <a:bodyPr anchorCtr="0" anchor="ctr" bIns="91425" lIns="91425" spcFirstLastPara="1" rIns="91425" wrap="square" tIns="91425">
             <a:normAutofit/>
           </a:bodyPr>
           <a:lstStyle>
@@ -2737,7 +2649,7 @@
             </a:lvl9pPr>
           </a:lstStyle>
           <a:p>
-            <a:pPr marL="0" lvl="0" indent="0" algn="r" rtl="0">
+            <a:pPr indent="0" lvl="0" marL="0" rtl="0" algn="r">
               <a:spcBef>
                 <a:spcPts val="0"/>
               </a:spcBef>
@@ -2763,11 +2675,11 @@
 </file>
 
 <file path=ppt/slideLayouts/slideLayout11.xml><?xml version="1.0" encoding="utf-8"?>
-<p:sldLayout xmlns:a="http://schemas.openxmlformats.org/drawingml/2006/main" xmlns:r="http://schemas.openxmlformats.org/officeDocument/2006/relationships" xmlns:p="http://schemas.openxmlformats.org/presentationml/2006/main" matchingName="Blank" type="blank">
+<p:sldLayout xmlns:a="http://schemas.openxmlformats.org/drawingml/2006/main" xmlns:r="http://schemas.openxmlformats.org/officeDocument/2006/relationships" xmlns:mc="http://schemas.openxmlformats.org/markup-compatibility/2006" xmlns:mv="urn:schemas-microsoft-com:mac:vml" xmlns:p="http://schemas.openxmlformats.org/presentationml/2006/main" xmlns:c="http://schemas.openxmlformats.org/drawingml/2006/chart" xmlns:dgm="http://schemas.openxmlformats.org/drawingml/2006/diagram" xmlns:o="urn:schemas-microsoft-com:office:office" xmlns:v="urn:schemas-microsoft-com:vml" xmlns:pvml="urn:schemas-microsoft-com:office:powerpoint" xmlns:com="http://schemas.openxmlformats.org/drawingml/2006/compatibility" xmlns:p14="http://schemas.microsoft.com/office/powerpoint/2010/main" xmlns:p15="http://schemas.microsoft.com/office/powerpoint/2012/main" xmlns:ahyp="http://schemas.microsoft.com/office/drawing/2018/hyperlinkcolor" matchingName="Blank" type="blank">
   <p:cSld name="BLANK">
     <p:spTree>
       <p:nvGrpSpPr>
-        <p:cNvPr id="1" name="Shape 56"/>
+        <p:cNvPr id="56" name="Shape 56"/>
         <p:cNvGrpSpPr/>
         <p:nvPr/>
       </p:nvGrpSpPr>
@@ -2782,11 +2694,9 @@
       <p:sp>
         <p:nvSpPr>
           <p:cNvPr id="57" name="Google Shape;57;p12"/>
-          <p:cNvSpPr txBox="1">
-            <a:spLocks noGrp="1"/>
-          </p:cNvSpPr>
+          <p:cNvSpPr txBox="1"/>
           <p:nvPr>
-            <p:ph type="sldNum" idx="12"/>
+            <p:ph idx="12" type="sldNum"/>
           </p:nvPr>
         </p:nvSpPr>
         <p:spPr>
@@ -2799,7 +2709,7 @@
           </a:prstGeom>
         </p:spPr>
         <p:txBody>
-          <a:bodyPr spcFirstLastPara="1" wrap="square" lIns="91425" tIns="91425" rIns="91425" bIns="91425" anchor="ctr" anchorCtr="0">
+          <a:bodyPr anchorCtr="0" anchor="ctr" bIns="91425" lIns="91425" spcFirstLastPara="1" rIns="91425" wrap="square" tIns="91425">
             <a:normAutofit/>
           </a:bodyPr>
           <a:lstStyle>
@@ -2841,7 +2751,7 @@
             </a:lvl9pPr>
           </a:lstStyle>
           <a:p>
-            <a:pPr marL="0" lvl="0" indent="0" algn="r" rtl="0">
+            <a:pPr indent="0" lvl="0" marL="0" rtl="0" algn="r">
               <a:spcBef>
                 <a:spcPts val="0"/>
               </a:spcBef>
@@ -2867,11 +2777,11 @@
 </file>
 
 <file path=ppt/slideLayouts/slideLayout2.xml><?xml version="1.0" encoding="utf-8"?>
-<p:sldLayout xmlns:a="http://schemas.openxmlformats.org/drawingml/2006/main" xmlns:r="http://schemas.openxmlformats.org/officeDocument/2006/relationships" xmlns:p="http://schemas.openxmlformats.org/presentationml/2006/main" matchingName="Section header" type="secHead">
+<p:sldLayout xmlns:a="http://schemas.openxmlformats.org/drawingml/2006/main" xmlns:r="http://schemas.openxmlformats.org/officeDocument/2006/relationships" xmlns:mc="http://schemas.openxmlformats.org/markup-compatibility/2006" xmlns:mv="urn:schemas-microsoft-com:mac:vml" xmlns:p="http://schemas.openxmlformats.org/presentationml/2006/main" xmlns:c="http://schemas.openxmlformats.org/drawingml/2006/chart" xmlns:dgm="http://schemas.openxmlformats.org/drawingml/2006/diagram" xmlns:o="urn:schemas-microsoft-com:office:office" xmlns:v="urn:schemas-microsoft-com:vml" xmlns:pvml="urn:schemas-microsoft-com:office:powerpoint" xmlns:com="http://schemas.openxmlformats.org/drawingml/2006/compatibility" xmlns:p14="http://schemas.microsoft.com/office/powerpoint/2010/main" xmlns:p15="http://schemas.microsoft.com/office/powerpoint/2012/main" xmlns:ahyp="http://schemas.microsoft.com/office/drawing/2018/hyperlinkcolor" matchingName="Section header" type="secHead">
   <p:cSld name="SECTION_HEADER">
     <p:spTree>
       <p:nvGrpSpPr>
-        <p:cNvPr id="1" name="Shape 15"/>
+        <p:cNvPr id="15" name="Shape 15"/>
         <p:cNvGrpSpPr/>
         <p:nvPr/>
       </p:nvGrpSpPr>
@@ -2895,13 +2805,9 @@
             <a:ext cx="1081625" cy="1124950"/>
           </a:xfrm>
           <a:custGeom>
-            <a:avLst/>
-            <a:gdLst/>
-            <a:ahLst/>
-            <a:cxnLst/>
-            <a:rect l="l" t="t" r="r" b="b"/>
+            <a:rect b="b" l="l" r="r" t="t"/>
             <a:pathLst>
-              <a:path w="43265" h="44998" extrusionOk="0">
+              <a:path extrusionOk="0" h="44998" w="43265">
                 <a:moveTo>
                   <a:pt x="0" y="44998"/>
                 </a:moveTo>
@@ -2915,14 +2821,14 @@
             </a:pathLst>
           </a:custGeom>
           <a:noFill/>
-          <a:ln w="28575" cap="flat" cmpd="sng">
+          <a:ln cap="flat" cmpd="sng" w="28575">
             <a:solidFill>
               <a:schemeClr val="lt2"/>
             </a:solidFill>
             <a:prstDash val="solid"/>
             <a:miter lim="8000"/>
-            <a:headEnd type="none" w="sm" len="sm"/>
-            <a:tailEnd type="none" w="sm" len="sm"/>
+            <a:headEnd len="sm" w="sm" type="none"/>
+            <a:tailEnd len="sm" w="sm" type="none"/>
           </a:ln>
         </p:spPr>
       </p:sp>
@@ -2933,18 +2839,14 @@
           <p:nvPr/>
         </p:nvSpPr>
         <p:spPr>
-          <a:xfrm rot="10800000" flipH="1">
+          <a:xfrm flipH="1" rot="10800000">
             <a:off x="466425" y="3558325"/>
             <a:ext cx="1081625" cy="1124950"/>
           </a:xfrm>
           <a:custGeom>
-            <a:avLst/>
-            <a:gdLst/>
-            <a:ahLst/>
-            <a:cxnLst/>
-            <a:rect l="l" t="t" r="r" b="b"/>
+            <a:rect b="b" l="l" r="r" t="t"/>
             <a:pathLst>
-              <a:path w="43265" h="44998" extrusionOk="0">
+              <a:path extrusionOk="0" h="44998" w="43265">
                 <a:moveTo>
                   <a:pt x="0" y="44998"/>
                 </a:moveTo>
@@ -2958,23 +2860,21 @@
             </a:pathLst>
           </a:custGeom>
           <a:noFill/>
-          <a:ln w="28575" cap="flat" cmpd="sng">
+          <a:ln cap="flat" cmpd="sng" w="28575">
             <a:solidFill>
               <a:schemeClr val="lt2"/>
             </a:solidFill>
             <a:prstDash val="solid"/>
             <a:miter lim="8000"/>
-            <a:headEnd type="none" w="sm" len="sm"/>
-            <a:tailEnd type="none" w="sm" len="sm"/>
+            <a:headEnd len="sm" w="sm" type="none"/>
+            <a:tailEnd len="sm" w="sm" type="none"/>
           </a:ln>
         </p:spPr>
       </p:sp>
       <p:sp>
         <p:nvSpPr>
           <p:cNvPr id="18" name="Google Shape;18;p3"/>
-          <p:cNvSpPr txBox="1">
-            <a:spLocks noGrp="1"/>
-          </p:cNvSpPr>
+          <p:cNvSpPr txBox="1"/>
           <p:nvPr>
             <p:ph type="title"/>
           </p:nvPr>
@@ -2989,7 +2889,7 @@
           </a:prstGeom>
         </p:spPr>
         <p:txBody>
-          <a:bodyPr spcFirstLastPara="1" wrap="square" lIns="91425" tIns="91425" rIns="91425" bIns="91425" anchor="ctr" anchorCtr="0">
+          <a:bodyPr anchorCtr="0" anchor="ctr" bIns="91425" lIns="91425" spcFirstLastPara="1" rIns="91425" wrap="square" tIns="91425">
             <a:normAutofit/>
           </a:bodyPr>
           <a:lstStyle>
@@ -3093,19 +2993,15 @@
               <a:defRPr/>
             </a:lvl9pPr>
           </a:lstStyle>
-          <a:p>
-            <a:endParaRPr/>
-          </a:p>
+          <a:p/>
         </p:txBody>
       </p:sp>
       <p:sp>
         <p:nvSpPr>
           <p:cNvPr id="19" name="Google Shape;19;p3"/>
-          <p:cNvSpPr txBox="1">
-            <a:spLocks noGrp="1"/>
-          </p:cNvSpPr>
+          <p:cNvSpPr txBox="1"/>
           <p:nvPr>
-            <p:ph type="sldNum" idx="12"/>
+            <p:ph idx="12" type="sldNum"/>
           </p:nvPr>
         </p:nvSpPr>
         <p:spPr>
@@ -3118,7 +3014,7 @@
           </a:prstGeom>
         </p:spPr>
         <p:txBody>
-          <a:bodyPr spcFirstLastPara="1" wrap="square" lIns="91425" tIns="91425" rIns="91425" bIns="91425" anchor="ctr" anchorCtr="0">
+          <a:bodyPr anchorCtr="0" anchor="ctr" bIns="91425" lIns="91425" spcFirstLastPara="1" rIns="91425" wrap="square" tIns="91425">
             <a:normAutofit/>
           </a:bodyPr>
           <a:lstStyle>
@@ -3160,7 +3056,7 @@
             </a:lvl9pPr>
           </a:lstStyle>
           <a:p>
-            <a:pPr marL="0" lvl="0" indent="0" algn="r" rtl="0">
+            <a:pPr indent="0" lvl="0" marL="0" rtl="0" algn="r">
               <a:spcBef>
                 <a:spcPts val="0"/>
               </a:spcBef>
@@ -3186,11 +3082,11 @@
 </file>
 
 <file path=ppt/slideLayouts/slideLayout3.xml><?xml version="1.0" encoding="utf-8"?>
-<p:sldLayout xmlns:a="http://schemas.openxmlformats.org/drawingml/2006/main" xmlns:r="http://schemas.openxmlformats.org/officeDocument/2006/relationships" xmlns:p="http://schemas.openxmlformats.org/presentationml/2006/main" matchingName="Title and body" type="tx">
+<p:sldLayout xmlns:a="http://schemas.openxmlformats.org/drawingml/2006/main" xmlns:r="http://schemas.openxmlformats.org/officeDocument/2006/relationships" xmlns:mc="http://schemas.openxmlformats.org/markup-compatibility/2006" xmlns:mv="urn:schemas-microsoft-com:mac:vml" xmlns:p="http://schemas.openxmlformats.org/presentationml/2006/main" xmlns:c="http://schemas.openxmlformats.org/drawingml/2006/chart" xmlns:dgm="http://schemas.openxmlformats.org/drawingml/2006/diagram" xmlns:o="urn:schemas-microsoft-com:office:office" xmlns:v="urn:schemas-microsoft-com:vml" xmlns:pvml="urn:schemas-microsoft-com:office:powerpoint" xmlns:com="http://schemas.openxmlformats.org/drawingml/2006/compatibility" xmlns:p14="http://schemas.microsoft.com/office/powerpoint/2010/main" xmlns:p15="http://schemas.microsoft.com/office/powerpoint/2012/main" xmlns:ahyp="http://schemas.microsoft.com/office/drawing/2018/hyperlinkcolor" matchingName="Title and body" type="tx">
   <p:cSld name="TITLE_AND_BODY">
     <p:spTree>
       <p:nvGrpSpPr>
-        <p:cNvPr id="1" name="Shape 20"/>
+        <p:cNvPr id="20" name="Shape 20"/>
         <p:cNvGrpSpPr/>
         <p:nvPr/>
       </p:nvGrpSpPr>
@@ -3224,12 +3120,12 @@
           </a:ln>
         </p:spPr>
         <p:txBody>
-          <a:bodyPr spcFirstLastPara="1" wrap="square" lIns="91425" tIns="91425" rIns="91425" bIns="91425" anchor="ctr" anchorCtr="0">
+          <a:bodyPr anchorCtr="0" anchor="ctr" bIns="91425" lIns="91425" spcFirstLastPara="1" rIns="91425" wrap="square" tIns="91425">
             <a:noAutofit/>
           </a:bodyPr>
           <a:lstStyle/>
           <a:p>
-            <a:pPr marL="0" lvl="0" indent="0" algn="l" rtl="0">
+            <a:pPr indent="0" lvl="0" marL="0" rtl="0" algn="l">
               <a:spcBef>
                 <a:spcPts val="0"/>
               </a:spcBef>
@@ -3238,6 +3134,9 @@
               </a:spcAft>
               <a:buNone/>
             </a:pPr>
+            <a:r>
+              <a:t/>
+            </a:r>
             <a:endParaRPr/>
           </a:p>
         </p:txBody>
@@ -3245,9 +3144,7 @@
       <p:sp>
         <p:nvSpPr>
           <p:cNvPr id="22" name="Google Shape;22;p4"/>
-          <p:cNvSpPr txBox="1">
-            <a:spLocks noGrp="1"/>
-          </p:cNvSpPr>
+          <p:cNvSpPr txBox="1"/>
           <p:nvPr>
             <p:ph type="title"/>
           </p:nvPr>
@@ -3262,7 +3159,7 @@
           </a:prstGeom>
         </p:spPr>
         <p:txBody>
-          <a:bodyPr spcFirstLastPara="1" wrap="square" lIns="91425" tIns="91425" rIns="91425" bIns="91425" anchor="b" anchorCtr="0">
+          <a:bodyPr anchorCtr="0" anchor="b" bIns="91425" lIns="91425" spcFirstLastPara="1" rIns="91425" wrap="square" tIns="91425">
             <a:normAutofit/>
           </a:bodyPr>
           <a:lstStyle>
@@ -3366,19 +3263,15 @@
               <a:defRPr/>
             </a:lvl9pPr>
           </a:lstStyle>
-          <a:p>
-            <a:endParaRPr/>
-          </a:p>
+          <a:p/>
         </p:txBody>
       </p:sp>
       <p:sp>
         <p:nvSpPr>
           <p:cNvPr id="23" name="Google Shape;23;p4"/>
-          <p:cNvSpPr txBox="1">
-            <a:spLocks noGrp="1"/>
-          </p:cNvSpPr>
+          <p:cNvSpPr txBox="1"/>
           <p:nvPr>
-            <p:ph type="body" idx="1"/>
+            <p:ph idx="1" type="body"/>
           </p:nvPr>
         </p:nvSpPr>
         <p:spPr>
@@ -3391,11 +3284,11 @@
           </a:prstGeom>
         </p:spPr>
         <p:txBody>
-          <a:bodyPr spcFirstLastPara="1" wrap="square" lIns="91425" tIns="91425" rIns="91425" bIns="91425" anchor="t" anchorCtr="0">
+          <a:bodyPr anchorCtr="0" anchor="t" bIns="91425" lIns="91425" spcFirstLastPara="1" rIns="91425" wrap="square" tIns="91425">
             <a:normAutofit/>
           </a:bodyPr>
           <a:lstStyle>
-            <a:lvl1pPr marL="457200" lvl="0" indent="-342900">
+            <a:lvl1pPr indent="-342900" lvl="0" marL="457200">
               <a:spcBef>
                 <a:spcPts val="0"/>
               </a:spcBef>
@@ -3406,7 +3299,7 @@
               <a:buChar char="●"/>
               <a:defRPr/>
             </a:lvl1pPr>
-            <a:lvl2pPr marL="914400" lvl="1" indent="-317500">
+            <a:lvl2pPr indent="-317500" lvl="1" marL="914400">
               <a:spcBef>
                 <a:spcPts val="0"/>
               </a:spcBef>
@@ -3417,7 +3310,7 @@
               <a:buChar char="○"/>
               <a:defRPr/>
             </a:lvl2pPr>
-            <a:lvl3pPr marL="1371600" lvl="2" indent="-317500">
+            <a:lvl3pPr indent="-317500" lvl="2" marL="1371600">
               <a:spcBef>
                 <a:spcPts val="0"/>
               </a:spcBef>
@@ -3428,7 +3321,7 @@
               <a:buChar char="■"/>
               <a:defRPr/>
             </a:lvl3pPr>
-            <a:lvl4pPr marL="1828800" lvl="3" indent="-317500">
+            <a:lvl4pPr indent="-317500" lvl="3" marL="1828800">
               <a:spcBef>
                 <a:spcPts val="0"/>
               </a:spcBef>
@@ -3439,7 +3332,7 @@
               <a:buChar char="●"/>
               <a:defRPr/>
             </a:lvl4pPr>
-            <a:lvl5pPr marL="2286000" lvl="4" indent="-317500">
+            <a:lvl5pPr indent="-317500" lvl="4" marL="2286000">
               <a:spcBef>
                 <a:spcPts val="0"/>
               </a:spcBef>
@@ -3450,7 +3343,7 @@
               <a:buChar char="○"/>
               <a:defRPr/>
             </a:lvl5pPr>
-            <a:lvl6pPr marL="2743200" lvl="5" indent="-317500">
+            <a:lvl6pPr indent="-317500" lvl="5" marL="2743200">
               <a:spcBef>
                 <a:spcPts val="0"/>
               </a:spcBef>
@@ -3461,7 +3354,7 @@
               <a:buChar char="■"/>
               <a:defRPr/>
             </a:lvl6pPr>
-            <a:lvl7pPr marL="3200400" lvl="6" indent="-317500">
+            <a:lvl7pPr indent="-317500" lvl="6" marL="3200400">
               <a:spcBef>
                 <a:spcPts val="0"/>
               </a:spcBef>
@@ -3472,7 +3365,7 @@
               <a:buChar char="●"/>
               <a:defRPr/>
             </a:lvl7pPr>
-            <a:lvl8pPr marL="3657600" lvl="7" indent="-317500">
+            <a:lvl8pPr indent="-317500" lvl="7" marL="3657600">
               <a:spcBef>
                 <a:spcPts val="0"/>
               </a:spcBef>
@@ -3483,7 +3376,7 @@
               <a:buChar char="○"/>
               <a:defRPr/>
             </a:lvl8pPr>
-            <a:lvl9pPr marL="4114800" lvl="8" indent="-317500">
+            <a:lvl9pPr indent="-317500" lvl="8" marL="4114800">
               <a:spcBef>
                 <a:spcPts val="0"/>
               </a:spcBef>
@@ -3495,19 +3388,15 @@
               <a:defRPr/>
             </a:lvl9pPr>
           </a:lstStyle>
-          <a:p>
-            <a:endParaRPr/>
-          </a:p>
+          <a:p/>
         </p:txBody>
       </p:sp>
       <p:sp>
         <p:nvSpPr>
           <p:cNvPr id="24" name="Google Shape;24;p4"/>
-          <p:cNvSpPr txBox="1">
-            <a:spLocks noGrp="1"/>
-          </p:cNvSpPr>
+          <p:cNvSpPr txBox="1"/>
           <p:nvPr>
-            <p:ph type="sldNum" idx="12"/>
+            <p:ph idx="12" type="sldNum"/>
           </p:nvPr>
         </p:nvSpPr>
         <p:spPr>
@@ -3520,7 +3409,7 @@
           </a:prstGeom>
         </p:spPr>
         <p:txBody>
-          <a:bodyPr spcFirstLastPara="1" wrap="square" lIns="91425" tIns="91425" rIns="91425" bIns="91425" anchor="ctr" anchorCtr="0">
+          <a:bodyPr anchorCtr="0" anchor="ctr" bIns="91425" lIns="91425" spcFirstLastPara="1" rIns="91425" wrap="square" tIns="91425">
             <a:normAutofit/>
           </a:bodyPr>
           <a:lstStyle>
@@ -3562,7 +3451,7 @@
             </a:lvl9pPr>
           </a:lstStyle>
           <a:p>
-            <a:pPr marL="0" lvl="0" indent="0" algn="r" rtl="0">
+            <a:pPr indent="0" lvl="0" marL="0" rtl="0" algn="r">
               <a:spcBef>
                 <a:spcPts val="0"/>
               </a:spcBef>
@@ -3588,11 +3477,11 @@
 </file>
 
 <file path=ppt/slideLayouts/slideLayout4.xml><?xml version="1.0" encoding="utf-8"?>
-<p:sldLayout xmlns:a="http://schemas.openxmlformats.org/drawingml/2006/main" xmlns:r="http://schemas.openxmlformats.org/officeDocument/2006/relationships" xmlns:p="http://schemas.openxmlformats.org/presentationml/2006/main" matchingName="Title and two columns" type="twoColTx">
+<p:sldLayout xmlns:a="http://schemas.openxmlformats.org/drawingml/2006/main" xmlns:r="http://schemas.openxmlformats.org/officeDocument/2006/relationships" xmlns:mc="http://schemas.openxmlformats.org/markup-compatibility/2006" xmlns:mv="urn:schemas-microsoft-com:mac:vml" xmlns:p="http://schemas.openxmlformats.org/presentationml/2006/main" xmlns:c="http://schemas.openxmlformats.org/drawingml/2006/chart" xmlns:dgm="http://schemas.openxmlformats.org/drawingml/2006/diagram" xmlns:o="urn:schemas-microsoft-com:office:office" xmlns:v="urn:schemas-microsoft-com:vml" xmlns:pvml="urn:schemas-microsoft-com:office:powerpoint" xmlns:com="http://schemas.openxmlformats.org/drawingml/2006/compatibility" xmlns:p14="http://schemas.microsoft.com/office/powerpoint/2010/main" xmlns:p15="http://schemas.microsoft.com/office/powerpoint/2012/main" xmlns:ahyp="http://schemas.microsoft.com/office/drawing/2018/hyperlinkcolor" matchingName="Title and two columns" type="twoColTx">
   <p:cSld name="TITLE_AND_TWO_COLUMNS">
     <p:spTree>
       <p:nvGrpSpPr>
-        <p:cNvPr id="1" name="Shape 25"/>
+        <p:cNvPr id="25" name="Shape 25"/>
         <p:cNvGrpSpPr/>
         <p:nvPr/>
       </p:nvGrpSpPr>
@@ -3607,9 +3496,7 @@
       <p:sp>
         <p:nvSpPr>
           <p:cNvPr id="26" name="Google Shape;26;p5"/>
-          <p:cNvSpPr txBox="1">
-            <a:spLocks noGrp="1"/>
-          </p:cNvSpPr>
+          <p:cNvSpPr txBox="1"/>
           <p:nvPr>
             <p:ph type="title"/>
           </p:nvPr>
@@ -3624,7 +3511,7 @@
           </a:prstGeom>
         </p:spPr>
         <p:txBody>
-          <a:bodyPr spcFirstLastPara="1" wrap="square" lIns="91425" tIns="91425" rIns="91425" bIns="91425" anchor="b" anchorCtr="0">
+          <a:bodyPr anchorCtr="0" anchor="b" bIns="91425" lIns="91425" spcFirstLastPara="1" rIns="91425" wrap="square" tIns="91425">
             <a:normAutofit/>
           </a:bodyPr>
           <a:lstStyle>
@@ -3728,19 +3615,15 @@
               <a:defRPr/>
             </a:lvl9pPr>
           </a:lstStyle>
-          <a:p>
-            <a:endParaRPr/>
-          </a:p>
+          <a:p/>
         </p:txBody>
       </p:sp>
       <p:sp>
         <p:nvSpPr>
           <p:cNvPr id="27" name="Google Shape;27;p5"/>
-          <p:cNvSpPr txBox="1">
-            <a:spLocks noGrp="1"/>
-          </p:cNvSpPr>
+          <p:cNvSpPr txBox="1"/>
           <p:nvPr>
-            <p:ph type="body" idx="1"/>
+            <p:ph idx="1" type="body"/>
           </p:nvPr>
         </p:nvSpPr>
         <p:spPr>
@@ -3753,11 +3636,11 @@
           </a:prstGeom>
         </p:spPr>
         <p:txBody>
-          <a:bodyPr spcFirstLastPara="1" wrap="square" lIns="91425" tIns="91425" rIns="91425" bIns="91425" anchor="t" anchorCtr="0">
+          <a:bodyPr anchorCtr="0" anchor="t" bIns="91425" lIns="91425" spcFirstLastPara="1" rIns="91425" wrap="square" tIns="91425">
             <a:normAutofit/>
           </a:bodyPr>
           <a:lstStyle>
-            <a:lvl1pPr marL="457200" lvl="0" indent="-317500">
+            <a:lvl1pPr indent="-317500" lvl="0" marL="457200">
               <a:spcBef>
                 <a:spcPts val="0"/>
               </a:spcBef>
@@ -3768,7 +3651,7 @@
               <a:buChar char="●"/>
               <a:defRPr sz="1400"/>
             </a:lvl1pPr>
-            <a:lvl2pPr marL="914400" lvl="1" indent="-304800">
+            <a:lvl2pPr indent="-304800" lvl="1" marL="914400">
               <a:spcBef>
                 <a:spcPts val="0"/>
               </a:spcBef>
@@ -3779,7 +3662,7 @@
               <a:buChar char="○"/>
               <a:defRPr sz="1200"/>
             </a:lvl2pPr>
-            <a:lvl3pPr marL="1371600" lvl="2" indent="-304800">
+            <a:lvl3pPr indent="-304800" lvl="2" marL="1371600">
               <a:spcBef>
                 <a:spcPts val="0"/>
               </a:spcBef>
@@ -3790,7 +3673,7 @@
               <a:buChar char="■"/>
               <a:defRPr sz="1200"/>
             </a:lvl3pPr>
-            <a:lvl4pPr marL="1828800" lvl="3" indent="-304800">
+            <a:lvl4pPr indent="-304800" lvl="3" marL="1828800">
               <a:spcBef>
                 <a:spcPts val="0"/>
               </a:spcBef>
@@ -3801,7 +3684,7 @@
               <a:buChar char="●"/>
               <a:defRPr sz="1200"/>
             </a:lvl4pPr>
-            <a:lvl5pPr marL="2286000" lvl="4" indent="-304800">
+            <a:lvl5pPr indent="-304800" lvl="4" marL="2286000">
               <a:spcBef>
                 <a:spcPts val="0"/>
               </a:spcBef>
@@ -3812,7 +3695,7 @@
               <a:buChar char="○"/>
               <a:defRPr sz="1200"/>
             </a:lvl5pPr>
-            <a:lvl6pPr marL="2743200" lvl="5" indent="-304800">
+            <a:lvl6pPr indent="-304800" lvl="5" marL="2743200">
               <a:spcBef>
                 <a:spcPts val="0"/>
               </a:spcBef>
@@ -3823,7 +3706,7 @@
               <a:buChar char="■"/>
               <a:defRPr sz="1200"/>
             </a:lvl6pPr>
-            <a:lvl7pPr marL="3200400" lvl="6" indent="-304800">
+            <a:lvl7pPr indent="-304800" lvl="6" marL="3200400">
               <a:spcBef>
                 <a:spcPts val="0"/>
               </a:spcBef>
@@ -3834,7 +3717,7 @@
               <a:buChar char="●"/>
               <a:defRPr sz="1200"/>
             </a:lvl7pPr>
-            <a:lvl8pPr marL="3657600" lvl="7" indent="-304800">
+            <a:lvl8pPr indent="-304800" lvl="7" marL="3657600">
               <a:spcBef>
                 <a:spcPts val="0"/>
               </a:spcBef>
@@ -3845,7 +3728,7 @@
               <a:buChar char="○"/>
               <a:defRPr sz="1200"/>
             </a:lvl8pPr>
-            <a:lvl9pPr marL="4114800" lvl="8" indent="-304800">
+            <a:lvl9pPr indent="-304800" lvl="8" marL="4114800">
               <a:spcBef>
                 <a:spcPts val="0"/>
               </a:spcBef>
@@ -3857,19 +3740,15 @@
               <a:defRPr sz="1200"/>
             </a:lvl9pPr>
           </a:lstStyle>
-          <a:p>
-            <a:endParaRPr/>
-          </a:p>
+          <a:p/>
         </p:txBody>
       </p:sp>
       <p:sp>
         <p:nvSpPr>
           <p:cNvPr id="28" name="Google Shape;28;p5"/>
-          <p:cNvSpPr txBox="1">
-            <a:spLocks noGrp="1"/>
-          </p:cNvSpPr>
+          <p:cNvSpPr txBox="1"/>
           <p:nvPr>
-            <p:ph type="body" idx="2"/>
+            <p:ph idx="2" type="body"/>
           </p:nvPr>
         </p:nvSpPr>
         <p:spPr>
@@ -3882,11 +3761,11 @@
           </a:prstGeom>
         </p:spPr>
         <p:txBody>
-          <a:bodyPr spcFirstLastPara="1" wrap="square" lIns="91425" tIns="91425" rIns="91425" bIns="91425" anchor="t" anchorCtr="0">
+          <a:bodyPr anchorCtr="0" anchor="t" bIns="91425" lIns="91425" spcFirstLastPara="1" rIns="91425" wrap="square" tIns="91425">
             <a:normAutofit/>
           </a:bodyPr>
           <a:lstStyle>
-            <a:lvl1pPr marL="457200" lvl="0" indent="-317500">
+            <a:lvl1pPr indent="-317500" lvl="0" marL="457200">
               <a:spcBef>
                 <a:spcPts val="0"/>
               </a:spcBef>
@@ -3897,7 +3776,7 @@
               <a:buChar char="●"/>
               <a:defRPr sz="1400"/>
             </a:lvl1pPr>
-            <a:lvl2pPr marL="914400" lvl="1" indent="-304800">
+            <a:lvl2pPr indent="-304800" lvl="1" marL="914400">
               <a:spcBef>
                 <a:spcPts val="0"/>
               </a:spcBef>
@@ -3908,7 +3787,7 @@
               <a:buChar char="○"/>
               <a:defRPr sz="1200"/>
             </a:lvl2pPr>
-            <a:lvl3pPr marL="1371600" lvl="2" indent="-304800">
+            <a:lvl3pPr indent="-304800" lvl="2" marL="1371600">
               <a:spcBef>
                 <a:spcPts val="0"/>
               </a:spcBef>
@@ -3919,7 +3798,7 @@
               <a:buChar char="■"/>
               <a:defRPr sz="1200"/>
             </a:lvl3pPr>
-            <a:lvl4pPr marL="1828800" lvl="3" indent="-304800">
+            <a:lvl4pPr indent="-304800" lvl="3" marL="1828800">
               <a:spcBef>
                 <a:spcPts val="0"/>
               </a:spcBef>
@@ -3930,7 +3809,7 @@
               <a:buChar char="●"/>
               <a:defRPr sz="1200"/>
             </a:lvl4pPr>
-            <a:lvl5pPr marL="2286000" lvl="4" indent="-304800">
+            <a:lvl5pPr indent="-304800" lvl="4" marL="2286000">
               <a:spcBef>
                 <a:spcPts val="0"/>
               </a:spcBef>
@@ -3941,7 +3820,7 @@
               <a:buChar char="○"/>
               <a:defRPr sz="1200"/>
             </a:lvl5pPr>
-            <a:lvl6pPr marL="2743200" lvl="5" indent="-304800">
+            <a:lvl6pPr indent="-304800" lvl="5" marL="2743200">
               <a:spcBef>
                 <a:spcPts val="0"/>
               </a:spcBef>
@@ -3952,7 +3831,7 @@
               <a:buChar char="■"/>
               <a:defRPr sz="1200"/>
             </a:lvl6pPr>
-            <a:lvl7pPr marL="3200400" lvl="6" indent="-304800">
+            <a:lvl7pPr indent="-304800" lvl="6" marL="3200400">
               <a:spcBef>
                 <a:spcPts val="0"/>
               </a:spcBef>
@@ -3963,7 +3842,7 @@
               <a:buChar char="●"/>
               <a:defRPr sz="1200"/>
             </a:lvl7pPr>
-            <a:lvl8pPr marL="3657600" lvl="7" indent="-304800">
+            <a:lvl8pPr indent="-304800" lvl="7" marL="3657600">
               <a:spcBef>
                 <a:spcPts val="0"/>
               </a:spcBef>
@@ -3974,7 +3853,7 @@
               <a:buChar char="○"/>
               <a:defRPr sz="1200"/>
             </a:lvl8pPr>
-            <a:lvl9pPr marL="4114800" lvl="8" indent="-304800">
+            <a:lvl9pPr indent="-304800" lvl="8" marL="4114800">
               <a:spcBef>
                 <a:spcPts val="0"/>
               </a:spcBef>
@@ -3986,19 +3865,15 @@
               <a:defRPr sz="1200"/>
             </a:lvl9pPr>
           </a:lstStyle>
-          <a:p>
-            <a:endParaRPr/>
-          </a:p>
+          <a:p/>
         </p:txBody>
       </p:sp>
       <p:sp>
         <p:nvSpPr>
           <p:cNvPr id="29" name="Google Shape;29;p5"/>
-          <p:cNvSpPr txBox="1">
-            <a:spLocks noGrp="1"/>
-          </p:cNvSpPr>
+          <p:cNvSpPr txBox="1"/>
           <p:nvPr>
-            <p:ph type="sldNum" idx="12"/>
+            <p:ph idx="12" type="sldNum"/>
           </p:nvPr>
         </p:nvSpPr>
         <p:spPr>
@@ -4011,7 +3886,7 @@
           </a:prstGeom>
         </p:spPr>
         <p:txBody>
-          <a:bodyPr spcFirstLastPara="1" wrap="square" lIns="91425" tIns="91425" rIns="91425" bIns="91425" anchor="ctr" anchorCtr="0">
+          <a:bodyPr anchorCtr="0" anchor="ctr" bIns="91425" lIns="91425" spcFirstLastPara="1" rIns="91425" wrap="square" tIns="91425">
             <a:normAutofit/>
           </a:bodyPr>
           <a:lstStyle>
@@ -4053,7 +3928,7 @@
             </a:lvl9pPr>
           </a:lstStyle>
           <a:p>
-            <a:pPr marL="0" lvl="0" indent="0" algn="r" rtl="0">
+            <a:pPr indent="0" lvl="0" marL="0" rtl="0" algn="r">
               <a:spcBef>
                 <a:spcPts val="0"/>
               </a:spcBef>
@@ -4079,11 +3954,11 @@
 </file>
 
 <file path=ppt/slideLayouts/slideLayout5.xml><?xml version="1.0" encoding="utf-8"?>
-<p:sldLayout xmlns:a="http://schemas.openxmlformats.org/drawingml/2006/main" xmlns:r="http://schemas.openxmlformats.org/officeDocument/2006/relationships" xmlns:p="http://schemas.openxmlformats.org/presentationml/2006/main" matchingName="Title only" type="titleOnly">
+<p:sldLayout xmlns:a="http://schemas.openxmlformats.org/drawingml/2006/main" xmlns:r="http://schemas.openxmlformats.org/officeDocument/2006/relationships" xmlns:mc="http://schemas.openxmlformats.org/markup-compatibility/2006" xmlns:mv="urn:schemas-microsoft-com:mac:vml" xmlns:p="http://schemas.openxmlformats.org/presentationml/2006/main" xmlns:c="http://schemas.openxmlformats.org/drawingml/2006/chart" xmlns:dgm="http://schemas.openxmlformats.org/drawingml/2006/diagram" xmlns:o="urn:schemas-microsoft-com:office:office" xmlns:v="urn:schemas-microsoft-com:vml" xmlns:pvml="urn:schemas-microsoft-com:office:powerpoint" xmlns:com="http://schemas.openxmlformats.org/drawingml/2006/compatibility" xmlns:p14="http://schemas.microsoft.com/office/powerpoint/2010/main" xmlns:p15="http://schemas.microsoft.com/office/powerpoint/2012/main" xmlns:ahyp="http://schemas.microsoft.com/office/drawing/2018/hyperlinkcolor" matchingName="Title only" type="titleOnly">
   <p:cSld name="TITLE_ONLY">
     <p:spTree>
       <p:nvGrpSpPr>
-        <p:cNvPr id="1" name="Shape 30"/>
+        <p:cNvPr id="30" name="Shape 30"/>
         <p:cNvGrpSpPr/>
         <p:nvPr/>
       </p:nvGrpSpPr>
@@ -4098,9 +3973,7 @@
       <p:sp>
         <p:nvSpPr>
           <p:cNvPr id="31" name="Google Shape;31;p6"/>
-          <p:cNvSpPr txBox="1">
-            <a:spLocks noGrp="1"/>
-          </p:cNvSpPr>
+          <p:cNvSpPr txBox="1"/>
           <p:nvPr>
             <p:ph type="title"/>
           </p:nvPr>
@@ -4115,7 +3988,7 @@
           </a:prstGeom>
         </p:spPr>
         <p:txBody>
-          <a:bodyPr spcFirstLastPara="1" wrap="square" lIns="91425" tIns="91425" rIns="91425" bIns="91425" anchor="b" anchorCtr="0">
+          <a:bodyPr anchorCtr="0" anchor="b" bIns="91425" lIns="91425" spcFirstLastPara="1" rIns="91425" wrap="square" tIns="91425">
             <a:normAutofit/>
           </a:bodyPr>
           <a:lstStyle>
@@ -4219,19 +4092,15 @@
               <a:defRPr/>
             </a:lvl9pPr>
           </a:lstStyle>
-          <a:p>
-            <a:endParaRPr/>
-          </a:p>
+          <a:p/>
         </p:txBody>
       </p:sp>
       <p:sp>
         <p:nvSpPr>
           <p:cNvPr id="32" name="Google Shape;32;p6"/>
-          <p:cNvSpPr txBox="1">
-            <a:spLocks noGrp="1"/>
-          </p:cNvSpPr>
+          <p:cNvSpPr txBox="1"/>
           <p:nvPr>
-            <p:ph type="sldNum" idx="12"/>
+            <p:ph idx="12" type="sldNum"/>
           </p:nvPr>
         </p:nvSpPr>
         <p:spPr>
@@ -4244,7 +4113,7 @@
           </a:prstGeom>
         </p:spPr>
         <p:txBody>
-          <a:bodyPr spcFirstLastPara="1" wrap="square" lIns="91425" tIns="91425" rIns="91425" bIns="91425" anchor="ctr" anchorCtr="0">
+          <a:bodyPr anchorCtr="0" anchor="ctr" bIns="91425" lIns="91425" spcFirstLastPara="1" rIns="91425" wrap="square" tIns="91425">
             <a:normAutofit/>
           </a:bodyPr>
           <a:lstStyle>
@@ -4286,7 +4155,7 @@
             </a:lvl9pPr>
           </a:lstStyle>
           <a:p>
-            <a:pPr marL="0" lvl="0" indent="0" algn="r" rtl="0">
+            <a:pPr indent="0" lvl="0" marL="0" rtl="0" algn="r">
               <a:spcBef>
                 <a:spcPts val="0"/>
               </a:spcBef>
@@ -4312,11 +4181,11 @@
 </file>
 
 <file path=ppt/slideLayouts/slideLayout6.xml><?xml version="1.0" encoding="utf-8"?>
-<p:sldLayout xmlns:a="http://schemas.openxmlformats.org/drawingml/2006/main" xmlns:r="http://schemas.openxmlformats.org/officeDocument/2006/relationships" xmlns:p="http://schemas.openxmlformats.org/presentationml/2006/main" matchingName="One column text">
+<p:sldLayout xmlns:a="http://schemas.openxmlformats.org/drawingml/2006/main" xmlns:r="http://schemas.openxmlformats.org/officeDocument/2006/relationships" xmlns:mc="http://schemas.openxmlformats.org/markup-compatibility/2006" xmlns:mv="urn:schemas-microsoft-com:mac:vml" xmlns:p="http://schemas.openxmlformats.org/presentationml/2006/main" xmlns:c="http://schemas.openxmlformats.org/drawingml/2006/chart" xmlns:dgm="http://schemas.openxmlformats.org/drawingml/2006/diagram" xmlns:o="urn:schemas-microsoft-com:office:office" xmlns:v="urn:schemas-microsoft-com:vml" xmlns:pvml="urn:schemas-microsoft-com:office:powerpoint" xmlns:com="http://schemas.openxmlformats.org/drawingml/2006/compatibility" xmlns:p14="http://schemas.microsoft.com/office/powerpoint/2010/main" xmlns:p15="http://schemas.microsoft.com/office/powerpoint/2012/main" xmlns:ahyp="http://schemas.microsoft.com/office/drawing/2018/hyperlinkcolor" matchingName="One column text">
   <p:cSld name="ONE_COLUMN_TEXT">
     <p:spTree>
       <p:nvGrpSpPr>
-        <p:cNvPr id="1" name="Shape 33"/>
+        <p:cNvPr id="33" name="Shape 33"/>
         <p:cNvGrpSpPr/>
         <p:nvPr/>
       </p:nvGrpSpPr>
@@ -4331,9 +4200,7 @@
       <p:sp>
         <p:nvSpPr>
           <p:cNvPr id="34" name="Google Shape;34;p7"/>
-          <p:cNvSpPr txBox="1">
-            <a:spLocks noGrp="1"/>
-          </p:cNvSpPr>
+          <p:cNvSpPr txBox="1"/>
           <p:nvPr>
             <p:ph type="title"/>
           </p:nvPr>
@@ -4348,7 +4215,7 @@
           </a:prstGeom>
         </p:spPr>
         <p:txBody>
-          <a:bodyPr spcFirstLastPara="1" wrap="square" lIns="91425" tIns="91425" rIns="91425" bIns="91425" anchor="b" anchorCtr="0">
+          <a:bodyPr anchorCtr="0" anchor="b" bIns="91425" lIns="91425" spcFirstLastPara="1" rIns="91425" wrap="square" tIns="91425">
             <a:normAutofit/>
           </a:bodyPr>
           <a:lstStyle>
@@ -4452,19 +4319,15 @@
               <a:defRPr sz="3000"/>
             </a:lvl9pPr>
           </a:lstStyle>
-          <a:p>
-            <a:endParaRPr/>
-          </a:p>
+          <a:p/>
         </p:txBody>
       </p:sp>
       <p:sp>
         <p:nvSpPr>
           <p:cNvPr id="35" name="Google Shape;35;p7"/>
-          <p:cNvSpPr txBox="1">
-            <a:spLocks noGrp="1"/>
-          </p:cNvSpPr>
+          <p:cNvSpPr txBox="1"/>
           <p:nvPr>
-            <p:ph type="body" idx="1"/>
+            <p:ph idx="1" type="body"/>
           </p:nvPr>
         </p:nvSpPr>
         <p:spPr>
@@ -4477,11 +4340,11 @@
           </a:prstGeom>
         </p:spPr>
         <p:txBody>
-          <a:bodyPr spcFirstLastPara="1" wrap="square" lIns="91425" tIns="91425" rIns="91425" bIns="91425" anchor="t" anchorCtr="0">
+          <a:bodyPr anchorCtr="0" anchor="t" bIns="91425" lIns="91425" spcFirstLastPara="1" rIns="91425" wrap="square" tIns="91425">
             <a:normAutofit/>
           </a:bodyPr>
           <a:lstStyle>
-            <a:lvl1pPr marL="457200" lvl="0" indent="-304800">
+            <a:lvl1pPr indent="-304800" lvl="0" marL="457200">
               <a:spcBef>
                 <a:spcPts val="0"/>
               </a:spcBef>
@@ -4492,7 +4355,7 @@
               <a:buChar char="●"/>
               <a:defRPr sz="1200"/>
             </a:lvl1pPr>
-            <a:lvl2pPr marL="914400" lvl="1" indent="-304800">
+            <a:lvl2pPr indent="-304800" lvl="1" marL="914400">
               <a:spcBef>
                 <a:spcPts val="0"/>
               </a:spcBef>
@@ -4503,7 +4366,7 @@
               <a:buChar char="○"/>
               <a:defRPr sz="1200"/>
             </a:lvl2pPr>
-            <a:lvl3pPr marL="1371600" lvl="2" indent="-304800">
+            <a:lvl3pPr indent="-304800" lvl="2" marL="1371600">
               <a:spcBef>
                 <a:spcPts val="0"/>
               </a:spcBef>
@@ -4514,7 +4377,7 @@
               <a:buChar char="■"/>
               <a:defRPr sz="1200"/>
             </a:lvl3pPr>
-            <a:lvl4pPr marL="1828800" lvl="3" indent="-304800">
+            <a:lvl4pPr indent="-304800" lvl="3" marL="1828800">
               <a:spcBef>
                 <a:spcPts val="0"/>
               </a:spcBef>
@@ -4525,7 +4388,7 @@
               <a:buChar char="●"/>
               <a:defRPr sz="1200"/>
             </a:lvl4pPr>
-            <a:lvl5pPr marL="2286000" lvl="4" indent="-304800">
+            <a:lvl5pPr indent="-304800" lvl="4" marL="2286000">
               <a:spcBef>
                 <a:spcPts val="0"/>
               </a:spcBef>
@@ -4536,7 +4399,7 @@
               <a:buChar char="○"/>
               <a:defRPr sz="1200"/>
             </a:lvl5pPr>
-            <a:lvl6pPr marL="2743200" lvl="5" indent="-304800">
+            <a:lvl6pPr indent="-304800" lvl="5" marL="2743200">
               <a:spcBef>
                 <a:spcPts val="0"/>
               </a:spcBef>
@@ -4547,7 +4410,7 @@
               <a:buChar char="■"/>
               <a:defRPr sz="1200"/>
             </a:lvl6pPr>
-            <a:lvl7pPr marL="3200400" lvl="6" indent="-304800">
+            <a:lvl7pPr indent="-304800" lvl="6" marL="3200400">
               <a:spcBef>
                 <a:spcPts val="0"/>
               </a:spcBef>
@@ -4558,7 +4421,7 @@
               <a:buChar char="●"/>
               <a:defRPr sz="1200"/>
             </a:lvl7pPr>
-            <a:lvl8pPr marL="3657600" lvl="7" indent="-304800">
+            <a:lvl8pPr indent="-304800" lvl="7" marL="3657600">
               <a:spcBef>
                 <a:spcPts val="0"/>
               </a:spcBef>
@@ -4569,7 +4432,7 @@
               <a:buChar char="○"/>
               <a:defRPr sz="1200"/>
             </a:lvl8pPr>
-            <a:lvl9pPr marL="4114800" lvl="8" indent="-304800">
+            <a:lvl9pPr indent="-304800" lvl="8" marL="4114800">
               <a:spcBef>
                 <a:spcPts val="0"/>
               </a:spcBef>
@@ -4581,19 +4444,15 @@
               <a:defRPr sz="1200"/>
             </a:lvl9pPr>
           </a:lstStyle>
-          <a:p>
-            <a:endParaRPr/>
-          </a:p>
+          <a:p/>
         </p:txBody>
       </p:sp>
       <p:sp>
         <p:nvSpPr>
           <p:cNvPr id="36" name="Google Shape;36;p7"/>
-          <p:cNvSpPr txBox="1">
-            <a:spLocks noGrp="1"/>
-          </p:cNvSpPr>
+          <p:cNvSpPr txBox="1"/>
           <p:nvPr>
-            <p:ph type="sldNum" idx="12"/>
+            <p:ph idx="12" type="sldNum"/>
           </p:nvPr>
         </p:nvSpPr>
         <p:spPr>
@@ -4606,7 +4465,7 @@
           </a:prstGeom>
         </p:spPr>
         <p:txBody>
-          <a:bodyPr spcFirstLastPara="1" wrap="square" lIns="91425" tIns="91425" rIns="91425" bIns="91425" anchor="ctr" anchorCtr="0">
+          <a:bodyPr anchorCtr="0" anchor="ctr" bIns="91425" lIns="91425" spcFirstLastPara="1" rIns="91425" wrap="square" tIns="91425">
             <a:normAutofit/>
           </a:bodyPr>
           <a:lstStyle>
@@ -4648,7 +4507,7 @@
             </a:lvl9pPr>
           </a:lstStyle>
           <a:p>
-            <a:pPr marL="0" lvl="0" indent="0" algn="r" rtl="0">
+            <a:pPr indent="0" lvl="0" marL="0" rtl="0" algn="r">
               <a:spcBef>
                 <a:spcPts val="0"/>
               </a:spcBef>
@@ -4674,11 +4533,11 @@
 </file>
 
 <file path=ppt/slideLayouts/slideLayout7.xml><?xml version="1.0" encoding="utf-8"?>
-<p:sldLayout xmlns:a="http://schemas.openxmlformats.org/drawingml/2006/main" xmlns:r="http://schemas.openxmlformats.org/officeDocument/2006/relationships" xmlns:p="http://schemas.openxmlformats.org/presentationml/2006/main" matchingName="Main point">
+<p:sldLayout xmlns:a="http://schemas.openxmlformats.org/drawingml/2006/main" xmlns:r="http://schemas.openxmlformats.org/officeDocument/2006/relationships" xmlns:mc="http://schemas.openxmlformats.org/markup-compatibility/2006" xmlns:mv="urn:schemas-microsoft-com:mac:vml" xmlns:p="http://schemas.openxmlformats.org/presentationml/2006/main" xmlns:c="http://schemas.openxmlformats.org/drawingml/2006/chart" xmlns:dgm="http://schemas.openxmlformats.org/drawingml/2006/diagram" xmlns:o="urn:schemas-microsoft-com:office:office" xmlns:v="urn:schemas-microsoft-com:vml" xmlns:pvml="urn:schemas-microsoft-com:office:powerpoint" xmlns:com="http://schemas.openxmlformats.org/drawingml/2006/compatibility" xmlns:p14="http://schemas.microsoft.com/office/powerpoint/2010/main" xmlns:p15="http://schemas.microsoft.com/office/powerpoint/2012/main" xmlns:ahyp="http://schemas.microsoft.com/office/drawing/2018/hyperlinkcolor" matchingName="Main point">
   <p:cSld name="MAIN_POINT">
     <p:spTree>
       <p:nvGrpSpPr>
-        <p:cNvPr id="1" name="Shape 37"/>
+        <p:cNvPr id="37" name="Shape 37"/>
         <p:cNvGrpSpPr/>
         <p:nvPr/>
       </p:nvGrpSpPr>
@@ -4712,12 +4571,12 @@
           </a:ln>
         </p:spPr>
         <p:txBody>
-          <a:bodyPr spcFirstLastPara="1" wrap="square" lIns="91425" tIns="91425" rIns="91425" bIns="91425" anchor="ctr" anchorCtr="0">
+          <a:bodyPr anchorCtr="0" anchor="ctr" bIns="91425" lIns="91425" spcFirstLastPara="1" rIns="91425" wrap="square" tIns="91425">
             <a:noAutofit/>
           </a:bodyPr>
           <a:lstStyle/>
           <a:p>
-            <a:pPr marL="0" lvl="0" indent="0" algn="l" rtl="0">
+            <a:pPr indent="0" lvl="0" marL="0" rtl="0" algn="l">
               <a:spcBef>
                 <a:spcPts val="0"/>
               </a:spcBef>
@@ -4726,6 +4585,9 @@
               </a:spcAft>
               <a:buNone/>
             </a:pPr>
+            <a:r>
+              <a:t/>
+            </a:r>
             <a:endParaRPr/>
           </a:p>
         </p:txBody>
@@ -4733,9 +4595,7 @@
       <p:sp>
         <p:nvSpPr>
           <p:cNvPr id="39" name="Google Shape;39;p8"/>
-          <p:cNvSpPr txBox="1">
-            <a:spLocks noGrp="1"/>
-          </p:cNvSpPr>
+          <p:cNvSpPr txBox="1"/>
           <p:nvPr>
             <p:ph type="title"/>
           </p:nvPr>
@@ -4750,7 +4610,7 @@
           </a:prstGeom>
         </p:spPr>
         <p:txBody>
-          <a:bodyPr spcFirstLastPara="1" wrap="square" lIns="91425" tIns="91425" rIns="91425" bIns="91425" anchor="ctr" anchorCtr="0">
+          <a:bodyPr anchorCtr="0" anchor="ctr" bIns="91425" lIns="91425" spcFirstLastPara="1" rIns="91425" wrap="square" tIns="91425">
             <a:normAutofit/>
           </a:bodyPr>
           <a:lstStyle>
@@ -4854,19 +4714,15 @@
               <a:defRPr sz="4800"/>
             </a:lvl9pPr>
           </a:lstStyle>
-          <a:p>
-            <a:endParaRPr/>
-          </a:p>
+          <a:p/>
         </p:txBody>
       </p:sp>
       <p:sp>
         <p:nvSpPr>
           <p:cNvPr id="40" name="Google Shape;40;p8"/>
-          <p:cNvSpPr txBox="1">
-            <a:spLocks noGrp="1"/>
-          </p:cNvSpPr>
+          <p:cNvSpPr txBox="1"/>
           <p:nvPr>
-            <p:ph type="sldNum" idx="12"/>
+            <p:ph idx="12" type="sldNum"/>
           </p:nvPr>
         </p:nvSpPr>
         <p:spPr>
@@ -4879,7 +4735,7 @@
           </a:prstGeom>
         </p:spPr>
         <p:txBody>
-          <a:bodyPr spcFirstLastPara="1" wrap="square" lIns="91425" tIns="91425" rIns="91425" bIns="91425" anchor="ctr" anchorCtr="0">
+          <a:bodyPr anchorCtr="0" anchor="ctr" bIns="91425" lIns="91425" spcFirstLastPara="1" rIns="91425" wrap="square" tIns="91425">
             <a:normAutofit/>
           </a:bodyPr>
           <a:lstStyle>
@@ -4921,7 +4777,7 @@
             </a:lvl9pPr>
           </a:lstStyle>
           <a:p>
-            <a:pPr marL="0" lvl="0" indent="0" algn="r" rtl="0">
+            <a:pPr indent="0" lvl="0" marL="0" rtl="0" algn="r">
               <a:spcBef>
                 <a:spcPts val="0"/>
               </a:spcBef>
@@ -4947,11 +4803,11 @@
 </file>
 
 <file path=ppt/slideLayouts/slideLayout8.xml><?xml version="1.0" encoding="utf-8"?>
-<p:sldLayout xmlns:a="http://schemas.openxmlformats.org/drawingml/2006/main" xmlns:r="http://schemas.openxmlformats.org/officeDocument/2006/relationships" xmlns:p="http://schemas.openxmlformats.org/presentationml/2006/main" matchingName="Section title and description">
+<p:sldLayout xmlns:a="http://schemas.openxmlformats.org/drawingml/2006/main" xmlns:r="http://schemas.openxmlformats.org/officeDocument/2006/relationships" xmlns:mc="http://schemas.openxmlformats.org/markup-compatibility/2006" xmlns:mv="urn:schemas-microsoft-com:mac:vml" xmlns:p="http://schemas.openxmlformats.org/presentationml/2006/main" xmlns:c="http://schemas.openxmlformats.org/drawingml/2006/chart" xmlns:dgm="http://schemas.openxmlformats.org/drawingml/2006/diagram" xmlns:o="urn:schemas-microsoft-com:office:office" xmlns:v="urn:schemas-microsoft-com:vml" xmlns:pvml="urn:schemas-microsoft-com:office:powerpoint" xmlns:com="http://schemas.openxmlformats.org/drawingml/2006/compatibility" xmlns:p14="http://schemas.microsoft.com/office/powerpoint/2010/main" xmlns:p15="http://schemas.microsoft.com/office/powerpoint/2012/main" xmlns:ahyp="http://schemas.microsoft.com/office/drawing/2018/hyperlinkcolor" matchingName="Section title and description">
   <p:cSld name="SECTION_TITLE_AND_DESCRIPTION">
     <p:spTree>
       <p:nvGrpSpPr>
-        <p:cNvPr id="1" name="Shape 41"/>
+        <p:cNvPr id="41" name="Shape 41"/>
         <p:cNvGrpSpPr/>
         <p:nvPr/>
       </p:nvGrpSpPr>
@@ -4985,12 +4841,12 @@
           </a:ln>
         </p:spPr>
         <p:txBody>
-          <a:bodyPr spcFirstLastPara="1" wrap="square" lIns="91425" tIns="91425" rIns="91425" bIns="91425" anchor="ctr" anchorCtr="0">
+          <a:bodyPr anchorCtr="0" anchor="ctr" bIns="91425" lIns="91425" spcFirstLastPara="1" rIns="91425" wrap="square" tIns="91425">
             <a:noAutofit/>
           </a:bodyPr>
           <a:lstStyle/>
           <a:p>
-            <a:pPr marL="0" lvl="0" indent="0" algn="l" rtl="0">
+            <a:pPr indent="0" lvl="0" marL="0" rtl="0" algn="l">
               <a:spcBef>
                 <a:spcPts val="0"/>
               </a:spcBef>
@@ -4999,6 +4855,9 @@
               </a:spcAft>
               <a:buNone/>
             </a:pPr>
+            <a:r>
+              <a:t/>
+            </a:r>
             <a:endParaRPr/>
           </a:p>
         </p:txBody>
@@ -5018,23 +4877,21 @@
             <a:avLst/>
           </a:prstGeom>
           <a:noFill/>
-          <a:ln w="19050" cap="flat" cmpd="sng">
+          <a:ln cap="flat" cmpd="sng" w="19050">
             <a:solidFill>
               <a:schemeClr val="lt1"/>
             </a:solidFill>
             <a:prstDash val="solid"/>
             <a:round/>
-            <a:headEnd type="none" w="sm" len="sm"/>
-            <a:tailEnd type="none" w="sm" len="sm"/>
+            <a:headEnd len="sm" w="sm" type="none"/>
+            <a:tailEnd len="sm" w="sm" type="none"/>
           </a:ln>
         </p:spPr>
       </p:cxnSp>
       <p:sp>
         <p:nvSpPr>
           <p:cNvPr id="44" name="Google Shape;44;p9"/>
-          <p:cNvSpPr txBox="1">
-            <a:spLocks noGrp="1"/>
-          </p:cNvSpPr>
+          <p:cNvSpPr txBox="1"/>
           <p:nvPr>
             <p:ph type="title"/>
           </p:nvPr>
@@ -5049,7 +4906,7 @@
           </a:prstGeom>
         </p:spPr>
         <p:txBody>
-          <a:bodyPr spcFirstLastPara="1" wrap="square" lIns="91425" tIns="91425" rIns="91425" bIns="91425" anchor="b" anchorCtr="0">
+          <a:bodyPr anchorCtr="0" anchor="b" bIns="91425" lIns="91425" spcFirstLastPara="1" rIns="91425" wrap="square" tIns="91425">
             <a:normAutofit/>
           </a:bodyPr>
           <a:lstStyle>
@@ -5216,19 +5073,15 @@
               </a:defRPr>
             </a:lvl9pPr>
           </a:lstStyle>
-          <a:p>
-            <a:endParaRPr/>
-          </a:p>
+          <a:p/>
         </p:txBody>
       </p:sp>
       <p:sp>
         <p:nvSpPr>
           <p:cNvPr id="45" name="Google Shape;45;p9"/>
-          <p:cNvSpPr txBox="1">
-            <a:spLocks noGrp="1"/>
-          </p:cNvSpPr>
+          <p:cNvSpPr txBox="1"/>
           <p:nvPr>
-            <p:ph type="subTitle" idx="1"/>
+            <p:ph idx="1" type="subTitle"/>
           </p:nvPr>
         </p:nvSpPr>
         <p:spPr>
@@ -5241,7 +5094,7 @@
           </a:prstGeom>
         </p:spPr>
         <p:txBody>
-          <a:bodyPr spcFirstLastPara="1" wrap="square" lIns="91425" tIns="91425" rIns="91425" bIns="91425" anchor="t" anchorCtr="0">
+          <a:bodyPr anchorCtr="0" anchor="t" bIns="91425" lIns="91425" spcFirstLastPara="1" rIns="91425" wrap="square" tIns="91425">
             <a:normAutofit/>
           </a:bodyPr>
           <a:lstStyle>
@@ -5426,19 +5279,15 @@
               </a:defRPr>
             </a:lvl9pPr>
           </a:lstStyle>
-          <a:p>
-            <a:endParaRPr/>
-          </a:p>
+          <a:p/>
         </p:txBody>
       </p:sp>
       <p:sp>
         <p:nvSpPr>
           <p:cNvPr id="46" name="Google Shape;46;p9"/>
-          <p:cNvSpPr txBox="1">
-            <a:spLocks noGrp="1"/>
-          </p:cNvSpPr>
+          <p:cNvSpPr txBox="1"/>
           <p:nvPr>
-            <p:ph type="body" idx="2"/>
+            <p:ph idx="2" type="body"/>
           </p:nvPr>
         </p:nvSpPr>
         <p:spPr>
@@ -5451,11 +5300,11 @@
           </a:prstGeom>
         </p:spPr>
         <p:txBody>
-          <a:bodyPr spcFirstLastPara="1" wrap="square" lIns="91425" tIns="91425" rIns="91425" bIns="91425" anchor="ctr" anchorCtr="0">
+          <a:bodyPr anchorCtr="0" anchor="ctr" bIns="91425" lIns="91425" spcFirstLastPara="1" rIns="91425" wrap="square" tIns="91425">
             <a:normAutofit/>
           </a:bodyPr>
           <a:lstStyle>
-            <a:lvl1pPr marL="457200" lvl="0" indent="-342900">
+            <a:lvl1pPr indent="-342900" lvl="0" marL="457200">
               <a:spcBef>
                 <a:spcPts val="0"/>
               </a:spcBef>
@@ -5473,7 +5322,7 @@
                 </a:solidFill>
               </a:defRPr>
             </a:lvl1pPr>
-            <a:lvl2pPr marL="914400" lvl="1" indent="-317500">
+            <a:lvl2pPr indent="-317500" lvl="1" marL="914400">
               <a:spcBef>
                 <a:spcPts val="0"/>
               </a:spcBef>
@@ -5491,7 +5340,7 @@
                 </a:solidFill>
               </a:defRPr>
             </a:lvl2pPr>
-            <a:lvl3pPr marL="1371600" lvl="2" indent="-317500">
+            <a:lvl3pPr indent="-317500" lvl="2" marL="1371600">
               <a:spcBef>
                 <a:spcPts val="0"/>
               </a:spcBef>
@@ -5509,7 +5358,7 @@
                 </a:solidFill>
               </a:defRPr>
             </a:lvl3pPr>
-            <a:lvl4pPr marL="1828800" lvl="3" indent="-317500">
+            <a:lvl4pPr indent="-317500" lvl="3" marL="1828800">
               <a:spcBef>
                 <a:spcPts val="0"/>
               </a:spcBef>
@@ -5527,7 +5376,7 @@
                 </a:solidFill>
               </a:defRPr>
             </a:lvl4pPr>
-            <a:lvl5pPr marL="2286000" lvl="4" indent="-317500">
+            <a:lvl5pPr indent="-317500" lvl="4" marL="2286000">
               <a:spcBef>
                 <a:spcPts val="0"/>
               </a:spcBef>
@@ -5545,7 +5394,7 @@
                 </a:solidFill>
               </a:defRPr>
             </a:lvl5pPr>
-            <a:lvl6pPr marL="2743200" lvl="5" indent="-317500">
+            <a:lvl6pPr indent="-317500" lvl="5" marL="2743200">
               <a:spcBef>
                 <a:spcPts val="0"/>
               </a:spcBef>
@@ -5563,7 +5412,7 @@
                 </a:solidFill>
               </a:defRPr>
             </a:lvl6pPr>
-            <a:lvl7pPr marL="3200400" lvl="6" indent="-317500">
+            <a:lvl7pPr indent="-317500" lvl="6" marL="3200400">
               <a:spcBef>
                 <a:spcPts val="0"/>
               </a:spcBef>
@@ -5581,7 +5430,7 @@
                 </a:solidFill>
               </a:defRPr>
             </a:lvl7pPr>
-            <a:lvl8pPr marL="3657600" lvl="7" indent="-317500">
+            <a:lvl8pPr indent="-317500" lvl="7" marL="3657600">
               <a:spcBef>
                 <a:spcPts val="0"/>
               </a:spcBef>
@@ -5599,7 +5448,7 @@
                 </a:solidFill>
               </a:defRPr>
             </a:lvl8pPr>
-            <a:lvl9pPr marL="4114800" lvl="8" indent="-317500">
+            <a:lvl9pPr indent="-317500" lvl="8" marL="4114800">
               <a:spcBef>
                 <a:spcPts val="0"/>
               </a:spcBef>
@@ -5618,19 +5467,15 @@
               </a:defRPr>
             </a:lvl9pPr>
           </a:lstStyle>
-          <a:p>
-            <a:endParaRPr/>
-          </a:p>
+          <a:p/>
         </p:txBody>
       </p:sp>
       <p:sp>
         <p:nvSpPr>
           <p:cNvPr id="47" name="Google Shape;47;p9"/>
-          <p:cNvSpPr txBox="1">
-            <a:spLocks noGrp="1"/>
-          </p:cNvSpPr>
+          <p:cNvSpPr txBox="1"/>
           <p:nvPr>
-            <p:ph type="sldNum" idx="12"/>
+            <p:ph idx="12" type="sldNum"/>
           </p:nvPr>
         </p:nvSpPr>
         <p:spPr>
@@ -5643,7 +5488,7 @@
           </a:prstGeom>
         </p:spPr>
         <p:txBody>
-          <a:bodyPr spcFirstLastPara="1" wrap="square" lIns="91425" tIns="91425" rIns="91425" bIns="91425" anchor="ctr" anchorCtr="0">
+          <a:bodyPr anchorCtr="0" anchor="ctr" bIns="91425" lIns="91425" spcFirstLastPara="1" rIns="91425" wrap="square" tIns="91425">
             <a:normAutofit/>
           </a:bodyPr>
           <a:lstStyle>
@@ -5721,7 +5566,7 @@
             </a:lvl9pPr>
           </a:lstStyle>
           <a:p>
-            <a:pPr marL="0" lvl="0" indent="0" algn="r" rtl="0">
+            <a:pPr indent="0" lvl="0" marL="0" rtl="0" algn="r">
               <a:spcBef>
                 <a:spcPts val="0"/>
               </a:spcBef>
@@ -5747,11 +5592,11 @@
 </file>
 
 <file path=ppt/slideLayouts/slideLayout9.xml><?xml version="1.0" encoding="utf-8"?>
-<p:sldLayout xmlns:a="http://schemas.openxmlformats.org/drawingml/2006/main" xmlns:r="http://schemas.openxmlformats.org/officeDocument/2006/relationships" xmlns:p="http://schemas.openxmlformats.org/presentationml/2006/main" matchingName="Caption">
+<p:sldLayout xmlns:a="http://schemas.openxmlformats.org/drawingml/2006/main" xmlns:r="http://schemas.openxmlformats.org/officeDocument/2006/relationships" xmlns:mc="http://schemas.openxmlformats.org/markup-compatibility/2006" xmlns:mv="urn:schemas-microsoft-com:mac:vml" xmlns:p="http://schemas.openxmlformats.org/presentationml/2006/main" xmlns:c="http://schemas.openxmlformats.org/drawingml/2006/chart" xmlns:dgm="http://schemas.openxmlformats.org/drawingml/2006/diagram" xmlns:o="urn:schemas-microsoft-com:office:office" xmlns:v="urn:schemas-microsoft-com:vml" xmlns:pvml="urn:schemas-microsoft-com:office:powerpoint" xmlns:com="http://schemas.openxmlformats.org/drawingml/2006/compatibility" xmlns:p14="http://schemas.microsoft.com/office/powerpoint/2010/main" xmlns:p15="http://schemas.microsoft.com/office/powerpoint/2012/main" xmlns:ahyp="http://schemas.microsoft.com/office/drawing/2018/hyperlinkcolor" matchingName="Caption">
   <p:cSld name="CAPTION_ONLY">
     <p:spTree>
       <p:nvGrpSpPr>
-        <p:cNvPr id="1" name="Shape 48"/>
+        <p:cNvPr id="48" name="Shape 48"/>
         <p:cNvGrpSpPr/>
         <p:nvPr/>
       </p:nvGrpSpPr>
@@ -5766,11 +5611,9 @@
       <p:sp>
         <p:nvSpPr>
           <p:cNvPr id="49" name="Google Shape;49;p10"/>
-          <p:cNvSpPr txBox="1">
-            <a:spLocks noGrp="1"/>
-          </p:cNvSpPr>
+          <p:cNvSpPr txBox="1"/>
           <p:nvPr>
-            <p:ph type="body" idx="1"/>
+            <p:ph idx="1" type="body"/>
           </p:nvPr>
         </p:nvSpPr>
         <p:spPr>
@@ -5783,11 +5626,11 @@
           </a:prstGeom>
         </p:spPr>
         <p:txBody>
-          <a:bodyPr spcFirstLastPara="1" wrap="square" lIns="91425" tIns="91425" rIns="91425" bIns="91425" anchor="ctr" anchorCtr="0">
+          <a:bodyPr anchorCtr="0" anchor="ctr" bIns="91425" lIns="91425" spcFirstLastPara="1" rIns="91425" wrap="square" tIns="91425">
             <a:normAutofit/>
           </a:bodyPr>
           <a:lstStyle>
-            <a:lvl1pPr marL="457200" lvl="0" indent="-228600">
+            <a:lvl1pPr indent="-228600" lvl="0" marL="457200">
               <a:lnSpc>
                 <a:spcPct val="100000"/>
               </a:lnSpc>
@@ -5808,19 +5651,15 @@
               </a:defRPr>
             </a:lvl1pPr>
           </a:lstStyle>
-          <a:p>
-            <a:endParaRPr/>
-          </a:p>
+          <a:p/>
         </p:txBody>
       </p:sp>
       <p:sp>
         <p:nvSpPr>
           <p:cNvPr id="50" name="Google Shape;50;p10"/>
-          <p:cNvSpPr txBox="1">
-            <a:spLocks noGrp="1"/>
-          </p:cNvSpPr>
+          <p:cNvSpPr txBox="1"/>
           <p:nvPr>
-            <p:ph type="sldNum" idx="12"/>
+            <p:ph idx="12" type="sldNum"/>
           </p:nvPr>
         </p:nvSpPr>
         <p:spPr>
@@ -5833,7 +5672,7 @@
           </a:prstGeom>
         </p:spPr>
         <p:txBody>
-          <a:bodyPr spcFirstLastPara="1" wrap="square" lIns="91425" tIns="91425" rIns="91425" bIns="91425" anchor="ctr" anchorCtr="0">
+          <a:bodyPr anchorCtr="0" anchor="ctr" bIns="91425" lIns="91425" spcFirstLastPara="1" rIns="91425" wrap="square" tIns="91425">
             <a:normAutofit/>
           </a:bodyPr>
           <a:lstStyle>
@@ -5875,7 +5714,7 @@
             </a:lvl9pPr>
           </a:lstStyle>
           <a:p>
-            <a:pPr marL="0" lvl="0" indent="0" algn="r" rtl="0">
+            <a:pPr indent="0" lvl="0" marL="0" rtl="0" algn="r">
               <a:spcBef>
                 <a:spcPts val="0"/>
               </a:spcBef>
@@ -5901,19 +5740,18 @@
 </file>
 
 <file path=ppt/slideMasters/slideMaster1.xml><?xml version="1.0" encoding="utf-8"?>
-<p:sldMaster xmlns:a="http://schemas.openxmlformats.org/drawingml/2006/main" xmlns:r="http://schemas.openxmlformats.org/officeDocument/2006/relationships" xmlns:p="http://schemas.openxmlformats.org/presentationml/2006/main">
+<p:sldMaster xmlns:a="http://schemas.openxmlformats.org/drawingml/2006/main" xmlns:r="http://schemas.openxmlformats.org/officeDocument/2006/relationships" xmlns:mc="http://schemas.openxmlformats.org/markup-compatibility/2006" xmlns:mv="urn:schemas-microsoft-com:mac:vml" xmlns:p="http://schemas.openxmlformats.org/presentationml/2006/main" xmlns:c="http://schemas.openxmlformats.org/drawingml/2006/chart" xmlns:dgm="http://schemas.openxmlformats.org/drawingml/2006/diagram" xmlns:o="urn:schemas-microsoft-com:office:office" xmlns:v="urn:schemas-microsoft-com:vml" xmlns:pvml="urn:schemas-microsoft-com:office:powerpoint" xmlns:com="http://schemas.openxmlformats.org/drawingml/2006/compatibility" xmlns:p14="http://schemas.microsoft.com/office/powerpoint/2010/main" xmlns:p15="http://schemas.microsoft.com/office/powerpoint/2012/main" xmlns:ahyp="http://schemas.microsoft.com/office/drawing/2018/hyperlinkcolor">
   <p:cSld name="luxe">
     <p:bg>
       <p:bgPr>
         <a:solidFill>
           <a:schemeClr val="lt1"/>
         </a:solidFill>
-        <a:effectLst/>
       </p:bgPr>
     </p:bg>
     <p:spTree>
       <p:nvGrpSpPr>
-        <p:cNvPr id="1" name="Shape 5"/>
+        <p:cNvPr id="5" name="Shape 5"/>
         <p:cNvGrpSpPr/>
         <p:nvPr/>
       </p:nvGrpSpPr>
@@ -5928,9 +5766,7 @@
       <p:sp>
         <p:nvSpPr>
           <p:cNvPr id="6" name="Google Shape;6;p1"/>
-          <p:cNvSpPr txBox="1">
-            <a:spLocks noGrp="1"/>
-          </p:cNvSpPr>
+          <p:cNvSpPr txBox="1"/>
           <p:nvPr>
             <p:ph type="title"/>
           </p:nvPr>
@@ -5949,7 +5785,7 @@
           </a:ln>
         </p:spPr>
         <p:txBody>
-          <a:bodyPr spcFirstLastPara="1" wrap="square" lIns="91425" tIns="91425" rIns="91425" bIns="91425" anchor="b" anchorCtr="0">
+          <a:bodyPr anchorCtr="0" anchor="b" bIns="91425" lIns="91425" spcFirstLastPara="1" rIns="91425" wrap="square" tIns="91425">
             <a:normAutofit/>
           </a:bodyPr>
           <a:lstStyle>
@@ -6161,19 +5997,15 @@
               </a:defRPr>
             </a:lvl9pPr>
           </a:lstStyle>
-          <a:p>
-            <a:endParaRPr/>
-          </a:p>
+          <a:p/>
         </p:txBody>
       </p:sp>
       <p:sp>
         <p:nvSpPr>
           <p:cNvPr id="7" name="Google Shape;7;p1"/>
-          <p:cNvSpPr txBox="1">
-            <a:spLocks noGrp="1"/>
-          </p:cNvSpPr>
+          <p:cNvSpPr txBox="1"/>
           <p:nvPr>
-            <p:ph type="body" idx="1"/>
+            <p:ph idx="1" type="body"/>
           </p:nvPr>
         </p:nvSpPr>
         <p:spPr>
@@ -6190,11 +6022,11 @@
           </a:ln>
         </p:spPr>
         <p:txBody>
-          <a:bodyPr spcFirstLastPara="1" wrap="square" lIns="91425" tIns="91425" rIns="91425" bIns="91425" anchor="t" anchorCtr="0">
+          <a:bodyPr anchorCtr="0" anchor="t" bIns="91425" lIns="91425" spcFirstLastPara="1" rIns="91425" wrap="square" tIns="91425">
             <a:normAutofit/>
           </a:bodyPr>
           <a:lstStyle>
-            <a:lvl1pPr marL="457200" lvl="0" indent="-342900">
+            <a:lvl1pPr indent="-342900" lvl="0" marL="457200">
               <a:lnSpc>
                 <a:spcPct val="115000"/>
               </a:lnSpc>
@@ -6220,7 +6052,7 @@
                 <a:sym typeface="Open Sans"/>
               </a:defRPr>
             </a:lvl1pPr>
-            <a:lvl2pPr marL="914400" lvl="1" indent="-317500">
+            <a:lvl2pPr indent="-317500" lvl="1" marL="914400">
               <a:lnSpc>
                 <a:spcPct val="115000"/>
               </a:lnSpc>
@@ -6246,7 +6078,7 @@
                 <a:sym typeface="Open Sans"/>
               </a:defRPr>
             </a:lvl2pPr>
-            <a:lvl3pPr marL="1371600" lvl="2" indent="-317500">
+            <a:lvl3pPr indent="-317500" lvl="2" marL="1371600">
               <a:lnSpc>
                 <a:spcPct val="115000"/>
               </a:lnSpc>
@@ -6272,7 +6104,7 @@
                 <a:sym typeface="Open Sans"/>
               </a:defRPr>
             </a:lvl3pPr>
-            <a:lvl4pPr marL="1828800" lvl="3" indent="-317500">
+            <a:lvl4pPr indent="-317500" lvl="3" marL="1828800">
               <a:lnSpc>
                 <a:spcPct val="115000"/>
               </a:lnSpc>
@@ -6298,7 +6130,7 @@
                 <a:sym typeface="Open Sans"/>
               </a:defRPr>
             </a:lvl4pPr>
-            <a:lvl5pPr marL="2286000" lvl="4" indent="-317500">
+            <a:lvl5pPr indent="-317500" lvl="4" marL="2286000">
               <a:lnSpc>
                 <a:spcPct val="115000"/>
               </a:lnSpc>
@@ -6324,7 +6156,7 @@
                 <a:sym typeface="Open Sans"/>
               </a:defRPr>
             </a:lvl5pPr>
-            <a:lvl6pPr marL="2743200" lvl="5" indent="-317500">
+            <a:lvl6pPr indent="-317500" lvl="5" marL="2743200">
               <a:lnSpc>
                 <a:spcPct val="115000"/>
               </a:lnSpc>
@@ -6350,7 +6182,7 @@
                 <a:sym typeface="Open Sans"/>
               </a:defRPr>
             </a:lvl6pPr>
-            <a:lvl7pPr marL="3200400" lvl="6" indent="-317500">
+            <a:lvl7pPr indent="-317500" lvl="6" marL="3200400">
               <a:lnSpc>
                 <a:spcPct val="115000"/>
               </a:lnSpc>
@@ -6376,7 +6208,7 @@
                 <a:sym typeface="Open Sans"/>
               </a:defRPr>
             </a:lvl7pPr>
-            <a:lvl8pPr marL="3657600" lvl="7" indent="-317500">
+            <a:lvl8pPr indent="-317500" lvl="7" marL="3657600">
               <a:lnSpc>
                 <a:spcPct val="115000"/>
               </a:lnSpc>
@@ -6402,7 +6234,7 @@
                 <a:sym typeface="Open Sans"/>
               </a:defRPr>
             </a:lvl8pPr>
-            <a:lvl9pPr marL="4114800" lvl="8" indent="-317500">
+            <a:lvl9pPr indent="-317500" lvl="8" marL="4114800">
               <a:lnSpc>
                 <a:spcPct val="115000"/>
               </a:lnSpc>
@@ -6429,19 +6261,15 @@
               </a:defRPr>
             </a:lvl9pPr>
           </a:lstStyle>
-          <a:p>
-            <a:endParaRPr/>
-          </a:p>
+          <a:p/>
         </p:txBody>
       </p:sp>
       <p:sp>
         <p:nvSpPr>
           <p:cNvPr id="8" name="Google Shape;8;p1"/>
-          <p:cNvSpPr txBox="1">
-            <a:spLocks noGrp="1"/>
-          </p:cNvSpPr>
+          <p:cNvSpPr txBox="1"/>
           <p:nvPr>
-            <p:ph type="sldNum" idx="12"/>
+            <p:ph idx="12" type="sldNum"/>
           </p:nvPr>
         </p:nvSpPr>
         <p:spPr>
@@ -6458,7 +6286,7 @@
           </a:ln>
         </p:spPr>
         <p:txBody>
-          <a:bodyPr spcFirstLastPara="1" wrap="square" lIns="91425" tIns="91425" rIns="91425" bIns="91425" anchor="ctr" anchorCtr="0">
+          <a:bodyPr anchorCtr="0" anchor="ctr" bIns="91425" lIns="91425" spcFirstLastPara="1" rIns="91425" wrap="square" tIns="91425">
             <a:normAutofit/>
           </a:bodyPr>
           <a:lstStyle>
@@ -6572,7 +6400,7 @@
             </a:lvl9pPr>
           </a:lstStyle>
           <a:p>
-            <a:pPr marL="0" lvl="0" indent="0" algn="r" rtl="0">
+            <a:pPr indent="0" lvl="0" marL="0" rtl="0" algn="r">
               <a:spcBef>
                 <a:spcPts val="0"/>
               </a:spcBef>
@@ -6591,7 +6419,7 @@
       </p:sp>
     </p:spTree>
   </p:cSld>
-  <p:clrMap bg1="lt1" tx1="dk1" bg2="dk2" tx2="lt2" accent1="accent1" accent2="accent2" accent3="accent3" accent4="accent4" accent5="accent5" accent6="accent6" hlink="hlink" folHlink="folHlink"/>
+  <p:clrMap accent1="accent1" accent2="accent2" accent3="accent3" accent4="accent4" accent5="accent5" accent6="accent6" bg1="lt1" bg2="dk2" tx1="dk1" tx2="lt2" folHlink="folHlink" hlink="hlink"/>
   <p:sldLayoutIdLst>
     <p:sldLayoutId id="2147483648" r:id="rId1"/>
     <p:sldLayoutId id="2147483649" r:id="rId2"/>
@@ -6605,10 +6433,10 @@
     <p:sldLayoutId id="2147483657" r:id="rId10"/>
     <p:sldLayoutId id="2147483658" r:id="rId11"/>
   </p:sldLayoutIdLst>
-  <p:hf sldNum="0" hdr="0" ftr="0" dt="0"/>
+  <p:hf dt="0" ftr="0" hdr="0" sldNum="0"/>
   <p:txStyles>
     <p:titleStyle>
-      <a:defPPr marR="0" lvl="0" algn="l" rtl="0">
+      <a:defPPr lvl="0" marR="0" rtl="0" algn="l">
         <a:lnSpc>
           <a:spcPct val="100000"/>
         </a:lnSpc>
@@ -6619,7 +6447,7 @@
           <a:spcPts val="0"/>
         </a:spcAft>
       </a:defPPr>
-      <a:lvl1pPr marR="0" lvl="0" algn="l" rtl="0">
+      <a:lvl1pPr lvl="0" marR="0" rtl="0" algn="l">
         <a:lnSpc>
           <a:spcPct val="100000"/>
         </a:lnSpc>
@@ -6633,7 +6461,7 @@
           <a:srgbClr val="000000"/>
         </a:buClr>
         <a:buFont typeface="Arial"/>
-        <a:defRPr sz="1400" b="0" i="0" u="none" strike="noStrike" cap="none">
+        <a:defRPr b="0" i="0" sz="1400" u="none" cap="none" strike="noStrike">
           <a:solidFill>
             <a:srgbClr val="000000"/>
           </a:solidFill>
@@ -6643,7 +6471,7 @@
           <a:sym typeface="Arial"/>
         </a:defRPr>
       </a:lvl1pPr>
-      <a:lvl2pPr marR="0" lvl="1" algn="l" rtl="0">
+      <a:lvl2pPr lvl="1" marR="0" rtl="0" algn="l">
         <a:lnSpc>
           <a:spcPct val="100000"/>
         </a:lnSpc>
@@ -6657,7 +6485,7 @@
           <a:srgbClr val="000000"/>
         </a:buClr>
         <a:buFont typeface="Arial"/>
-        <a:defRPr sz="1400" b="0" i="0" u="none" strike="noStrike" cap="none">
+        <a:defRPr b="0" i="0" sz="1400" u="none" cap="none" strike="noStrike">
           <a:solidFill>
             <a:srgbClr val="000000"/>
           </a:solidFill>
@@ -6667,7 +6495,7 @@
           <a:sym typeface="Arial"/>
         </a:defRPr>
       </a:lvl2pPr>
-      <a:lvl3pPr marR="0" lvl="2" algn="l" rtl="0">
+      <a:lvl3pPr lvl="2" marR="0" rtl="0" algn="l">
         <a:lnSpc>
           <a:spcPct val="100000"/>
         </a:lnSpc>
@@ -6681,7 +6509,7 @@
           <a:srgbClr val="000000"/>
         </a:buClr>
         <a:buFont typeface="Arial"/>
-        <a:defRPr sz="1400" b="0" i="0" u="none" strike="noStrike" cap="none">
+        <a:defRPr b="0" i="0" sz="1400" u="none" cap="none" strike="noStrike">
           <a:solidFill>
             <a:srgbClr val="000000"/>
           </a:solidFill>
@@ -6691,7 +6519,7 @@
           <a:sym typeface="Arial"/>
         </a:defRPr>
       </a:lvl3pPr>
-      <a:lvl4pPr marR="0" lvl="3" algn="l" rtl="0">
+      <a:lvl4pPr lvl="3" marR="0" rtl="0" algn="l">
         <a:lnSpc>
           <a:spcPct val="100000"/>
         </a:lnSpc>
@@ -6705,7 +6533,7 @@
           <a:srgbClr val="000000"/>
         </a:buClr>
         <a:buFont typeface="Arial"/>
-        <a:defRPr sz="1400" b="0" i="0" u="none" strike="noStrike" cap="none">
+        <a:defRPr b="0" i="0" sz="1400" u="none" cap="none" strike="noStrike">
           <a:solidFill>
             <a:srgbClr val="000000"/>
           </a:solidFill>
@@ -6715,7 +6543,7 @@
           <a:sym typeface="Arial"/>
         </a:defRPr>
       </a:lvl4pPr>
-      <a:lvl5pPr marR="0" lvl="4" algn="l" rtl="0">
+      <a:lvl5pPr lvl="4" marR="0" rtl="0" algn="l">
         <a:lnSpc>
           <a:spcPct val="100000"/>
         </a:lnSpc>
@@ -6729,7 +6557,7 @@
           <a:srgbClr val="000000"/>
         </a:buClr>
         <a:buFont typeface="Arial"/>
-        <a:defRPr sz="1400" b="0" i="0" u="none" strike="noStrike" cap="none">
+        <a:defRPr b="0" i="0" sz="1400" u="none" cap="none" strike="noStrike">
           <a:solidFill>
             <a:srgbClr val="000000"/>
           </a:solidFill>
@@ -6739,7 +6567,7 @@
           <a:sym typeface="Arial"/>
         </a:defRPr>
       </a:lvl5pPr>
-      <a:lvl6pPr marR="0" lvl="5" algn="l" rtl="0">
+      <a:lvl6pPr lvl="5" marR="0" rtl="0" algn="l">
         <a:lnSpc>
           <a:spcPct val="100000"/>
         </a:lnSpc>
@@ -6753,7 +6581,7 @@
           <a:srgbClr val="000000"/>
         </a:buClr>
         <a:buFont typeface="Arial"/>
-        <a:defRPr sz="1400" b="0" i="0" u="none" strike="noStrike" cap="none">
+        <a:defRPr b="0" i="0" sz="1400" u="none" cap="none" strike="noStrike">
           <a:solidFill>
             <a:srgbClr val="000000"/>
           </a:solidFill>
@@ -6763,7 +6591,7 @@
           <a:sym typeface="Arial"/>
         </a:defRPr>
       </a:lvl6pPr>
-      <a:lvl7pPr marR="0" lvl="6" algn="l" rtl="0">
+      <a:lvl7pPr lvl="6" marR="0" rtl="0" algn="l">
         <a:lnSpc>
           <a:spcPct val="100000"/>
         </a:lnSpc>
@@ -6777,7 +6605,7 @@
           <a:srgbClr val="000000"/>
         </a:buClr>
         <a:buFont typeface="Arial"/>
-        <a:defRPr sz="1400" b="0" i="0" u="none" strike="noStrike" cap="none">
+        <a:defRPr b="0" i="0" sz="1400" u="none" cap="none" strike="noStrike">
           <a:solidFill>
             <a:srgbClr val="000000"/>
           </a:solidFill>
@@ -6787,7 +6615,7 @@
           <a:sym typeface="Arial"/>
         </a:defRPr>
       </a:lvl7pPr>
-      <a:lvl8pPr marR="0" lvl="7" algn="l" rtl="0">
+      <a:lvl8pPr lvl="7" marR="0" rtl="0" algn="l">
         <a:lnSpc>
           <a:spcPct val="100000"/>
         </a:lnSpc>
@@ -6801,7 +6629,7 @@
           <a:srgbClr val="000000"/>
         </a:buClr>
         <a:buFont typeface="Arial"/>
-        <a:defRPr sz="1400" b="0" i="0" u="none" strike="noStrike" cap="none">
+        <a:defRPr b="0" i="0" sz="1400" u="none" cap="none" strike="noStrike">
           <a:solidFill>
             <a:srgbClr val="000000"/>
           </a:solidFill>
@@ -6811,7 +6639,7 @@
           <a:sym typeface="Arial"/>
         </a:defRPr>
       </a:lvl8pPr>
-      <a:lvl9pPr marR="0" lvl="8" algn="l" rtl="0">
+      <a:lvl9pPr lvl="8" marR="0" rtl="0" algn="l">
         <a:lnSpc>
           <a:spcPct val="100000"/>
         </a:lnSpc>
@@ -6825,7 +6653,7 @@
           <a:srgbClr val="000000"/>
         </a:buClr>
         <a:buFont typeface="Arial"/>
-        <a:defRPr sz="1400" b="0" i="0" u="none" strike="noStrike" cap="none">
+        <a:defRPr b="0" i="0" sz="1400" u="none" cap="none" strike="noStrike">
           <a:solidFill>
             <a:srgbClr val="000000"/>
           </a:solidFill>
@@ -6837,7 +6665,7 @@
       </a:lvl9pPr>
     </p:titleStyle>
     <p:bodyStyle>
-      <a:defPPr marR="0" lvl="0" algn="l" rtl="0">
+      <a:defPPr lvl="0" marR="0" rtl="0" algn="l">
         <a:lnSpc>
           <a:spcPct val="100000"/>
         </a:lnSpc>
@@ -6848,7 +6676,7 @@
           <a:spcPts val="0"/>
         </a:spcAft>
       </a:defPPr>
-      <a:lvl1pPr marR="0" lvl="0" algn="l" rtl="0">
+      <a:lvl1pPr lvl="0" marR="0" rtl="0" algn="l">
         <a:lnSpc>
           <a:spcPct val="100000"/>
         </a:lnSpc>
@@ -6862,7 +6690,7 @@
           <a:srgbClr val="000000"/>
         </a:buClr>
         <a:buFont typeface="Arial"/>
-        <a:defRPr sz="1400" b="0" i="0" u="none" strike="noStrike" cap="none">
+        <a:defRPr b="0" i="0" sz="1400" u="none" cap="none" strike="noStrike">
           <a:solidFill>
             <a:srgbClr val="000000"/>
           </a:solidFill>
@@ -6872,7 +6700,7 @@
           <a:sym typeface="Arial"/>
         </a:defRPr>
       </a:lvl1pPr>
-      <a:lvl2pPr marR="0" lvl="1" algn="l" rtl="0">
+      <a:lvl2pPr lvl="1" marR="0" rtl="0" algn="l">
         <a:lnSpc>
           <a:spcPct val="100000"/>
         </a:lnSpc>
@@ -6886,7 +6714,7 @@
           <a:srgbClr val="000000"/>
         </a:buClr>
         <a:buFont typeface="Arial"/>
-        <a:defRPr sz="1400" b="0" i="0" u="none" strike="noStrike" cap="none">
+        <a:defRPr b="0" i="0" sz="1400" u="none" cap="none" strike="noStrike">
           <a:solidFill>
             <a:srgbClr val="000000"/>
           </a:solidFill>
@@ -6896,7 +6724,7 @@
           <a:sym typeface="Arial"/>
         </a:defRPr>
       </a:lvl2pPr>
-      <a:lvl3pPr marR="0" lvl="2" algn="l" rtl="0">
+      <a:lvl3pPr lvl="2" marR="0" rtl="0" algn="l">
         <a:lnSpc>
           <a:spcPct val="100000"/>
         </a:lnSpc>
@@ -6910,7 +6738,7 @@
           <a:srgbClr val="000000"/>
         </a:buClr>
         <a:buFont typeface="Arial"/>
-        <a:defRPr sz="1400" b="0" i="0" u="none" strike="noStrike" cap="none">
+        <a:defRPr b="0" i="0" sz="1400" u="none" cap="none" strike="noStrike">
           <a:solidFill>
             <a:srgbClr val="000000"/>
           </a:solidFill>
@@ -6920,7 +6748,7 @@
           <a:sym typeface="Arial"/>
         </a:defRPr>
       </a:lvl3pPr>
-      <a:lvl4pPr marR="0" lvl="3" algn="l" rtl="0">
+      <a:lvl4pPr lvl="3" marR="0" rtl="0" algn="l">
         <a:lnSpc>
           <a:spcPct val="100000"/>
         </a:lnSpc>
@@ -6934,7 +6762,7 @@
           <a:srgbClr val="000000"/>
         </a:buClr>
         <a:buFont typeface="Arial"/>
-        <a:defRPr sz="1400" b="0" i="0" u="none" strike="noStrike" cap="none">
+        <a:defRPr b="0" i="0" sz="1400" u="none" cap="none" strike="noStrike">
           <a:solidFill>
             <a:srgbClr val="000000"/>
           </a:solidFill>
@@ -6944,7 +6772,7 @@
           <a:sym typeface="Arial"/>
         </a:defRPr>
       </a:lvl4pPr>
-      <a:lvl5pPr marR="0" lvl="4" algn="l" rtl="0">
+      <a:lvl5pPr lvl="4" marR="0" rtl="0" algn="l">
         <a:lnSpc>
           <a:spcPct val="100000"/>
         </a:lnSpc>
@@ -6958,7 +6786,7 @@
           <a:srgbClr val="000000"/>
         </a:buClr>
         <a:buFont typeface="Arial"/>
-        <a:defRPr sz="1400" b="0" i="0" u="none" strike="noStrike" cap="none">
+        <a:defRPr b="0" i="0" sz="1400" u="none" cap="none" strike="noStrike">
           <a:solidFill>
             <a:srgbClr val="000000"/>
           </a:solidFill>
@@ -6968,7 +6796,7 @@
           <a:sym typeface="Arial"/>
         </a:defRPr>
       </a:lvl5pPr>
-      <a:lvl6pPr marR="0" lvl="5" algn="l" rtl="0">
+      <a:lvl6pPr lvl="5" marR="0" rtl="0" algn="l">
         <a:lnSpc>
           <a:spcPct val="100000"/>
         </a:lnSpc>
@@ -6982,7 +6810,7 @@
           <a:srgbClr val="000000"/>
         </a:buClr>
         <a:buFont typeface="Arial"/>
-        <a:defRPr sz="1400" b="0" i="0" u="none" strike="noStrike" cap="none">
+        <a:defRPr b="0" i="0" sz="1400" u="none" cap="none" strike="noStrike">
           <a:solidFill>
             <a:srgbClr val="000000"/>
           </a:solidFill>
@@ -6992,7 +6820,7 @@
           <a:sym typeface="Arial"/>
         </a:defRPr>
       </a:lvl6pPr>
-      <a:lvl7pPr marR="0" lvl="6" algn="l" rtl="0">
+      <a:lvl7pPr lvl="6" marR="0" rtl="0" algn="l">
         <a:lnSpc>
           <a:spcPct val="100000"/>
         </a:lnSpc>
@@ -7006,7 +6834,7 @@
           <a:srgbClr val="000000"/>
         </a:buClr>
         <a:buFont typeface="Arial"/>
-        <a:defRPr sz="1400" b="0" i="0" u="none" strike="noStrike" cap="none">
+        <a:defRPr b="0" i="0" sz="1400" u="none" cap="none" strike="noStrike">
           <a:solidFill>
             <a:srgbClr val="000000"/>
           </a:solidFill>
@@ -7016,7 +6844,7 @@
           <a:sym typeface="Arial"/>
         </a:defRPr>
       </a:lvl7pPr>
-      <a:lvl8pPr marR="0" lvl="7" algn="l" rtl="0">
+      <a:lvl8pPr lvl="7" marR="0" rtl="0" algn="l">
         <a:lnSpc>
           <a:spcPct val="100000"/>
         </a:lnSpc>
@@ -7030,7 +6858,7 @@
           <a:srgbClr val="000000"/>
         </a:buClr>
         <a:buFont typeface="Arial"/>
-        <a:defRPr sz="1400" b="0" i="0" u="none" strike="noStrike" cap="none">
+        <a:defRPr b="0" i="0" sz="1400" u="none" cap="none" strike="noStrike">
           <a:solidFill>
             <a:srgbClr val="000000"/>
           </a:solidFill>
@@ -7040,7 +6868,7 @@
           <a:sym typeface="Arial"/>
         </a:defRPr>
       </a:lvl8pPr>
-      <a:lvl9pPr marR="0" lvl="8" algn="l" rtl="0">
+      <a:lvl9pPr lvl="8" marR="0" rtl="0" algn="l">
         <a:lnSpc>
           <a:spcPct val="100000"/>
         </a:lnSpc>
@@ -7054,7 +6882,7 @@
           <a:srgbClr val="000000"/>
         </a:buClr>
         <a:buFont typeface="Arial"/>
-        <a:defRPr sz="1400" b="0" i="0" u="none" strike="noStrike" cap="none">
+        <a:defRPr b="0" i="0" sz="1400" u="none" cap="none" strike="noStrike">
           <a:solidFill>
             <a:srgbClr val="000000"/>
           </a:solidFill>
@@ -7066,7 +6894,7 @@
       </a:lvl9pPr>
     </p:bodyStyle>
     <p:otherStyle>
-      <a:defPPr marR="0" lvl="0" algn="l" rtl="0">
+      <a:defPPr lvl="0" marR="0" rtl="0" algn="l">
         <a:lnSpc>
           <a:spcPct val="100000"/>
         </a:lnSpc>
@@ -7077,7 +6905,7 @@
           <a:spcPts val="0"/>
         </a:spcAft>
       </a:defPPr>
-      <a:lvl1pPr marR="0" lvl="0" algn="l" rtl="0">
+      <a:lvl1pPr lvl="0" marR="0" rtl="0" algn="l">
         <a:lnSpc>
           <a:spcPct val="100000"/>
         </a:lnSpc>
@@ -7091,7 +6919,7 @@
           <a:srgbClr val="000000"/>
         </a:buClr>
         <a:buFont typeface="Arial"/>
-        <a:defRPr sz="1400" b="0" i="0" u="none" strike="noStrike" cap="none">
+        <a:defRPr b="0" i="0" sz="1400" u="none" cap="none" strike="noStrike">
           <a:solidFill>
             <a:srgbClr val="000000"/>
           </a:solidFill>
@@ -7101,7 +6929,7 @@
           <a:sym typeface="Arial"/>
         </a:defRPr>
       </a:lvl1pPr>
-      <a:lvl2pPr marR="0" lvl="1" algn="l" rtl="0">
+      <a:lvl2pPr lvl="1" marR="0" rtl="0" algn="l">
         <a:lnSpc>
           <a:spcPct val="100000"/>
         </a:lnSpc>
@@ -7115,7 +6943,7 @@
           <a:srgbClr val="000000"/>
         </a:buClr>
         <a:buFont typeface="Arial"/>
-        <a:defRPr sz="1400" b="0" i="0" u="none" strike="noStrike" cap="none">
+        <a:defRPr b="0" i="0" sz="1400" u="none" cap="none" strike="noStrike">
           <a:solidFill>
             <a:srgbClr val="000000"/>
           </a:solidFill>
@@ -7125,7 +6953,7 @@
           <a:sym typeface="Arial"/>
         </a:defRPr>
       </a:lvl2pPr>
-      <a:lvl3pPr marR="0" lvl="2" algn="l" rtl="0">
+      <a:lvl3pPr lvl="2" marR="0" rtl="0" algn="l">
         <a:lnSpc>
           <a:spcPct val="100000"/>
         </a:lnSpc>
@@ -7139,7 +6967,7 @@
           <a:srgbClr val="000000"/>
         </a:buClr>
         <a:buFont typeface="Arial"/>
-        <a:defRPr sz="1400" b="0" i="0" u="none" strike="noStrike" cap="none">
+        <a:defRPr b="0" i="0" sz="1400" u="none" cap="none" strike="noStrike">
           <a:solidFill>
             <a:srgbClr val="000000"/>
           </a:solidFill>
@@ -7149,7 +6977,7 @@
           <a:sym typeface="Arial"/>
         </a:defRPr>
       </a:lvl3pPr>
-      <a:lvl4pPr marR="0" lvl="3" algn="l" rtl="0">
+      <a:lvl4pPr lvl="3" marR="0" rtl="0" algn="l">
         <a:lnSpc>
           <a:spcPct val="100000"/>
         </a:lnSpc>
@@ -7163,7 +6991,7 @@
           <a:srgbClr val="000000"/>
         </a:buClr>
         <a:buFont typeface="Arial"/>
-        <a:defRPr sz="1400" b="0" i="0" u="none" strike="noStrike" cap="none">
+        <a:defRPr b="0" i="0" sz="1400" u="none" cap="none" strike="noStrike">
           <a:solidFill>
             <a:srgbClr val="000000"/>
           </a:solidFill>
@@ -7173,7 +7001,7 @@
           <a:sym typeface="Arial"/>
         </a:defRPr>
       </a:lvl4pPr>
-      <a:lvl5pPr marR="0" lvl="4" algn="l" rtl="0">
+      <a:lvl5pPr lvl="4" marR="0" rtl="0" algn="l">
         <a:lnSpc>
           <a:spcPct val="100000"/>
         </a:lnSpc>
@@ -7187,7 +7015,7 @@
           <a:srgbClr val="000000"/>
         </a:buClr>
         <a:buFont typeface="Arial"/>
-        <a:defRPr sz="1400" b="0" i="0" u="none" strike="noStrike" cap="none">
+        <a:defRPr b="0" i="0" sz="1400" u="none" cap="none" strike="noStrike">
           <a:solidFill>
             <a:srgbClr val="000000"/>
           </a:solidFill>
@@ -7197,7 +7025,7 @@
           <a:sym typeface="Arial"/>
         </a:defRPr>
       </a:lvl5pPr>
-      <a:lvl6pPr marR="0" lvl="5" algn="l" rtl="0">
+      <a:lvl6pPr lvl="5" marR="0" rtl="0" algn="l">
         <a:lnSpc>
           <a:spcPct val="100000"/>
         </a:lnSpc>
@@ -7211,7 +7039,7 @@
           <a:srgbClr val="000000"/>
         </a:buClr>
         <a:buFont typeface="Arial"/>
-        <a:defRPr sz="1400" b="0" i="0" u="none" strike="noStrike" cap="none">
+        <a:defRPr b="0" i="0" sz="1400" u="none" cap="none" strike="noStrike">
           <a:solidFill>
             <a:srgbClr val="000000"/>
           </a:solidFill>
@@ -7221,7 +7049,7 @@
           <a:sym typeface="Arial"/>
         </a:defRPr>
       </a:lvl6pPr>
-      <a:lvl7pPr marR="0" lvl="6" algn="l" rtl="0">
+      <a:lvl7pPr lvl="6" marR="0" rtl="0" algn="l">
         <a:lnSpc>
           <a:spcPct val="100000"/>
         </a:lnSpc>
@@ -7235,7 +7063,7 @@
           <a:srgbClr val="000000"/>
         </a:buClr>
         <a:buFont typeface="Arial"/>
-        <a:defRPr sz="1400" b="0" i="0" u="none" strike="noStrike" cap="none">
+        <a:defRPr b="0" i="0" sz="1400" u="none" cap="none" strike="noStrike">
           <a:solidFill>
             <a:srgbClr val="000000"/>
           </a:solidFill>
@@ -7245,7 +7073,7 @@
           <a:sym typeface="Arial"/>
         </a:defRPr>
       </a:lvl7pPr>
-      <a:lvl8pPr marR="0" lvl="7" algn="l" rtl="0">
+      <a:lvl8pPr lvl="7" marR="0" rtl="0" algn="l">
         <a:lnSpc>
           <a:spcPct val="100000"/>
         </a:lnSpc>
@@ -7259,7 +7087,7 @@
           <a:srgbClr val="000000"/>
         </a:buClr>
         <a:buFont typeface="Arial"/>
-        <a:defRPr sz="1400" b="0" i="0" u="none" strike="noStrike" cap="none">
+        <a:defRPr b="0" i="0" sz="1400" u="none" cap="none" strike="noStrike">
           <a:solidFill>
             <a:srgbClr val="000000"/>
           </a:solidFill>
@@ -7269,7 +7097,7 @@
           <a:sym typeface="Arial"/>
         </a:defRPr>
       </a:lvl8pPr>
-      <a:lvl9pPr marR="0" lvl="8" algn="l" rtl="0">
+      <a:lvl9pPr lvl="8" marR="0" rtl="0" algn="l">
         <a:lnSpc>
           <a:spcPct val="100000"/>
         </a:lnSpc>
@@ -7283,7 +7111,7 @@
           <a:srgbClr val="000000"/>
         </a:buClr>
         <a:buFont typeface="Arial"/>
-        <a:defRPr sz="1400" b="0" i="0" u="none" strike="noStrike" cap="none">
+        <a:defRPr b="0" i="0" sz="1400" u="none" cap="none" strike="noStrike">
           <a:solidFill>
             <a:srgbClr val="000000"/>
           </a:solidFill>
@@ -7299,11 +7127,11 @@
 </file>
 
 <file path=ppt/slides/slide1.xml><?xml version="1.0" encoding="utf-8"?>
-<p:sld xmlns:a="http://schemas.openxmlformats.org/drawingml/2006/main" xmlns:r="http://schemas.openxmlformats.org/officeDocument/2006/relationships" xmlns:p="http://schemas.openxmlformats.org/presentationml/2006/main">
+<p:sld xmlns:a="http://schemas.openxmlformats.org/drawingml/2006/main" xmlns:r="http://schemas.openxmlformats.org/officeDocument/2006/relationships" xmlns:mc="http://schemas.openxmlformats.org/markup-compatibility/2006" xmlns:mv="urn:schemas-microsoft-com:mac:vml" xmlns:p="http://schemas.openxmlformats.org/presentationml/2006/main" xmlns:c="http://schemas.openxmlformats.org/drawingml/2006/chart" xmlns:dgm="http://schemas.openxmlformats.org/drawingml/2006/diagram" xmlns:o="urn:schemas-microsoft-com:office:office" xmlns:v="urn:schemas-microsoft-com:vml" xmlns:pvml="urn:schemas-microsoft-com:office:powerpoint" xmlns:com="http://schemas.openxmlformats.org/drawingml/2006/compatibility" xmlns:p14="http://schemas.microsoft.com/office/powerpoint/2010/main" xmlns:p15="http://schemas.microsoft.com/office/powerpoint/2012/main" xmlns:ahyp="http://schemas.microsoft.com/office/drawing/2018/hyperlinkcolor">
   <p:cSld>
     <p:spTree>
       <p:nvGrpSpPr>
-        <p:cNvPr id="1" name="Shape 61"/>
+        <p:cNvPr id="61" name="Shape 61"/>
         <p:cNvGrpSpPr/>
         <p:nvPr/>
       </p:nvGrpSpPr>
@@ -7318,9 +7146,7 @@
       <p:sp>
         <p:nvSpPr>
           <p:cNvPr id="62" name="Google Shape;62;p13"/>
-          <p:cNvSpPr txBox="1">
-            <a:spLocks noGrp="1"/>
-          </p:cNvSpPr>
+          <p:cNvSpPr txBox="1"/>
           <p:nvPr>
             <p:ph type="ctrTitle"/>
           </p:nvPr>
@@ -7335,12 +7161,12 @@
           </a:prstGeom>
         </p:spPr>
         <p:txBody>
-          <a:bodyPr spcFirstLastPara="1" wrap="square" lIns="91425" tIns="91425" rIns="91425" bIns="91425" anchor="b" anchorCtr="0">
+          <a:bodyPr anchorCtr="0" anchor="b" bIns="91425" lIns="91425" spcFirstLastPara="1" rIns="91425" wrap="square" tIns="91425">
             <a:normAutofit fontScale="90000"/>
           </a:bodyPr>
           <a:lstStyle/>
           <a:p>
-            <a:pPr marL="0" lvl="0" indent="0" algn="ctr" rtl="0">
+            <a:pPr indent="0" lvl="0" marL="0" rtl="0" algn="ctr">
               <a:spcBef>
                 <a:spcPts val="0"/>
               </a:spcBef>
@@ -7352,6 +7178,46 @@
             <a:r>
               <a:rPr lang="en-GB"/>
               <a:t>Forest-Fire Alert and Detection System</a:t>
+            </a:r>
+            <a:endParaRPr/>
+          </a:p>
+        </p:txBody>
+      </p:sp>
+      <p:sp>
+        <p:nvSpPr>
+          <p:cNvPr id="63" name="Google Shape;63;p13"/>
+          <p:cNvSpPr txBox="1"/>
+          <p:nvPr>
+            <p:ph idx="1" type="subTitle"/>
+          </p:nvPr>
+        </p:nvSpPr>
+        <p:spPr>
+          <a:xfrm>
+            <a:off x="3044700" y="3116580"/>
+            <a:ext cx="3054600" cy="701400"/>
+          </a:xfrm>
+          <a:prstGeom prst="rect">
+            <a:avLst/>
+          </a:prstGeom>
+        </p:spPr>
+        <p:txBody>
+          <a:bodyPr anchorCtr="0" anchor="t" bIns="91425" lIns="91425" spcFirstLastPara="1" rIns="91425" wrap="square" tIns="91425">
+            <a:normAutofit/>
+          </a:bodyPr>
+          <a:lstStyle/>
+          <a:p>
+            <a:pPr indent="0" lvl="0" marL="0" rtl="0" algn="ctr">
+              <a:spcBef>
+                <a:spcPts val="0"/>
+              </a:spcBef>
+              <a:spcAft>
+                <a:spcPts val="0"/>
+              </a:spcAft>
+              <a:buNone/>
+            </a:pPr>
+            <a:r>
+              <a:rPr lang="en-GB"/>
+              <a:t>By Team</a:t>
             </a:r>
             <a:endParaRPr/>
           </a:p>
@@ -7377,12 +7243,12 @@
           </a:ln>
         </p:spPr>
         <p:txBody>
-          <a:bodyPr spcFirstLastPara="1" wrap="square" lIns="91425" tIns="91425" rIns="91425" bIns="91425" anchor="t" anchorCtr="0">
+          <a:bodyPr anchorCtr="0" anchor="t" bIns="91425" lIns="91425" spcFirstLastPara="1" rIns="91425" wrap="square" tIns="91425">
             <a:spAutoFit/>
           </a:bodyPr>
           <a:lstStyle/>
           <a:p>
-            <a:pPr marL="0" lvl="0" indent="0" algn="ctr" rtl="0">
+            <a:pPr indent="0" lvl="0" marL="0" rtl="0" algn="ctr">
               <a:spcBef>
                 <a:spcPts val="0"/>
               </a:spcBef>
@@ -7392,7 +7258,7 @@
               <a:buNone/>
             </a:pPr>
             <a:r>
-              <a:rPr lang="en-GB" sz="1700" b="1">
+              <a:rPr b="1" lang="en-GB" sz="1700">
                 <a:solidFill>
                   <a:srgbClr val="222222"/>
                 </a:solidFill>
@@ -7406,7 +7272,7 @@
               </a:rPr>
               <a:t>Wednesday 5th October 2022</a:t>
             </a:r>
-            <a:endParaRPr sz="2000" b="1">
+            <a:endParaRPr b="1" sz="2000">
               <a:latin typeface="Economica"/>
               <a:ea typeface="Economica"/>
               <a:cs typeface="Economica"/>
@@ -7420,22 +7286,15 @@
   <p:clrMapOvr>
     <a:masterClrMapping/>
   </p:clrMapOvr>
-  <p:timing>
-    <p:tnLst>
-      <p:par>
-        <p:cTn id="1" dur="indefinite" restart="never" nodeType="tmRoot"/>
-      </p:par>
-    </p:tnLst>
-  </p:timing>
 </p:sld>
 </file>
 
 <file path=ppt/slides/slide10.xml><?xml version="1.0" encoding="utf-8"?>
-<p:sld xmlns:a="http://schemas.openxmlformats.org/drawingml/2006/main" xmlns:r="http://schemas.openxmlformats.org/officeDocument/2006/relationships" xmlns:p="http://schemas.openxmlformats.org/presentationml/2006/main">
+<p:sld xmlns:a="http://schemas.openxmlformats.org/drawingml/2006/main" xmlns:r="http://schemas.openxmlformats.org/officeDocument/2006/relationships" xmlns:mc="http://schemas.openxmlformats.org/markup-compatibility/2006" xmlns:mv="urn:schemas-microsoft-com:mac:vml" xmlns:p="http://schemas.openxmlformats.org/presentationml/2006/main" xmlns:c="http://schemas.openxmlformats.org/drawingml/2006/chart" xmlns:dgm="http://schemas.openxmlformats.org/drawingml/2006/diagram" xmlns:o="urn:schemas-microsoft-com:office:office" xmlns:v="urn:schemas-microsoft-com:vml" xmlns:pvml="urn:schemas-microsoft-com:office:powerpoint" xmlns:com="http://schemas.openxmlformats.org/drawingml/2006/compatibility" xmlns:p14="http://schemas.microsoft.com/office/powerpoint/2010/main" xmlns:p15="http://schemas.microsoft.com/office/powerpoint/2012/main" xmlns:ahyp="http://schemas.microsoft.com/office/drawing/2018/hyperlinkcolor">
   <p:cSld>
     <p:spTree>
       <p:nvGrpSpPr>
-        <p:cNvPr id="1" name="Shape 126"/>
+        <p:cNvPr id="117" name="Shape 117"/>
         <p:cNvGrpSpPr/>
         <p:nvPr/>
       </p:nvGrpSpPr>
@@ -7449,10 +7308,8 @@
       </p:grpSpPr>
       <p:sp>
         <p:nvSpPr>
-          <p:cNvPr id="127" name="Google Shape;127;p22"/>
-          <p:cNvSpPr txBox="1">
-            <a:spLocks noGrp="1"/>
-          </p:cNvSpPr>
+          <p:cNvPr id="118" name="Google Shape;118;p22"/>
+          <p:cNvSpPr txBox="1"/>
           <p:nvPr>
             <p:ph type="title"/>
           </p:nvPr>
@@ -7467,12 +7324,12 @@
           </a:prstGeom>
         </p:spPr>
         <p:txBody>
-          <a:bodyPr spcFirstLastPara="1" wrap="square" lIns="91425" tIns="91425" rIns="91425" bIns="91425" anchor="ctr" anchorCtr="0">
+          <a:bodyPr anchorCtr="0" anchor="ctr" bIns="91425" lIns="91425" spcFirstLastPara="1" rIns="91425" wrap="square" tIns="91425">
             <a:normAutofit/>
           </a:bodyPr>
           <a:lstStyle/>
           <a:p>
-            <a:pPr marL="0" lvl="0" indent="0" algn="ctr" rtl="0">
+            <a:pPr indent="0" lvl="0" marL="0" rtl="0" algn="ctr">
               <a:spcBef>
                 <a:spcPts val="0"/>
               </a:spcBef>
@@ -7494,22 +7351,15 @@
   <p:clrMapOvr>
     <a:masterClrMapping/>
   </p:clrMapOvr>
-  <p:timing>
-    <p:tnLst>
-      <p:par>
-        <p:cTn id="1" dur="indefinite" restart="never" nodeType="tmRoot"/>
-      </p:par>
-    </p:tnLst>
-  </p:timing>
 </p:sld>
 </file>
 
 <file path=ppt/slides/slide2.xml><?xml version="1.0" encoding="utf-8"?>
-<p:sld xmlns:a="http://schemas.openxmlformats.org/drawingml/2006/main" xmlns:r="http://schemas.openxmlformats.org/officeDocument/2006/relationships" xmlns:p="http://schemas.openxmlformats.org/presentationml/2006/main">
+<p:sld xmlns:a="http://schemas.openxmlformats.org/drawingml/2006/main" xmlns:r="http://schemas.openxmlformats.org/officeDocument/2006/relationships" xmlns:mc="http://schemas.openxmlformats.org/markup-compatibility/2006" xmlns:mv="urn:schemas-microsoft-com:mac:vml" xmlns:p="http://schemas.openxmlformats.org/presentationml/2006/main" xmlns:c="http://schemas.openxmlformats.org/drawingml/2006/chart" xmlns:dgm="http://schemas.openxmlformats.org/drawingml/2006/diagram" xmlns:o="urn:schemas-microsoft-com:office:office" xmlns:v="urn:schemas-microsoft-com:vml" xmlns:pvml="urn:schemas-microsoft-com:office:powerpoint" xmlns:com="http://schemas.openxmlformats.org/drawingml/2006/compatibility" xmlns:p14="http://schemas.microsoft.com/office/powerpoint/2010/main" xmlns:p15="http://schemas.microsoft.com/office/powerpoint/2012/main" xmlns:ahyp="http://schemas.microsoft.com/office/drawing/2018/hyperlinkcolor">
   <p:cSld>
     <p:spTree>
       <p:nvGrpSpPr>
-        <p:cNvPr id="1" name="Shape 68"/>
+        <p:cNvPr id="68" name="Shape 68"/>
         <p:cNvGrpSpPr/>
         <p:nvPr/>
       </p:nvGrpSpPr>
@@ -7524,9 +7374,7 @@
       <p:sp>
         <p:nvSpPr>
           <p:cNvPr id="69" name="Google Shape;69;p14"/>
-          <p:cNvSpPr txBox="1">
-            <a:spLocks noGrp="1"/>
-          </p:cNvSpPr>
+          <p:cNvSpPr txBox="1"/>
           <p:nvPr>
             <p:ph type="title"/>
           </p:nvPr>
@@ -7541,12 +7389,12 @@
           </a:prstGeom>
         </p:spPr>
         <p:txBody>
-          <a:bodyPr spcFirstLastPara="1" wrap="square" lIns="91425" tIns="91425" rIns="91425" bIns="91425" anchor="b" anchorCtr="0">
+          <a:bodyPr anchorCtr="0" anchor="b" bIns="91425" lIns="91425" spcFirstLastPara="1" rIns="91425" wrap="square" tIns="91425">
             <a:normAutofit/>
           </a:bodyPr>
           <a:lstStyle/>
           <a:p>
-            <a:pPr marL="0" lvl="0" indent="0" algn="l" rtl="0">
+            <a:pPr indent="0" lvl="0" marL="0" rtl="0" algn="l">
               <a:spcBef>
                 <a:spcPts val="0"/>
               </a:spcBef>
@@ -7566,11 +7414,9 @@
       <p:sp>
         <p:nvSpPr>
           <p:cNvPr id="70" name="Google Shape;70;p14"/>
-          <p:cNvSpPr txBox="1">
-            <a:spLocks noGrp="1"/>
-          </p:cNvSpPr>
+          <p:cNvSpPr txBox="1"/>
           <p:nvPr>
-            <p:ph type="body" idx="1"/>
+            <p:ph idx="1" type="body"/>
           </p:nvPr>
         </p:nvSpPr>
         <p:spPr>
@@ -7583,12 +7429,12 @@
           </a:prstGeom>
         </p:spPr>
         <p:txBody>
-          <a:bodyPr spcFirstLastPara="1" wrap="square" lIns="91425" tIns="91425" rIns="91425" bIns="91425" anchor="t" anchorCtr="0">
+          <a:bodyPr anchorCtr="0" anchor="t" bIns="91425" lIns="91425" spcFirstLastPara="1" rIns="91425" wrap="square" tIns="91425">
             <a:normAutofit/>
           </a:bodyPr>
           <a:lstStyle/>
           <a:p>
-            <a:pPr marL="0" lvl="0" indent="0" algn="l" rtl="0">
+            <a:pPr indent="0" lvl="0" marL="0" rtl="0" algn="l">
               <a:spcBef>
                 <a:spcPts val="0"/>
               </a:spcBef>
@@ -7598,34 +7444,30 @@
               <a:buNone/>
             </a:pPr>
             <a:r>
-              <a:rPr lang="en-GB" dirty="0"/>
-              <a:t>Forest fires are widespread in Kenya. A majority of forest fire outbreaks have occurred to our main ‘water towers’ in Kenya which include but is not limited to; Mt. Kenya </a:t>
+              <a:rPr lang="en-GB"/>
+              <a:t>Forest fires are widespread in Kenya. A majority of forest fire outbreaks have occurred to our main ‘water towers’ in Kenya which include but is not limited to; Mt. Kenya and the Aberdare Range.</a:t>
+            </a:r>
+            <a:endParaRPr/>
+          </a:p>
+          <a:p>
+            <a:pPr indent="0" lvl="0" marL="0" rtl="0" algn="l">
+              <a:spcBef>
+                <a:spcPts val="1200"/>
+              </a:spcBef>
+              <a:spcAft>
+                <a:spcPts val="1200"/>
+              </a:spcAft>
+              <a:buNone/>
+            </a:pPr>
+            <a:r>
+              <a:rPr lang="en-GB"/>
+              <a:t>Using Aberdare Range as our Case Study, Aberdare Range has undergone multiple cases of </a:t>
             </a:r>
             <a:r>
-              <a:rPr lang="en-GB" dirty="0" smtClean="0"/>
-              <a:t>region and </a:t>
+              <a:rPr lang="en-GB"/>
+              <a:t>fire outbreaks dated in the year 2013, 2019 and recently at 7th February 2022. These are heavily caused by illegal human activities e.g. Charcoal Burning and Honey harvesting which result in adverse climate change, Irregular seasonal rainfall patterns, and endangerment of forest species.</a:t>
             </a:r>
-            <a:r>
-              <a:rPr lang="en-GB" dirty="0"/>
-              <a:t>the Aberdare Range.</a:t>
-            </a:r>
-            <a:endParaRPr dirty="0"/>
-          </a:p>
-          <a:p>
-            <a:pPr marL="0" lvl="0" indent="0" algn="l" rtl="0">
-              <a:spcBef>
-                <a:spcPts val="1200"/>
-              </a:spcBef>
-              <a:spcAft>
-                <a:spcPts val="1200"/>
-              </a:spcAft>
-              <a:buNone/>
-            </a:pPr>
-            <a:r>
-              <a:rPr lang="en-GB" dirty="0"/>
-              <a:t>Using Aberdare Range as our Case Study, Aberdare Range has undergone multiple cases of fire outbreaks dated in the year 2013, 2019 and recently at 7th February 2022. These are heavily caused by illegal human activities e.g. Charcoal Burning and Honey harvesting which result in adverse climate change, irregular seasonal rainfall patterns, and endangerment of forest species.</a:t>
-            </a:r>
-            <a:endParaRPr dirty="0"/>
+            <a:endParaRPr/>
           </a:p>
         </p:txBody>
       </p:sp>
@@ -7634,22 +7476,15 @@
   <p:clrMapOvr>
     <a:masterClrMapping/>
   </p:clrMapOvr>
-  <p:timing>
-    <p:tnLst>
-      <p:par>
-        <p:cTn id="1" dur="indefinite" restart="never" nodeType="tmRoot"/>
-      </p:par>
-    </p:tnLst>
-  </p:timing>
 </p:sld>
 </file>
 
 <file path=ppt/slides/slide3.xml><?xml version="1.0" encoding="utf-8"?>
-<p:sld xmlns:a="http://schemas.openxmlformats.org/drawingml/2006/main" xmlns:r="http://schemas.openxmlformats.org/officeDocument/2006/relationships" xmlns:p="http://schemas.openxmlformats.org/presentationml/2006/main">
+<p:sld xmlns:a="http://schemas.openxmlformats.org/drawingml/2006/main" xmlns:r="http://schemas.openxmlformats.org/officeDocument/2006/relationships" xmlns:mc="http://schemas.openxmlformats.org/markup-compatibility/2006" xmlns:mv="urn:schemas-microsoft-com:mac:vml" xmlns:p="http://schemas.openxmlformats.org/presentationml/2006/main" xmlns:c="http://schemas.openxmlformats.org/drawingml/2006/chart" xmlns:dgm="http://schemas.openxmlformats.org/drawingml/2006/diagram" xmlns:o="urn:schemas-microsoft-com:office:office" xmlns:v="urn:schemas-microsoft-com:vml" xmlns:pvml="urn:schemas-microsoft-com:office:powerpoint" xmlns:com="http://schemas.openxmlformats.org/drawingml/2006/compatibility" xmlns:p14="http://schemas.microsoft.com/office/powerpoint/2010/main" xmlns:p15="http://schemas.microsoft.com/office/powerpoint/2012/main" xmlns:ahyp="http://schemas.microsoft.com/office/drawing/2018/hyperlinkcolor">
   <p:cSld>
     <p:spTree>
       <p:nvGrpSpPr>
-        <p:cNvPr id="1" name="Shape 74"/>
+        <p:cNvPr id="74" name="Shape 74"/>
         <p:cNvGrpSpPr/>
         <p:nvPr/>
       </p:nvGrpSpPr>
@@ -7670,7 +7505,7 @@
         <p:spPr>
           <a:xfrm>
             <a:off x="472150" y="572625"/>
-            <a:ext cx="8197500" cy="2403705"/>
+            <a:ext cx="8197500" cy="2208900"/>
           </a:xfrm>
           <a:prstGeom prst="rect">
             <a:avLst/>
@@ -7681,12 +7516,12 @@
           </a:ln>
         </p:spPr>
         <p:txBody>
-          <a:bodyPr spcFirstLastPara="1" wrap="square" lIns="91425" tIns="91425" rIns="91425" bIns="91425" anchor="t" anchorCtr="0">
+          <a:bodyPr anchorCtr="0" anchor="t" bIns="91425" lIns="91425" spcFirstLastPara="1" rIns="91425" wrap="square" tIns="91425">
             <a:spAutoFit/>
           </a:bodyPr>
           <a:lstStyle/>
           <a:p>
-            <a:pPr marL="0" lvl="0" indent="0" algn="l" rtl="0">
+            <a:pPr indent="0" lvl="0" marL="0" rtl="0" algn="l">
               <a:lnSpc>
                 <a:spcPct val="115000"/>
               </a:lnSpc>
@@ -7704,7 +7539,7 @@
               <a:buNone/>
             </a:pPr>
             <a:r>
-              <a:rPr lang="en-GB" sz="1800" dirty="0">
+              <a:rPr lang="en-GB" sz="1800">
                 <a:solidFill>
                   <a:schemeClr val="dk1"/>
                 </a:solidFill>
@@ -7713,9 +7548,9 @@
                 <a:cs typeface="Open Sans"/>
                 <a:sym typeface="Open Sans"/>
               </a:rPr>
-              <a:t>As a team, our objective is to create an efficient system which detects a fire outbreak incident at a micro-scale, and allows us to anticipate possible fire outbreaks and perform the necessary counteraction as soon as possible.</a:t>
+              <a:t>As a team, our objective is to create an efficient system which detects a fire outbreak incident at a micro-scale, and allows us to work hand-in-hand with the Kenya Forest Service to anticipate possible fire outbreaks and perform the necessary counteraction as soon as possible.</a:t>
             </a:r>
-            <a:endParaRPr sz="1800" dirty="0">
+            <a:endParaRPr sz="1800">
               <a:solidFill>
                 <a:schemeClr val="dk1"/>
               </a:solidFill>
@@ -7726,7 +7561,7 @@
             </a:endParaRPr>
           </a:p>
           <a:p>
-            <a:pPr marL="0" lvl="0" indent="0" algn="l" rtl="0">
+            <a:pPr indent="0" lvl="0" marL="0" rtl="0" algn="l">
               <a:lnSpc>
                 <a:spcPct val="115000"/>
               </a:lnSpc>
@@ -7744,7 +7579,7 @@
               <a:buNone/>
             </a:pPr>
             <a:r>
-              <a:rPr lang="en-GB" sz="1800" dirty="0">
+              <a:rPr lang="en-GB" sz="1800">
                 <a:solidFill>
                   <a:schemeClr val="dk1"/>
                 </a:solidFill>
@@ -7753,21 +7588,9 @@
                 <a:cs typeface="Open Sans"/>
                 <a:sym typeface="Open Sans"/>
               </a:rPr>
-              <a:t>This is intended to protect our main water towers, the habitat for our various species, and rejuvenate our seasonal rainfall </a:t>
+              <a:t>This is intended to protect our main water towers, the habitat for our various species, and rejuvenate our seasonal rainfall patterns.</a:t>
             </a:r>
-            <a:r>
-              <a:rPr lang="en-GB" sz="1800" dirty="0" smtClean="0">
-                <a:solidFill>
-                  <a:schemeClr val="dk1"/>
-                </a:solidFill>
-                <a:latin typeface="Open Sans"/>
-                <a:ea typeface="Open Sans"/>
-                <a:cs typeface="Open Sans"/>
-                <a:sym typeface="Open Sans"/>
-              </a:rPr>
-              <a:t>patterns; hence fulfilling the SDG’s number 13 and 15 ( climate action and life on land respectively).</a:t>
-            </a:r>
-            <a:endParaRPr sz="1800" dirty="0">
+            <a:endParaRPr sz="1800">
               <a:solidFill>
                 <a:schemeClr val="dk1"/>
               </a:solidFill>
@@ -7840,22 +7663,15 @@
   <p:clrMapOvr>
     <a:masterClrMapping/>
   </p:clrMapOvr>
-  <p:timing>
-    <p:tnLst>
-      <p:par>
-        <p:cTn id="1" dur="indefinite" restart="never" nodeType="tmRoot"/>
-      </p:par>
-    </p:tnLst>
-  </p:timing>
 </p:sld>
 </file>
 
 <file path=ppt/slides/slide4.xml><?xml version="1.0" encoding="utf-8"?>
-<p:sld xmlns:a="http://schemas.openxmlformats.org/drawingml/2006/main" xmlns:r="http://schemas.openxmlformats.org/officeDocument/2006/relationships" xmlns:p="http://schemas.openxmlformats.org/presentationml/2006/main">
+<p:sld xmlns:a="http://schemas.openxmlformats.org/drawingml/2006/main" xmlns:r="http://schemas.openxmlformats.org/officeDocument/2006/relationships" xmlns:mc="http://schemas.openxmlformats.org/markup-compatibility/2006" xmlns:mv="urn:schemas-microsoft-com:mac:vml" xmlns:p="http://schemas.openxmlformats.org/presentationml/2006/main" xmlns:c="http://schemas.openxmlformats.org/drawingml/2006/chart" xmlns:dgm="http://schemas.openxmlformats.org/drawingml/2006/diagram" xmlns:o="urn:schemas-microsoft-com:office:office" xmlns:v="urn:schemas-microsoft-com:vml" xmlns:pvml="urn:schemas-microsoft-com:office:powerpoint" xmlns:com="http://schemas.openxmlformats.org/drawingml/2006/compatibility" xmlns:p14="http://schemas.microsoft.com/office/powerpoint/2010/main" xmlns:p15="http://schemas.microsoft.com/office/powerpoint/2012/main" xmlns:ahyp="http://schemas.microsoft.com/office/drawing/2018/hyperlinkcolor">
   <p:cSld>
     <p:spTree>
       <p:nvGrpSpPr>
-        <p:cNvPr id="1" name="Shape 81"/>
+        <p:cNvPr id="81" name="Shape 81"/>
         <p:cNvGrpSpPr/>
         <p:nvPr/>
       </p:nvGrpSpPr>
@@ -7915,12 +7731,12 @@
           </a:ln>
         </p:spPr>
         <p:txBody>
-          <a:bodyPr spcFirstLastPara="1" wrap="square" lIns="91425" tIns="91425" rIns="91425" bIns="91425" anchor="t" anchorCtr="0">
+          <a:bodyPr anchorCtr="0" anchor="t" bIns="91425" lIns="91425" spcFirstLastPara="1" rIns="91425" wrap="square" tIns="91425">
             <a:spAutoFit/>
           </a:bodyPr>
           <a:lstStyle/>
           <a:p>
-            <a:pPr marL="0" lvl="0" indent="0" algn="l" rtl="0">
+            <a:pPr indent="0" lvl="0" marL="0" rtl="0" algn="l">
               <a:spcBef>
                 <a:spcPts val="0"/>
               </a:spcBef>
@@ -7930,7 +7746,7 @@
               <a:buNone/>
             </a:pPr>
             <a:r>
-              <a:rPr lang="en-GB" b="1">
+              <a:rPr b="1" lang="en-GB">
                 <a:latin typeface="Open Sans"/>
                 <a:ea typeface="Open Sans"/>
                 <a:cs typeface="Open Sans"/>
@@ -7952,22 +7768,15 @@
   <p:clrMapOvr>
     <a:masterClrMapping/>
   </p:clrMapOvr>
-  <p:timing>
-    <p:tnLst>
-      <p:par>
-        <p:cTn id="1" dur="indefinite" restart="never" nodeType="tmRoot"/>
-      </p:par>
-    </p:tnLst>
-  </p:timing>
 </p:sld>
 </file>
 
 <file path=ppt/slides/slide5.xml><?xml version="1.0" encoding="utf-8"?>
-<p:sld xmlns:a="http://schemas.openxmlformats.org/drawingml/2006/main" xmlns:r="http://schemas.openxmlformats.org/officeDocument/2006/relationships" xmlns:p="http://schemas.openxmlformats.org/presentationml/2006/main">
+<p:sld xmlns:a="http://schemas.openxmlformats.org/drawingml/2006/main" xmlns:r="http://schemas.openxmlformats.org/officeDocument/2006/relationships" xmlns:mc="http://schemas.openxmlformats.org/markup-compatibility/2006" xmlns:mv="urn:schemas-microsoft-com:mac:vml" xmlns:p="http://schemas.openxmlformats.org/presentationml/2006/main" xmlns:c="http://schemas.openxmlformats.org/drawingml/2006/chart" xmlns:dgm="http://schemas.openxmlformats.org/drawingml/2006/diagram" xmlns:o="urn:schemas-microsoft-com:office:office" xmlns:v="urn:schemas-microsoft-com:vml" xmlns:pvml="urn:schemas-microsoft-com:office:powerpoint" xmlns:com="http://schemas.openxmlformats.org/drawingml/2006/compatibility" xmlns:p14="http://schemas.microsoft.com/office/powerpoint/2010/main" xmlns:p15="http://schemas.microsoft.com/office/powerpoint/2012/main" xmlns:ahyp="http://schemas.microsoft.com/office/drawing/2018/hyperlinkcolor">
   <p:cSld>
     <p:spTree>
       <p:nvGrpSpPr>
-        <p:cNvPr id="1" name="Shape 87"/>
+        <p:cNvPr id="87" name="Shape 87"/>
         <p:cNvGrpSpPr/>
         <p:nvPr/>
       </p:nvGrpSpPr>
@@ -7982,9 +7791,7 @@
       <p:sp>
         <p:nvSpPr>
           <p:cNvPr id="88" name="Google Shape;88;p17"/>
-          <p:cNvSpPr txBox="1">
-            <a:spLocks noGrp="1"/>
-          </p:cNvSpPr>
+          <p:cNvSpPr txBox="1"/>
           <p:nvPr>
             <p:ph type="title"/>
           </p:nvPr>
@@ -7999,12 +7806,12 @@
           </a:prstGeom>
         </p:spPr>
         <p:txBody>
-          <a:bodyPr spcFirstLastPara="1" wrap="square" lIns="91425" tIns="91425" rIns="91425" bIns="91425" anchor="ctr" anchorCtr="0">
+          <a:bodyPr anchorCtr="0" anchor="ctr" bIns="91425" lIns="91425" spcFirstLastPara="1" rIns="91425" wrap="square" tIns="91425">
             <a:normAutofit/>
           </a:bodyPr>
           <a:lstStyle/>
           <a:p>
-            <a:pPr marL="0" lvl="0" indent="0" algn="ctr" rtl="0">
+            <a:pPr indent="0" lvl="0" marL="0" rtl="0" algn="ctr">
               <a:spcBef>
                 <a:spcPts val="0"/>
               </a:spcBef>
@@ -8026,22 +7833,15 @@
   <p:clrMapOvr>
     <a:masterClrMapping/>
   </p:clrMapOvr>
-  <p:timing>
-    <p:tnLst>
-      <p:par>
-        <p:cTn id="1" dur="indefinite" restart="never" nodeType="tmRoot"/>
-      </p:par>
-    </p:tnLst>
-  </p:timing>
 </p:sld>
 </file>
 
 <file path=ppt/slides/slide6.xml><?xml version="1.0" encoding="utf-8"?>
-<p:sld xmlns:a="http://schemas.openxmlformats.org/drawingml/2006/main" xmlns:r="http://schemas.openxmlformats.org/officeDocument/2006/relationships" xmlns:p="http://schemas.openxmlformats.org/presentationml/2006/main">
+<p:sld xmlns:a="http://schemas.openxmlformats.org/drawingml/2006/main" xmlns:r="http://schemas.openxmlformats.org/officeDocument/2006/relationships" xmlns:mc="http://schemas.openxmlformats.org/markup-compatibility/2006" xmlns:mv="urn:schemas-microsoft-com:mac:vml" xmlns:p="http://schemas.openxmlformats.org/presentationml/2006/main" xmlns:c="http://schemas.openxmlformats.org/drawingml/2006/chart" xmlns:dgm="http://schemas.openxmlformats.org/drawingml/2006/diagram" xmlns:o="urn:schemas-microsoft-com:office:office" xmlns:v="urn:schemas-microsoft-com:vml" xmlns:pvml="urn:schemas-microsoft-com:office:powerpoint" xmlns:com="http://schemas.openxmlformats.org/drawingml/2006/compatibility" xmlns:p14="http://schemas.microsoft.com/office/powerpoint/2010/main" xmlns:p15="http://schemas.microsoft.com/office/powerpoint/2012/main" xmlns:ahyp="http://schemas.microsoft.com/office/drawing/2018/hyperlinkcolor">
   <p:cSld>
     <p:spTree>
       <p:nvGrpSpPr>
-        <p:cNvPr id="1" name="Shape 92"/>
+        <p:cNvPr id="92" name="Shape 92"/>
         <p:cNvGrpSpPr/>
         <p:nvPr/>
       </p:nvGrpSpPr>
@@ -8056,9 +7856,7 @@
       <p:sp>
         <p:nvSpPr>
           <p:cNvPr id="93" name="Google Shape;93;p18"/>
-          <p:cNvSpPr txBox="1">
-            <a:spLocks noGrp="1"/>
-          </p:cNvSpPr>
+          <p:cNvSpPr txBox="1"/>
           <p:nvPr>
             <p:ph type="title"/>
           </p:nvPr>
@@ -8073,12 +7871,12 @@
           </a:prstGeom>
         </p:spPr>
         <p:txBody>
-          <a:bodyPr spcFirstLastPara="1" wrap="square" lIns="91425" tIns="91425" rIns="91425" bIns="91425" anchor="b" anchorCtr="0">
+          <a:bodyPr anchorCtr="0" anchor="b" bIns="91425" lIns="91425" spcFirstLastPara="1" rIns="91425" wrap="square" tIns="91425">
             <a:normAutofit fontScale="90000"/>
           </a:bodyPr>
           <a:lstStyle/>
           <a:p>
-            <a:pPr marL="0" lvl="0" indent="0" algn="l" rtl="0">
+            <a:pPr indent="0" lvl="0" marL="0" rtl="0" algn="l">
               <a:spcBef>
                 <a:spcPts val="0"/>
               </a:spcBef>
@@ -8098,11 +7896,9 @@
       <p:sp>
         <p:nvSpPr>
           <p:cNvPr id="94" name="Google Shape;94;p18"/>
-          <p:cNvSpPr txBox="1">
-            <a:spLocks noGrp="1"/>
-          </p:cNvSpPr>
+          <p:cNvSpPr txBox="1"/>
           <p:nvPr>
-            <p:ph type="body" idx="1"/>
+            <p:ph idx="1" type="body"/>
           </p:nvPr>
         </p:nvSpPr>
         <p:spPr>
@@ -8115,12 +7911,12 @@
           </a:prstGeom>
         </p:spPr>
         <p:txBody>
-          <a:bodyPr spcFirstLastPara="1" wrap="square" lIns="91425" tIns="91425" rIns="91425" bIns="91425" anchor="t" anchorCtr="0">
+          <a:bodyPr anchorCtr="0" anchor="t" bIns="91425" lIns="91425" spcFirstLastPara="1" rIns="91425" wrap="square" tIns="91425">
             <a:noAutofit/>
           </a:bodyPr>
           <a:lstStyle/>
           <a:p>
-            <a:pPr marL="0" lvl="0" indent="0" algn="l" rtl="0">
+            <a:pPr indent="0" lvl="0" marL="0" rtl="0" algn="l">
               <a:lnSpc>
                 <a:spcPct val="95000"/>
               </a:lnSpc>
@@ -8135,12 +7931,12 @@
             </a:pPr>
             <a:r>
               <a:rPr lang="en-GB"/>
-              <a:t>-As engineers, we are set to find a solution to this problem by creating a device that will detect smoke within a forested area and alert the authorities and firefighting personnel to stop it before it goes out of control.</a:t>
+              <a:t>-As engineers we set to find a solution to this problem by creating a device that will prevent forest fires by detecting smoke within a forested area and alerting the authority and firefighting personnel for them to stop it before it goes out of control.</a:t>
             </a:r>
             <a:endParaRPr/>
           </a:p>
           <a:p>
-            <a:pPr marL="0" lvl="0" indent="0" algn="l" rtl="0">
+            <a:pPr indent="0" lvl="0" marL="0" rtl="0" algn="l">
               <a:lnSpc>
                 <a:spcPct val="95000"/>
               </a:lnSpc>
@@ -8155,12 +7951,16 @@
             </a:pPr>
             <a:r>
               <a:rPr lang="en-GB"/>
-              <a:t>-This device’s prototype will use an Arduino Nano as its microcontroller. The sensors that will be used include a MQ-2 Gas Sensor Module to detect/sense smoke present in the air and a MQ-135 Gas Sensor for detecting harmful gases like sulfur, benzene that will indicate a forest fire is occurring.</a:t>
+              <a:t>-</a:t>
+            </a:r>
+            <a:r>
+              <a:rPr lang="en-GB"/>
+              <a:t>This device’s prototype will use an Arduino Nano as its microcontroller.The sensors that will be used include a MQ-2 Gas Sensor Module to detect/sense smoke present in the air and MQ-135 Gas sensor for detecting harmful gases like sulfur, benzene that will indicate a forest fire occurring.</a:t>
             </a:r>
             <a:endParaRPr/>
           </a:p>
           <a:p>
-            <a:pPr marL="0" lvl="0" indent="0" algn="l" rtl="0">
+            <a:pPr indent="0" lvl="0" marL="0" rtl="0" algn="l">
               <a:lnSpc>
                 <a:spcPct val="95000"/>
               </a:lnSpc>
@@ -8173,6 +7973,9 @@
               <a:buSzPts val="1018"/>
               <a:buNone/>
             </a:pPr>
+            <a:r>
+              <a:t/>
+            </a:r>
             <a:endParaRPr/>
           </a:p>
         </p:txBody>
@@ -8182,22 +7985,15 @@
   <p:clrMapOvr>
     <a:masterClrMapping/>
   </p:clrMapOvr>
-  <p:timing>
-    <p:tnLst>
-      <p:par>
-        <p:cTn id="1" dur="indefinite" restart="never" nodeType="tmRoot"/>
-      </p:par>
-    </p:tnLst>
-  </p:timing>
 </p:sld>
 </file>
 
 <file path=ppt/slides/slide7.xml><?xml version="1.0" encoding="utf-8"?>
-<p:sld xmlns:a="http://schemas.openxmlformats.org/drawingml/2006/main" xmlns:r="http://schemas.openxmlformats.org/officeDocument/2006/relationships" xmlns:p="http://schemas.openxmlformats.org/presentationml/2006/main">
+<p:sld xmlns:a="http://schemas.openxmlformats.org/drawingml/2006/main" xmlns:r="http://schemas.openxmlformats.org/officeDocument/2006/relationships" xmlns:mc="http://schemas.openxmlformats.org/markup-compatibility/2006" xmlns:mv="urn:schemas-microsoft-com:mac:vml" xmlns:p="http://schemas.openxmlformats.org/presentationml/2006/main" xmlns:c="http://schemas.openxmlformats.org/drawingml/2006/chart" xmlns:dgm="http://schemas.openxmlformats.org/drawingml/2006/diagram" xmlns:o="urn:schemas-microsoft-com:office:office" xmlns:v="urn:schemas-microsoft-com:vml" xmlns:pvml="urn:schemas-microsoft-com:office:powerpoint" xmlns:com="http://schemas.openxmlformats.org/drawingml/2006/compatibility" xmlns:p14="http://schemas.microsoft.com/office/powerpoint/2010/main" xmlns:p15="http://schemas.microsoft.com/office/powerpoint/2012/main" xmlns:ahyp="http://schemas.microsoft.com/office/drawing/2018/hyperlinkcolor">
   <p:cSld>
     <p:spTree>
       <p:nvGrpSpPr>
-        <p:cNvPr id="1" name="Shape 98"/>
+        <p:cNvPr id="98" name="Shape 98"/>
         <p:cNvGrpSpPr/>
         <p:nvPr/>
       </p:nvGrpSpPr>
@@ -8229,12 +8025,12 @@
           </a:ln>
         </p:spPr>
         <p:txBody>
-          <a:bodyPr spcFirstLastPara="1" wrap="square" lIns="91425" tIns="91425" rIns="91425" bIns="91425" anchor="t" anchorCtr="0">
+          <a:bodyPr anchorCtr="0" anchor="t" bIns="91425" lIns="91425" spcFirstLastPara="1" rIns="91425" wrap="square" tIns="91425">
             <a:spAutoFit/>
           </a:bodyPr>
           <a:lstStyle/>
           <a:p>
-            <a:pPr marL="0" lvl="0" indent="0" algn="l" rtl="0">
+            <a:pPr indent="0" lvl="0" marL="0" rtl="0" algn="l">
               <a:lnSpc>
                 <a:spcPct val="95000"/>
               </a:lnSpc>
@@ -8269,7 +8065,7 @@
             </a:endParaRPr>
           </a:p>
           <a:p>
-            <a:pPr marL="0" lvl="0" indent="0" algn="l" rtl="0">
+            <a:pPr indent="0" lvl="0" marL="0" rtl="0" algn="l">
               <a:lnSpc>
                 <a:spcPct val="95000"/>
               </a:lnSpc>
@@ -8302,22 +8098,15 @@
   <p:clrMapOvr>
     <a:masterClrMapping/>
   </p:clrMapOvr>
-  <p:timing>
-    <p:tnLst>
-      <p:par>
-        <p:cTn id="1" dur="indefinite" restart="never" nodeType="tmRoot"/>
-      </p:par>
-    </p:tnLst>
-  </p:timing>
 </p:sld>
 </file>
 
 <file path=ppt/slides/slide8.xml><?xml version="1.0" encoding="utf-8"?>
-<p:sld xmlns:a="http://schemas.openxmlformats.org/drawingml/2006/main" xmlns:r="http://schemas.openxmlformats.org/officeDocument/2006/relationships" xmlns:p="http://schemas.openxmlformats.org/presentationml/2006/main">
+<p:sld xmlns:a="http://schemas.openxmlformats.org/drawingml/2006/main" xmlns:r="http://schemas.openxmlformats.org/officeDocument/2006/relationships" xmlns:mc="http://schemas.openxmlformats.org/markup-compatibility/2006" xmlns:mv="urn:schemas-microsoft-com:mac:vml" xmlns:p="http://schemas.openxmlformats.org/presentationml/2006/main" xmlns:c="http://schemas.openxmlformats.org/drawingml/2006/chart" xmlns:dgm="http://schemas.openxmlformats.org/drawingml/2006/diagram" xmlns:o="urn:schemas-microsoft-com:office:office" xmlns:v="urn:schemas-microsoft-com:vml" xmlns:pvml="urn:schemas-microsoft-com:office:powerpoint" xmlns:com="http://schemas.openxmlformats.org/drawingml/2006/compatibility" xmlns:p14="http://schemas.microsoft.com/office/powerpoint/2010/main" xmlns:p15="http://schemas.microsoft.com/office/powerpoint/2012/main" xmlns:ahyp="http://schemas.microsoft.com/office/drawing/2018/hyperlinkcolor">
   <p:cSld>
     <p:spTree>
       <p:nvGrpSpPr>
-        <p:cNvPr id="1" name="Shape 103"/>
+        <p:cNvPr id="103" name="Shape 103"/>
         <p:cNvGrpSpPr/>
         <p:nvPr/>
       </p:nvGrpSpPr>
@@ -8332,9 +8121,7 @@
       <p:sp>
         <p:nvSpPr>
           <p:cNvPr id="104" name="Google Shape;104;p20"/>
-          <p:cNvSpPr txBox="1">
-            <a:spLocks noGrp="1"/>
-          </p:cNvSpPr>
+          <p:cNvSpPr txBox="1"/>
           <p:nvPr>
             <p:ph type="title"/>
           </p:nvPr>
@@ -8349,12 +8136,12 @@
           </a:prstGeom>
         </p:spPr>
         <p:txBody>
-          <a:bodyPr spcFirstLastPara="1" wrap="square" lIns="91425" tIns="91425" rIns="91425" bIns="91425" anchor="b" anchorCtr="0">
+          <a:bodyPr anchorCtr="0" anchor="b" bIns="91425" lIns="91425" spcFirstLastPara="1" rIns="91425" wrap="square" tIns="91425">
             <a:normAutofit/>
           </a:bodyPr>
           <a:lstStyle/>
           <a:p>
-            <a:pPr marL="0" lvl="0" indent="0" algn="l" rtl="0">
+            <a:pPr indent="0" lvl="0" marL="0" rtl="0" algn="l">
               <a:spcBef>
                 <a:spcPts val="0"/>
               </a:spcBef>
@@ -8419,12 +8206,12 @@
           </a:ln>
         </p:spPr>
         <p:txBody>
-          <a:bodyPr spcFirstLastPara="1" wrap="square" lIns="91425" tIns="91425" rIns="91425" bIns="91425" anchor="t" anchorCtr="0">
+          <a:bodyPr anchorCtr="0" anchor="t" bIns="91425" lIns="91425" spcFirstLastPara="1" rIns="91425" wrap="square" tIns="91425">
             <a:spAutoFit/>
           </a:bodyPr>
           <a:lstStyle/>
           <a:p>
-            <a:pPr marL="0" lvl="0" indent="0" algn="l" rtl="0">
+            <a:pPr indent="0" lvl="0" marL="0" rtl="0" algn="l">
               <a:spcBef>
                 <a:spcPts val="0"/>
               </a:spcBef>
@@ -8456,22 +8243,15 @@
   <p:clrMapOvr>
     <a:masterClrMapping/>
   </p:clrMapOvr>
-  <p:timing>
-    <p:tnLst>
-      <p:par>
-        <p:cTn id="1" dur="indefinite" restart="never" nodeType="tmRoot"/>
-      </p:par>
-    </p:tnLst>
-  </p:timing>
 </p:sld>
 </file>
 
 <file path=ppt/slides/slide9.xml><?xml version="1.0" encoding="utf-8"?>
-<p:sld xmlns:a="http://schemas.openxmlformats.org/drawingml/2006/main" xmlns:r="http://schemas.openxmlformats.org/officeDocument/2006/relationships" xmlns:p="http://schemas.openxmlformats.org/presentationml/2006/main">
+<p:sld xmlns:a="http://schemas.openxmlformats.org/drawingml/2006/main" xmlns:r="http://schemas.openxmlformats.org/officeDocument/2006/relationships" xmlns:mc="http://schemas.openxmlformats.org/markup-compatibility/2006" xmlns:mv="urn:schemas-microsoft-com:mac:vml" xmlns:p="http://schemas.openxmlformats.org/presentationml/2006/main" xmlns:c="http://schemas.openxmlformats.org/drawingml/2006/chart" xmlns:dgm="http://schemas.openxmlformats.org/drawingml/2006/diagram" xmlns:o="urn:schemas-microsoft-com:office:office" xmlns:v="urn:schemas-microsoft-com:vml" xmlns:pvml="urn:schemas-microsoft-com:office:powerpoint" xmlns:com="http://schemas.openxmlformats.org/drawingml/2006/compatibility" xmlns:p14="http://schemas.microsoft.com/office/powerpoint/2010/main" xmlns:p15="http://schemas.microsoft.com/office/powerpoint/2012/main" xmlns:ahyp="http://schemas.microsoft.com/office/drawing/2018/hyperlinkcolor">
   <p:cSld>
     <p:spTree>
       <p:nvGrpSpPr>
-        <p:cNvPr id="1" name="Shape 110"/>
+        <p:cNvPr id="110" name="Shape 110"/>
         <p:cNvGrpSpPr/>
         <p:nvPr/>
       </p:nvGrpSpPr>
@@ -8503,12 +8283,12 @@
           </a:ln>
         </p:spPr>
         <p:txBody>
-          <a:bodyPr spcFirstLastPara="1" wrap="square" lIns="91425" tIns="91425" rIns="91425" bIns="91425" anchor="t" anchorCtr="0">
+          <a:bodyPr anchorCtr="0" anchor="t" bIns="91425" lIns="91425" spcFirstLastPara="1" rIns="91425" wrap="square" tIns="91425">
             <a:spAutoFit/>
           </a:bodyPr>
           <a:lstStyle/>
           <a:p>
-            <a:pPr marL="0" lvl="0" indent="0" algn="l" rtl="0">
+            <a:pPr indent="0" lvl="0" marL="0" rtl="0" algn="l">
               <a:spcBef>
                 <a:spcPts val="0"/>
               </a:spcBef>
@@ -8591,387 +8371,295 @@
           </a:ln>
         </p:spPr>
       </p:pic>
-      <p:cxnSp>
-        <p:nvCxnSpPr>
-          <p:cNvPr id="114" name="Google Shape;114;p21"/>
-          <p:cNvCxnSpPr/>
-          <p:nvPr/>
-        </p:nvCxnSpPr>
-        <p:spPr>
-          <a:xfrm>
-            <a:off x="1302000" y="1302000"/>
-            <a:ext cx="1237500" cy="1237500"/>
-          </a:xfrm>
-          <a:prstGeom prst="straightConnector1">
-            <a:avLst/>
-          </a:prstGeom>
-          <a:noFill/>
-          <a:ln w="9525" cap="flat" cmpd="sng">
-            <a:solidFill>
-              <a:schemeClr val="dk2"/>
-            </a:solidFill>
-            <a:prstDash val="solid"/>
-            <a:round/>
-            <a:headEnd type="none" w="med" len="med"/>
-            <a:tailEnd type="none" w="med" len="med"/>
-          </a:ln>
-        </p:spPr>
-      </p:cxnSp>
-      <p:cxnSp>
-        <p:nvCxnSpPr>
-          <p:cNvPr id="115" name="Google Shape;115;p21"/>
-          <p:cNvCxnSpPr/>
-          <p:nvPr/>
-        </p:nvCxnSpPr>
-        <p:spPr>
-          <a:xfrm flipH="1">
-            <a:off x="1315000" y="1185975"/>
-            <a:ext cx="1533900" cy="102900"/>
-          </a:xfrm>
-          <a:prstGeom prst="straightConnector1">
-            <a:avLst/>
-          </a:prstGeom>
-          <a:noFill/>
-          <a:ln w="9525" cap="flat" cmpd="sng">
-            <a:solidFill>
-              <a:schemeClr val="dk2"/>
-            </a:solidFill>
-            <a:prstDash val="solid"/>
-            <a:round/>
-            <a:headEnd type="none" w="med" len="med"/>
-            <a:tailEnd type="triangle" w="med" len="med"/>
-          </a:ln>
-        </p:spPr>
-      </p:cxnSp>
-      <p:cxnSp>
-        <p:nvCxnSpPr>
-          <p:cNvPr id="116" name="Google Shape;116;p21"/>
-          <p:cNvCxnSpPr/>
-          <p:nvPr/>
-        </p:nvCxnSpPr>
-        <p:spPr>
-          <a:xfrm rot="10800000">
-            <a:off x="1160200" y="2049675"/>
-            <a:ext cx="116100" cy="708900"/>
-          </a:xfrm>
-          <a:prstGeom prst="straightConnector1">
-            <a:avLst/>
-          </a:prstGeom>
-          <a:noFill/>
-          <a:ln w="9525" cap="flat" cmpd="sng">
-            <a:solidFill>
-              <a:schemeClr val="dk2"/>
-            </a:solidFill>
-            <a:prstDash val="solid"/>
-            <a:round/>
-            <a:headEnd type="none" w="med" len="med"/>
-            <a:tailEnd type="triangle" w="med" len="med"/>
-          </a:ln>
-        </p:spPr>
-      </p:cxnSp>
-      <p:cxnSp>
-        <p:nvCxnSpPr>
-          <p:cNvPr id="117" name="Google Shape;117;p21"/>
-          <p:cNvCxnSpPr/>
-          <p:nvPr/>
-        </p:nvCxnSpPr>
-        <p:spPr>
-          <a:xfrm rot="10800000" flipH="1">
-            <a:off x="2230150" y="2977825"/>
-            <a:ext cx="412500" cy="528600"/>
-          </a:xfrm>
-          <a:prstGeom prst="straightConnector1">
-            <a:avLst/>
-          </a:prstGeom>
-          <a:noFill/>
-          <a:ln w="9525" cap="flat" cmpd="sng">
-            <a:solidFill>
-              <a:schemeClr val="dk2"/>
-            </a:solidFill>
-            <a:prstDash val="solid"/>
-            <a:round/>
-            <a:headEnd type="none" w="med" len="med"/>
-            <a:tailEnd type="triangle" w="med" len="med"/>
-          </a:ln>
-        </p:spPr>
-      </p:cxnSp>
-      <p:sp>
-        <p:nvSpPr>
-          <p:cNvPr id="118" name="Google Shape;118;p21"/>
-          <p:cNvSpPr txBox="1"/>
-          <p:nvPr/>
-        </p:nvSpPr>
-        <p:spPr>
-          <a:xfrm>
-            <a:off x="2887500" y="979700"/>
-            <a:ext cx="966900" cy="400200"/>
-          </a:xfrm>
-          <a:prstGeom prst="rect">
-            <a:avLst/>
-          </a:prstGeom>
-          <a:noFill/>
-          <a:ln>
-            <a:noFill/>
-          </a:ln>
-        </p:spPr>
-        <p:txBody>
-          <a:bodyPr spcFirstLastPara="1" wrap="square" lIns="91425" tIns="91425" rIns="91425" bIns="91425" anchor="t" anchorCtr="0">
-            <a:spAutoFit/>
-          </a:bodyPr>
-          <a:lstStyle/>
-          <a:p>
-            <a:pPr marL="0" lvl="0" indent="0" algn="l" rtl="0">
-              <a:spcBef>
-                <a:spcPts val="0"/>
-              </a:spcBef>
-              <a:spcAft>
-                <a:spcPts val="0"/>
-              </a:spcAft>
-              <a:buNone/>
-            </a:pPr>
-            <a:r>
-              <a:rPr lang="en-GB">
-                <a:latin typeface="Open Sans"/>
-                <a:ea typeface="Open Sans"/>
-                <a:cs typeface="Open Sans"/>
-                <a:sym typeface="Open Sans"/>
-              </a:rPr>
-              <a:t>Antenna</a:t>
-            </a:r>
-            <a:endParaRPr>
-              <a:latin typeface="Open Sans"/>
-              <a:ea typeface="Open Sans"/>
-              <a:cs typeface="Open Sans"/>
-              <a:sym typeface="Open Sans"/>
-            </a:endParaRPr>
-          </a:p>
-        </p:txBody>
-      </p:sp>
-      <p:sp>
-        <p:nvSpPr>
-          <p:cNvPr id="119" name="Google Shape;119;p21"/>
-          <p:cNvSpPr txBox="1"/>
-          <p:nvPr/>
-        </p:nvSpPr>
-        <p:spPr>
-          <a:xfrm>
-            <a:off x="1778950" y="3454775"/>
-            <a:ext cx="1108500" cy="400200"/>
-          </a:xfrm>
-          <a:prstGeom prst="rect">
-            <a:avLst/>
-          </a:prstGeom>
-          <a:noFill/>
-          <a:ln>
-            <a:noFill/>
-          </a:ln>
-        </p:spPr>
-        <p:txBody>
-          <a:bodyPr spcFirstLastPara="1" wrap="square" lIns="91425" tIns="91425" rIns="91425" bIns="91425" anchor="t" anchorCtr="0">
-            <a:spAutoFit/>
-          </a:bodyPr>
-          <a:lstStyle/>
-          <a:p>
-            <a:pPr marL="0" lvl="0" indent="0" algn="l" rtl="0">
-              <a:spcBef>
-                <a:spcPts val="0"/>
-              </a:spcBef>
-              <a:spcAft>
-                <a:spcPts val="0"/>
-              </a:spcAft>
-              <a:buNone/>
-            </a:pPr>
-            <a:r>
-              <a:rPr lang="en-GB">
-                <a:latin typeface="Open Sans"/>
-                <a:ea typeface="Open Sans"/>
-                <a:cs typeface="Open Sans"/>
-                <a:sym typeface="Open Sans"/>
-              </a:rPr>
-              <a:t>Pole</a:t>
-            </a:r>
-            <a:endParaRPr>
-              <a:latin typeface="Open Sans"/>
-              <a:ea typeface="Open Sans"/>
-              <a:cs typeface="Open Sans"/>
-              <a:sym typeface="Open Sans"/>
-            </a:endParaRPr>
-          </a:p>
-        </p:txBody>
-      </p:sp>
-      <p:sp>
-        <p:nvSpPr>
-          <p:cNvPr id="120" name="Google Shape;120;p21"/>
-          <p:cNvSpPr txBox="1"/>
-          <p:nvPr/>
-        </p:nvSpPr>
-        <p:spPr>
-          <a:xfrm>
-            <a:off x="861500" y="2784450"/>
-            <a:ext cx="1533900" cy="400200"/>
-          </a:xfrm>
-          <a:prstGeom prst="rect">
-            <a:avLst/>
-          </a:prstGeom>
-          <a:noFill/>
-          <a:ln>
-            <a:noFill/>
-          </a:ln>
-        </p:spPr>
-        <p:txBody>
-          <a:bodyPr spcFirstLastPara="1" wrap="square" lIns="91425" tIns="91425" rIns="91425" bIns="91425" anchor="t" anchorCtr="0">
-            <a:spAutoFit/>
-          </a:bodyPr>
-          <a:lstStyle/>
-          <a:p>
-            <a:pPr marL="0" lvl="0" indent="0" algn="l" rtl="0">
-              <a:spcBef>
-                <a:spcPts val="0"/>
-              </a:spcBef>
-              <a:spcAft>
-                <a:spcPts val="0"/>
-              </a:spcAft>
-              <a:buNone/>
-            </a:pPr>
-            <a:r>
-              <a:rPr lang="en-GB">
-                <a:latin typeface="Open Sans"/>
-                <a:ea typeface="Open Sans"/>
-                <a:cs typeface="Open Sans"/>
-                <a:sym typeface="Open Sans"/>
-              </a:rPr>
-              <a:t>Case/housing</a:t>
-            </a:r>
-            <a:endParaRPr>
-              <a:latin typeface="Open Sans"/>
-              <a:ea typeface="Open Sans"/>
-              <a:cs typeface="Open Sans"/>
-              <a:sym typeface="Open Sans"/>
-            </a:endParaRPr>
-          </a:p>
-        </p:txBody>
-      </p:sp>
-      <p:cxnSp>
-        <p:nvCxnSpPr>
-          <p:cNvPr id="121" name="Google Shape;121;p21"/>
-          <p:cNvCxnSpPr/>
-          <p:nvPr/>
-        </p:nvCxnSpPr>
-        <p:spPr>
-          <a:xfrm rot="10800000">
-            <a:off x="2449275" y="1778950"/>
-            <a:ext cx="593100" cy="386700"/>
-          </a:xfrm>
-          <a:prstGeom prst="straightConnector1">
-            <a:avLst/>
-          </a:prstGeom>
-          <a:noFill/>
-          <a:ln w="9525" cap="flat" cmpd="sng">
-            <a:solidFill>
-              <a:schemeClr val="dk2"/>
-            </a:solidFill>
-            <a:prstDash val="solid"/>
-            <a:round/>
-            <a:headEnd type="none" w="med" len="med"/>
-            <a:tailEnd type="triangle" w="med" len="med"/>
-          </a:ln>
-        </p:spPr>
-      </p:cxnSp>
-      <p:sp>
-        <p:nvSpPr>
-          <p:cNvPr id="122" name="Google Shape;122;p21"/>
-          <p:cNvSpPr txBox="1"/>
-          <p:nvPr/>
-        </p:nvSpPr>
-        <p:spPr>
-          <a:xfrm>
-            <a:off x="3171175" y="2139900"/>
-            <a:ext cx="683100" cy="615600"/>
-          </a:xfrm>
-          <a:prstGeom prst="rect">
-            <a:avLst/>
-          </a:prstGeom>
-          <a:noFill/>
-          <a:ln>
-            <a:noFill/>
-          </a:ln>
-        </p:spPr>
-        <p:txBody>
-          <a:bodyPr spcFirstLastPara="1" wrap="square" lIns="91425" tIns="91425" rIns="91425" bIns="91425" anchor="t" anchorCtr="0">
-            <a:spAutoFit/>
-          </a:bodyPr>
-          <a:lstStyle/>
-          <a:p>
-            <a:pPr marL="0" lvl="0" indent="0" algn="l" rtl="0">
-              <a:spcBef>
-                <a:spcPts val="0"/>
-              </a:spcBef>
-              <a:spcAft>
-                <a:spcPts val="0"/>
-              </a:spcAft>
-              <a:buNone/>
-            </a:pPr>
-            <a:r>
-              <a:rPr lang="en-GB">
-                <a:latin typeface="Open Sans"/>
-                <a:ea typeface="Open Sans"/>
-                <a:cs typeface="Open Sans"/>
-                <a:sym typeface="Open Sans"/>
-              </a:rPr>
-              <a:t>Air</a:t>
-            </a:r>
-            <a:endParaRPr>
-              <a:latin typeface="Open Sans"/>
-              <a:ea typeface="Open Sans"/>
-              <a:cs typeface="Open Sans"/>
-              <a:sym typeface="Open Sans"/>
-            </a:endParaRPr>
-          </a:p>
-          <a:p>
-            <a:pPr marL="0" lvl="0" indent="0" algn="l" rtl="0">
-              <a:spcBef>
-                <a:spcPts val="0"/>
-              </a:spcBef>
-              <a:spcAft>
-                <a:spcPts val="0"/>
-              </a:spcAft>
-              <a:buNone/>
-            </a:pPr>
-            <a:r>
-              <a:rPr lang="en-GB">
-                <a:latin typeface="Open Sans"/>
-                <a:ea typeface="Open Sans"/>
-                <a:cs typeface="Open Sans"/>
-                <a:sym typeface="Open Sans"/>
-              </a:rPr>
-              <a:t>Vents</a:t>
-            </a:r>
-            <a:endParaRPr>
-              <a:latin typeface="Open Sans"/>
-              <a:ea typeface="Open Sans"/>
-              <a:cs typeface="Open Sans"/>
-              <a:sym typeface="Open Sans"/>
-            </a:endParaRPr>
-          </a:p>
-        </p:txBody>
-      </p:sp>
     </p:spTree>
   </p:cSld>
   <p:clrMapOvr>
     <a:masterClrMapping/>
   </p:clrMapOvr>
-  <p:timing>
-    <p:tnLst>
-      <p:par>
-        <p:cTn id="1" dur="indefinite" restart="never" nodeType="tmRoot"/>
-      </p:par>
-    </p:tnLst>
-  </p:timing>
 </p:sld>
 </file>
 
 <file path=ppt/theme/theme1.xml><?xml version="1.0" encoding="utf-8"?>
-<a:theme xmlns:a="http://schemas.openxmlformats.org/drawingml/2006/main" name="Luxe">
+<a:theme xmlns:a="http://schemas.openxmlformats.org/drawingml/2006/main" xmlns:r="http://schemas.openxmlformats.org/officeDocument/2006/relationships">
+  <a:themeElements>
+    <a:clrScheme name="Default">
+      <a:dk1>
+        <a:srgbClr val="000000"/>
+      </a:dk1>
+      <a:lt1>
+        <a:srgbClr val="FFFFFF"/>
+      </a:lt1>
+      <a:dk2>
+        <a:srgbClr val="158158"/>
+      </a:dk2>
+      <a:lt2>
+        <a:srgbClr val="F3F3F3"/>
+      </a:lt2>
+      <a:accent1>
+        <a:srgbClr val="058DC7"/>
+      </a:accent1>
+      <a:accent2>
+        <a:srgbClr val="50B432"/>
+      </a:accent2>
+      <a:accent3>
+        <a:srgbClr val="ED561B"/>
+      </a:accent3>
+      <a:accent4>
+        <a:srgbClr val="EDEF00"/>
+      </a:accent4>
+      <a:accent5>
+        <a:srgbClr val="24CBE5"/>
+      </a:accent5>
+      <a:accent6>
+        <a:srgbClr val="64E572"/>
+      </a:accent6>
+      <a:hlink>
+        <a:srgbClr val="2200CC"/>
+      </a:hlink>
+      <a:folHlink>
+        <a:srgbClr val="551A8B"/>
+      </a:folHlink>
+    </a:clrScheme>
+    <a:fontScheme name="Office">
+      <a:majorFont>
+        <a:latin typeface="Arial"/>
+        <a:ea typeface=""/>
+        <a:cs typeface=""/>
+        <a:font script="Jpan" typeface="ＭＳ Ｐゴシック"/>
+        <a:font script="Hang" typeface="맑은 고딕"/>
+        <a:font script="Hans" typeface="宋体"/>
+        <a:font script="Hant" typeface="新細明體"/>
+        <a:font script="Arab" typeface="Times New Roman"/>
+        <a:font script="Hebr" typeface="Times New Roman"/>
+        <a:font script="Thai" typeface="Angsana New"/>
+        <a:font script="Ethi" typeface="Nyala"/>
+        <a:font script="Beng" typeface="Vrinda"/>
+        <a:font script="Gujr" typeface="Shruti"/>
+        <a:font script="Khmr" typeface="MoolBoran"/>
+        <a:font script="Knda" typeface="Tunga"/>
+        <a:font script="Guru" typeface="Raavi"/>
+        <a:font script="Cans" typeface="Euphemia"/>
+        <a:font script="Cher" typeface="Plantagenet Cherokee"/>
+        <a:font script="Yiii" typeface="Microsoft Yi Baiti"/>
+        <a:font script="Tibt" typeface="Microsoft Himalaya"/>
+        <a:font script="Thaa" typeface="MV Boli"/>
+        <a:font script="Deva" typeface="Mangal"/>
+        <a:font script="Telu" typeface="Gautami"/>
+        <a:font script="Taml" typeface="Latha"/>
+        <a:font script="Syrc" typeface="Estrangelo Edessa"/>
+        <a:font script="Orya" typeface="Kalinga"/>
+        <a:font script="Mlym" typeface="Kartika"/>
+        <a:font script="Laoo" typeface="DokChampa"/>
+        <a:font script="Sinh" typeface="Iskoola Pota"/>
+        <a:font script="Mong" typeface="Mongolian Baiti"/>
+        <a:font script="Viet" typeface="Times New Roman"/>
+        <a:font script="Uigh" typeface="Microsoft Uighur"/>
+        <a:font script="Geor" typeface="Sylfaen"/>
+      </a:majorFont>
+      <a:minorFont>
+        <a:latin typeface="Arial"/>
+        <a:ea typeface=""/>
+        <a:cs typeface=""/>
+        <a:font script="Jpan" typeface="ＭＳ Ｐゴシック"/>
+        <a:font script="Hang" typeface="맑은 고딕"/>
+        <a:font script="Hans" typeface="宋体"/>
+        <a:font script="Hant" typeface="新細明體"/>
+        <a:font script="Arab" typeface="Arial"/>
+        <a:font script="Hebr" typeface="Arial"/>
+        <a:font script="Thai" typeface="Cordia New"/>
+        <a:font script="Ethi" typeface="Nyala"/>
+        <a:font script="Beng" typeface="Vrinda"/>
+        <a:font script="Gujr" typeface="Shruti"/>
+        <a:font script="Khmr" typeface="DaunPenh"/>
+        <a:font script="Knda" typeface="Tunga"/>
+        <a:font script="Guru" typeface="Raavi"/>
+        <a:font script="Cans" typeface="Euphemia"/>
+        <a:font script="Cher" typeface="Plantagenet Cherokee"/>
+        <a:font script="Yiii" typeface="Microsoft Yi Baiti"/>
+        <a:font script="Tibt" typeface="Microsoft Himalaya"/>
+        <a:font script="Thaa" typeface="MV Boli"/>
+        <a:font script="Deva" typeface="Mangal"/>
+        <a:font script="Telu" typeface="Gautami"/>
+        <a:font script="Taml" typeface="Latha"/>
+        <a:font script="Syrc" typeface="Estrangelo Edessa"/>
+        <a:font script="Orya" typeface="Kalinga"/>
+        <a:font script="Mlym" typeface="Kartika"/>
+        <a:font script="Laoo" typeface="DokChampa"/>
+        <a:font script="Sinh" typeface="Iskoola Pota"/>
+        <a:font script="Mong" typeface="Mongolian Baiti"/>
+        <a:font script="Viet" typeface="Arial"/>
+        <a:font script="Uigh" typeface="Microsoft Uighur"/>
+        <a:font script="Geor" typeface="Sylfaen"/>
+      </a:minorFont>
+    </a:fontScheme>
+    <a:fmtScheme name="Office">
+      <a:fillStyleLst>
+        <a:solidFill>
+          <a:schemeClr val="phClr"/>
+        </a:solidFill>
+        <a:gradFill rotWithShape="1">
+          <a:gsLst>
+            <a:gs pos="0">
+              <a:schemeClr val="phClr">
+                <a:tint val="50000"/>
+                <a:satMod val="300000"/>
+              </a:schemeClr>
+            </a:gs>
+            <a:gs pos="35000">
+              <a:schemeClr val="phClr">
+                <a:tint val="37000"/>
+                <a:satMod val="300000"/>
+              </a:schemeClr>
+            </a:gs>
+            <a:gs pos="100000">
+              <a:schemeClr val="phClr">
+                <a:tint val="15000"/>
+                <a:satMod val="350000"/>
+              </a:schemeClr>
+            </a:gs>
+          </a:gsLst>
+          <a:lin ang="16200000" scaled="1"/>
+        </a:gradFill>
+        <a:gradFill rotWithShape="1">
+          <a:gsLst>
+            <a:gs pos="0">
+              <a:schemeClr val="phClr">
+                <a:tint val="100000"/>
+                <a:shade val="100000"/>
+                <a:satMod val="130000"/>
+              </a:schemeClr>
+            </a:gs>
+            <a:gs pos="100000">
+              <a:schemeClr val="phClr">
+                <a:tint val="50000"/>
+                <a:shade val="100000"/>
+                <a:satMod val="350000"/>
+              </a:schemeClr>
+            </a:gs>
+          </a:gsLst>
+          <a:lin ang="16200000" scaled="0"/>
+        </a:gradFill>
+      </a:fillStyleLst>
+      <a:lnStyleLst>
+        <a:ln w="9525" cap="flat" cmpd="sng" algn="ctr">
+          <a:solidFill>
+            <a:schemeClr val="phClr">
+              <a:shade val="95000"/>
+              <a:satMod val="105000"/>
+            </a:schemeClr>
+          </a:solidFill>
+          <a:prstDash val="solid"/>
+        </a:ln>
+        <a:ln w="25400" cap="flat" cmpd="sng" algn="ctr">
+          <a:solidFill>
+            <a:schemeClr val="phClr"/>
+          </a:solidFill>
+          <a:prstDash val="solid"/>
+        </a:ln>
+        <a:ln w="38100" cap="flat" cmpd="sng" algn="ctr">
+          <a:solidFill>
+            <a:schemeClr val="phClr"/>
+          </a:solidFill>
+          <a:prstDash val="solid"/>
+        </a:ln>
+      </a:lnStyleLst>
+      <a:effectStyleLst>
+        <a:effectStyle>
+          <a:effectLst>
+            <a:outerShdw blurRad="40000" dist="20000" dir="5400000" rotWithShape="0">
+              <a:srgbClr val="000000">
+                <a:alpha val="38000"/>
+              </a:srgbClr>
+            </a:outerShdw>
+          </a:effectLst>
+        </a:effectStyle>
+        <a:effectStyle>
+          <a:effectLst>
+            <a:outerShdw blurRad="40000" dist="23000" dir="5400000" rotWithShape="0">
+              <a:srgbClr val="000000">
+                <a:alpha val="35000"/>
+              </a:srgbClr>
+            </a:outerShdw>
+          </a:effectLst>
+        </a:effectStyle>
+        <a:effectStyle>
+          <a:effectLst>
+            <a:outerShdw blurRad="40000" dist="23000" dir="5400000" rotWithShape="0">
+              <a:srgbClr val="000000">
+                <a:alpha val="35000"/>
+              </a:srgbClr>
+            </a:outerShdw>
+          </a:effectLst>
+          <a:scene3d>
+            <a:camera prst="orthographicFront">
+              <a:rot lat="0" lon="0" rev="0"/>
+            </a:camera>
+            <a:lightRig rig="threePt" dir="t">
+              <a:rot lat="0" lon="0" rev="1200000"/>
+            </a:lightRig>
+          </a:scene3d>
+          <a:sp3d>
+            <a:bevelT w="63500" h="25400"/>
+          </a:sp3d>
+        </a:effectStyle>
+      </a:effectStyleLst>
+      <a:bgFillStyleLst>
+        <a:solidFill>
+          <a:schemeClr val="phClr"/>
+        </a:solidFill>
+        <a:gradFill rotWithShape="1">
+          <a:gsLst>
+            <a:gs pos="0">
+              <a:schemeClr val="phClr">
+                <a:tint val="40000"/>
+                <a:satMod val="350000"/>
+              </a:schemeClr>
+            </a:gs>
+            <a:gs pos="40000">
+              <a:schemeClr val="phClr">
+                <a:tint val="45000"/>
+                <a:shade val="99000"/>
+                <a:satMod val="350000"/>
+              </a:schemeClr>
+            </a:gs>
+            <a:gs pos="100000">
+              <a:schemeClr val="phClr">
+                <a:shade val="20000"/>
+                <a:satMod val="255000"/>
+              </a:schemeClr>
+            </a:gs>
+          </a:gsLst>
+          <a:path path="circle">
+            <a:fillToRect l="50000" t="-80000" r="50000" b="180000"/>
+          </a:path>
+        </a:gradFill>
+        <a:gradFill rotWithShape="1">
+          <a:gsLst>
+            <a:gs pos="0">
+              <a:schemeClr val="phClr">
+                <a:tint val="80000"/>
+                <a:satMod val="300000"/>
+              </a:schemeClr>
+            </a:gs>
+            <a:gs pos="100000">
+              <a:schemeClr val="phClr">
+                <a:shade val="30000"/>
+                <a:satMod val="200000"/>
+              </a:schemeClr>
+            </a:gs>
+          </a:gsLst>
+          <a:path path="circle">
+            <a:fillToRect l="50000" t="50000" r="50000" b="50000"/>
+          </a:path>
+        </a:gradFill>
+      </a:bgFillStyleLst>
+    </a:fmtScheme>
+  </a:themeElements>
+</a:theme>
+</file>
+
+<file path=ppt/theme/theme2.xml><?xml version="1.0" encoding="utf-8"?>
+<a:theme xmlns:a="http://schemas.openxmlformats.org/drawingml/2006/main" xmlns:r="http://schemas.openxmlformats.org/officeDocument/2006/relationships" name="Luxe">
   <a:themeElements>
     <a:clrScheme name="Luxe">
       <a:dk1>
@@ -9246,288 +8934,5 @@
       </a:bgFillStyleLst>
     </a:fmtScheme>
   </a:themeElements>
-  <a:objectDefaults/>
-  <a:extraClrSchemeLst/>
-</a:theme>
-</file>
-
-<file path=ppt/theme/theme2.xml><?xml version="1.0" encoding="utf-8"?>
-<a:theme xmlns:a="http://schemas.openxmlformats.org/drawingml/2006/main">
-  <a:themeElements>
-    <a:clrScheme name="Default">
-      <a:dk1>
-        <a:srgbClr val="000000"/>
-      </a:dk1>
-      <a:lt1>
-        <a:srgbClr val="FFFFFF"/>
-      </a:lt1>
-      <a:dk2>
-        <a:srgbClr val="158158"/>
-      </a:dk2>
-      <a:lt2>
-        <a:srgbClr val="F3F3F3"/>
-      </a:lt2>
-      <a:accent1>
-        <a:srgbClr val="058DC7"/>
-      </a:accent1>
-      <a:accent2>
-        <a:srgbClr val="50B432"/>
-      </a:accent2>
-      <a:accent3>
-        <a:srgbClr val="ED561B"/>
-      </a:accent3>
-      <a:accent4>
-        <a:srgbClr val="EDEF00"/>
-      </a:accent4>
-      <a:accent5>
-        <a:srgbClr val="24CBE5"/>
-      </a:accent5>
-      <a:accent6>
-        <a:srgbClr val="64E572"/>
-      </a:accent6>
-      <a:hlink>
-        <a:srgbClr val="2200CC"/>
-      </a:hlink>
-      <a:folHlink>
-        <a:srgbClr val="551A8B"/>
-      </a:folHlink>
-    </a:clrScheme>
-    <a:fontScheme name="Office">
-      <a:majorFont>
-        <a:latin typeface="Arial"/>
-        <a:ea typeface=""/>
-        <a:cs typeface=""/>
-        <a:font script="Jpan" typeface="ＭＳ Ｐゴシック"/>
-        <a:font script="Hang" typeface="맑은 고딕"/>
-        <a:font script="Hans" typeface="宋体"/>
-        <a:font script="Hant" typeface="新細明體"/>
-        <a:font script="Arab" typeface="Times New Roman"/>
-        <a:font script="Hebr" typeface="Times New Roman"/>
-        <a:font script="Thai" typeface="Angsana New"/>
-        <a:font script="Ethi" typeface="Nyala"/>
-        <a:font script="Beng" typeface="Vrinda"/>
-        <a:font script="Gujr" typeface="Shruti"/>
-        <a:font script="Khmr" typeface="MoolBoran"/>
-        <a:font script="Knda" typeface="Tunga"/>
-        <a:font script="Guru" typeface="Raavi"/>
-        <a:font script="Cans" typeface="Euphemia"/>
-        <a:font script="Cher" typeface="Plantagenet Cherokee"/>
-        <a:font script="Yiii" typeface="Microsoft Yi Baiti"/>
-        <a:font script="Tibt" typeface="Microsoft Himalaya"/>
-        <a:font script="Thaa" typeface="MV Boli"/>
-        <a:font script="Deva" typeface="Mangal"/>
-        <a:font script="Telu" typeface="Gautami"/>
-        <a:font script="Taml" typeface="Latha"/>
-        <a:font script="Syrc" typeface="Estrangelo Edessa"/>
-        <a:font script="Orya" typeface="Kalinga"/>
-        <a:font script="Mlym" typeface="Kartika"/>
-        <a:font script="Laoo" typeface="DokChampa"/>
-        <a:font script="Sinh" typeface="Iskoola Pota"/>
-        <a:font script="Mong" typeface="Mongolian Baiti"/>
-        <a:font script="Viet" typeface="Times New Roman"/>
-        <a:font script="Uigh" typeface="Microsoft Uighur"/>
-        <a:font script="Geor" typeface="Sylfaen"/>
-      </a:majorFont>
-      <a:minorFont>
-        <a:latin typeface="Arial"/>
-        <a:ea typeface=""/>
-        <a:cs typeface=""/>
-        <a:font script="Jpan" typeface="ＭＳ Ｐゴシック"/>
-        <a:font script="Hang" typeface="맑은 고딕"/>
-        <a:font script="Hans" typeface="宋体"/>
-        <a:font script="Hant" typeface="新細明體"/>
-        <a:font script="Arab" typeface="Arial"/>
-        <a:font script="Hebr" typeface="Arial"/>
-        <a:font script="Thai" typeface="Cordia New"/>
-        <a:font script="Ethi" typeface="Nyala"/>
-        <a:font script="Beng" typeface="Vrinda"/>
-        <a:font script="Gujr" typeface="Shruti"/>
-        <a:font script="Khmr" typeface="DaunPenh"/>
-        <a:font script="Knda" typeface="Tunga"/>
-        <a:font script="Guru" typeface="Raavi"/>
-        <a:font script="Cans" typeface="Euphemia"/>
-        <a:font script="Cher" typeface="Plantagenet Cherokee"/>
-        <a:font script="Yiii" typeface="Microsoft Yi Baiti"/>
-        <a:font script="Tibt" typeface="Microsoft Himalaya"/>
-        <a:font script="Thaa" typeface="MV Boli"/>
-        <a:font script="Deva" typeface="Mangal"/>
-        <a:font script="Telu" typeface="Gautami"/>
-        <a:font script="Taml" typeface="Latha"/>
-        <a:font script="Syrc" typeface="Estrangelo Edessa"/>
-        <a:font script="Orya" typeface="Kalinga"/>
-        <a:font script="Mlym" typeface="Kartika"/>
-        <a:font script="Laoo" typeface="DokChampa"/>
-        <a:font script="Sinh" typeface="Iskoola Pota"/>
-        <a:font script="Mong" typeface="Mongolian Baiti"/>
-        <a:font script="Viet" typeface="Arial"/>
-        <a:font script="Uigh" typeface="Microsoft Uighur"/>
-        <a:font script="Geor" typeface="Sylfaen"/>
-      </a:minorFont>
-    </a:fontScheme>
-    <a:fmtScheme name="Office">
-      <a:fillStyleLst>
-        <a:solidFill>
-          <a:schemeClr val="phClr"/>
-        </a:solidFill>
-        <a:gradFill rotWithShape="1">
-          <a:gsLst>
-            <a:gs pos="0">
-              <a:schemeClr val="phClr">
-                <a:tint val="50000"/>
-                <a:satMod val="300000"/>
-              </a:schemeClr>
-            </a:gs>
-            <a:gs pos="35000">
-              <a:schemeClr val="phClr">
-                <a:tint val="37000"/>
-                <a:satMod val="300000"/>
-              </a:schemeClr>
-            </a:gs>
-            <a:gs pos="100000">
-              <a:schemeClr val="phClr">
-                <a:tint val="15000"/>
-                <a:satMod val="350000"/>
-              </a:schemeClr>
-            </a:gs>
-          </a:gsLst>
-          <a:lin ang="16200000" scaled="1"/>
-        </a:gradFill>
-        <a:gradFill rotWithShape="1">
-          <a:gsLst>
-            <a:gs pos="0">
-              <a:schemeClr val="phClr">
-                <a:tint val="100000"/>
-                <a:shade val="100000"/>
-                <a:satMod val="130000"/>
-              </a:schemeClr>
-            </a:gs>
-            <a:gs pos="100000">
-              <a:schemeClr val="phClr">
-                <a:tint val="50000"/>
-                <a:shade val="100000"/>
-                <a:satMod val="350000"/>
-              </a:schemeClr>
-            </a:gs>
-          </a:gsLst>
-          <a:lin ang="16200000" scaled="0"/>
-        </a:gradFill>
-      </a:fillStyleLst>
-      <a:lnStyleLst>
-        <a:ln w="9525" cap="flat" cmpd="sng" algn="ctr">
-          <a:solidFill>
-            <a:schemeClr val="phClr">
-              <a:shade val="95000"/>
-              <a:satMod val="105000"/>
-            </a:schemeClr>
-          </a:solidFill>
-          <a:prstDash val="solid"/>
-        </a:ln>
-        <a:ln w="25400" cap="flat" cmpd="sng" algn="ctr">
-          <a:solidFill>
-            <a:schemeClr val="phClr"/>
-          </a:solidFill>
-          <a:prstDash val="solid"/>
-        </a:ln>
-        <a:ln w="38100" cap="flat" cmpd="sng" algn="ctr">
-          <a:solidFill>
-            <a:schemeClr val="phClr"/>
-          </a:solidFill>
-          <a:prstDash val="solid"/>
-        </a:ln>
-      </a:lnStyleLst>
-      <a:effectStyleLst>
-        <a:effectStyle>
-          <a:effectLst>
-            <a:outerShdw blurRad="40000" dist="20000" dir="5400000" rotWithShape="0">
-              <a:srgbClr val="000000">
-                <a:alpha val="38000"/>
-              </a:srgbClr>
-            </a:outerShdw>
-          </a:effectLst>
-        </a:effectStyle>
-        <a:effectStyle>
-          <a:effectLst>
-            <a:outerShdw blurRad="40000" dist="23000" dir="5400000" rotWithShape="0">
-              <a:srgbClr val="000000">
-                <a:alpha val="35000"/>
-              </a:srgbClr>
-            </a:outerShdw>
-          </a:effectLst>
-        </a:effectStyle>
-        <a:effectStyle>
-          <a:effectLst>
-            <a:outerShdw blurRad="40000" dist="23000" dir="5400000" rotWithShape="0">
-              <a:srgbClr val="000000">
-                <a:alpha val="35000"/>
-              </a:srgbClr>
-            </a:outerShdw>
-          </a:effectLst>
-          <a:scene3d>
-            <a:camera prst="orthographicFront">
-              <a:rot lat="0" lon="0" rev="0"/>
-            </a:camera>
-            <a:lightRig rig="threePt" dir="t">
-              <a:rot lat="0" lon="0" rev="1200000"/>
-            </a:lightRig>
-          </a:scene3d>
-          <a:sp3d>
-            <a:bevelT w="63500" h="25400"/>
-          </a:sp3d>
-        </a:effectStyle>
-      </a:effectStyleLst>
-      <a:bgFillStyleLst>
-        <a:solidFill>
-          <a:schemeClr val="phClr"/>
-        </a:solidFill>
-        <a:gradFill rotWithShape="1">
-          <a:gsLst>
-            <a:gs pos="0">
-              <a:schemeClr val="phClr">
-                <a:tint val="40000"/>
-                <a:satMod val="350000"/>
-              </a:schemeClr>
-            </a:gs>
-            <a:gs pos="40000">
-              <a:schemeClr val="phClr">
-                <a:tint val="45000"/>
-                <a:shade val="99000"/>
-                <a:satMod val="350000"/>
-              </a:schemeClr>
-            </a:gs>
-            <a:gs pos="100000">
-              <a:schemeClr val="phClr">
-                <a:shade val="20000"/>
-                <a:satMod val="255000"/>
-              </a:schemeClr>
-            </a:gs>
-          </a:gsLst>
-          <a:path path="circle">
-            <a:fillToRect l="50000" t="-80000" r="50000" b="180000"/>
-          </a:path>
-        </a:gradFill>
-        <a:gradFill rotWithShape="1">
-          <a:gsLst>
-            <a:gs pos="0">
-              <a:schemeClr val="phClr">
-                <a:tint val="80000"/>
-                <a:satMod val="300000"/>
-              </a:schemeClr>
-            </a:gs>
-            <a:gs pos="100000">
-              <a:schemeClr val="phClr">
-                <a:shade val="30000"/>
-                <a:satMod val="200000"/>
-              </a:schemeClr>
-            </a:gs>
-          </a:gsLst>
-          <a:path path="circle">
-            <a:fillToRect l="50000" t="50000" r="50000" b="50000"/>
-          </a:path>
-        </a:gradFill>
-      </a:bgFillStyleLst>
-    </a:fmtScheme>
-  </a:themeElements>
-  <a:objectDefaults/>
-  <a:extraClrSchemeLst/>
 </a:theme>
 </file>